--- a/thesis/Short Presentation.pptx
+++ b/thesis/Short Presentation.pptx
@@ -5,16 +5,20 @@
     <p:sldMasterId id="2147483648" r:id="rId1"/>
   </p:sldMasterIdLst>
   <p:notesMasterIdLst>
-    <p:notesMasterId r:id="rId9"/>
+    <p:notesMasterId r:id="rId13"/>
   </p:notesMasterIdLst>
   <p:sldIdLst>
     <p:sldId id="256" r:id="rId2"/>
-    <p:sldId id="257" r:id="rId3"/>
-    <p:sldId id="258" r:id="rId4"/>
-    <p:sldId id="259" r:id="rId5"/>
-    <p:sldId id="260" r:id="rId6"/>
-    <p:sldId id="262" r:id="rId7"/>
-    <p:sldId id="261" r:id="rId8"/>
+    <p:sldId id="264" r:id="rId3"/>
+    <p:sldId id="257" r:id="rId4"/>
+    <p:sldId id="263" r:id="rId5"/>
+    <p:sldId id="258" r:id="rId6"/>
+    <p:sldId id="259" r:id="rId7"/>
+    <p:sldId id="260" r:id="rId8"/>
+    <p:sldId id="262" r:id="rId9"/>
+    <p:sldId id="261" r:id="rId10"/>
+    <p:sldId id="265" r:id="rId11"/>
+    <p:sldId id="266" r:id="rId12"/>
   </p:sldIdLst>
   <p:sldSz cx="12192000" cy="6858000"/>
   <p:notesSz cx="6858000" cy="9144000"/>
@@ -113,6 +117,11 @@
       </a:defRPr>
     </a:lvl9pPr>
   </p:defaultTextStyle>
+  <p:extLst>
+    <p:ext uri="{EFAFB233-063F-42B5-8137-9DF3F51BA10A}">
+      <p15:sldGuideLst xmlns:p15="http://schemas.microsoft.com/office/powerpoint/2012/main"/>
+    </p:ext>
+  </p:extLst>
 </p:presentation>
 </file>
 
@@ -198,7 +207,7 @@
           <a:p>
             <a:fld id="{3735ECC2-8972-48B2-843C-6E5BA5F4B2C6}" type="datetimeFigureOut">
               <a:rPr lang="de-DE" smtClean="0"/>
-              <a:t>27.12.2021</a:t>
+              <a:t>30.12.2021</a:t>
             </a:fld>
             <a:endParaRPr lang="de-DE"/>
           </a:p>
@@ -612,7 +621,7 @@
           <a:p>
             <a:fld id="{FD592E79-ECF0-41C2-894F-EBF57FA1A9AE}" type="datetime1">
               <a:rPr lang="de-DE" smtClean="0"/>
-              <a:t>27.12.2021</a:t>
+              <a:t>30.12.2021</a:t>
             </a:fld>
             <a:endParaRPr lang="de-DE"/>
           </a:p>
@@ -810,7 +819,7 @@
           <a:p>
             <a:fld id="{5521AC33-72F6-41C2-A7EB-B933DC2D1EC0}" type="datetime1">
               <a:rPr lang="de-DE" smtClean="0"/>
-              <a:t>27.12.2021</a:t>
+              <a:t>30.12.2021</a:t>
             </a:fld>
             <a:endParaRPr lang="de-DE"/>
           </a:p>
@@ -1018,7 +1027,7 @@
           <a:p>
             <a:fld id="{FC36CCA4-6C01-4470-B221-DC6A286DB102}" type="datetime1">
               <a:rPr lang="de-DE" smtClean="0"/>
-              <a:t>27.12.2021</a:t>
+              <a:t>30.12.2021</a:t>
             </a:fld>
             <a:endParaRPr lang="de-DE"/>
           </a:p>
@@ -1216,7 +1225,7 @@
           <a:p>
             <a:fld id="{B54FB089-D762-4209-B1A9-631145D8E61C}" type="datetime1">
               <a:rPr lang="de-DE" smtClean="0"/>
-              <a:t>27.12.2021</a:t>
+              <a:t>30.12.2021</a:t>
             </a:fld>
             <a:endParaRPr lang="de-DE"/>
           </a:p>
@@ -1491,7 +1500,7 @@
           <a:p>
             <a:fld id="{986CFEF3-1B0F-4AA7-B4C4-D8FE251E2346}" type="datetime1">
               <a:rPr lang="de-DE" smtClean="0"/>
-              <a:t>27.12.2021</a:t>
+              <a:t>30.12.2021</a:t>
             </a:fld>
             <a:endParaRPr lang="de-DE"/>
           </a:p>
@@ -1756,7 +1765,7 @@
           <a:p>
             <a:fld id="{3AE1EECF-9D62-4DCD-BBBE-FF354742AB8C}" type="datetime1">
               <a:rPr lang="de-DE" smtClean="0"/>
-              <a:t>27.12.2021</a:t>
+              <a:t>30.12.2021</a:t>
             </a:fld>
             <a:endParaRPr lang="de-DE"/>
           </a:p>
@@ -2168,7 +2177,7 @@
           <a:p>
             <a:fld id="{B160FAF9-1C25-4FC1-8A11-06BCBB8A5A2A}" type="datetime1">
               <a:rPr lang="de-DE" smtClean="0"/>
-              <a:t>27.12.2021</a:t>
+              <a:t>30.12.2021</a:t>
             </a:fld>
             <a:endParaRPr lang="de-DE"/>
           </a:p>
@@ -2309,7 +2318,7 @@
           <a:p>
             <a:fld id="{59992344-7231-4EE9-A1E7-EE11610748C6}" type="datetime1">
               <a:rPr lang="de-DE" smtClean="0"/>
-              <a:t>27.12.2021</a:t>
+              <a:t>30.12.2021</a:t>
             </a:fld>
             <a:endParaRPr lang="de-DE"/>
           </a:p>
@@ -2422,7 +2431,7 @@
           <a:p>
             <a:fld id="{D416D0E7-81B7-4C76-9440-96604E52E72B}" type="datetime1">
               <a:rPr lang="de-DE" smtClean="0"/>
-              <a:t>27.12.2021</a:t>
+              <a:t>30.12.2021</a:t>
             </a:fld>
             <a:endParaRPr lang="de-DE"/>
           </a:p>
@@ -2733,7 +2742,7 @@
           <a:p>
             <a:fld id="{B328D823-C2F1-4F22-8106-20AF019C2504}" type="datetime1">
               <a:rPr lang="de-DE" smtClean="0"/>
-              <a:t>27.12.2021</a:t>
+              <a:t>30.12.2021</a:t>
             </a:fld>
             <a:endParaRPr lang="de-DE"/>
           </a:p>
@@ -3021,7 +3030,7 @@
           <a:p>
             <a:fld id="{A8FF66F7-23A0-4723-8EC8-352312652A94}" type="datetime1">
               <a:rPr lang="de-DE" smtClean="0"/>
-              <a:t>27.12.2021</a:t>
+              <a:t>30.12.2021</a:t>
             </a:fld>
             <a:endParaRPr lang="de-DE"/>
           </a:p>
@@ -3262,7 +3271,7 @@
           <a:p>
             <a:fld id="{38667DC2-3133-4FC0-80D6-5AC1BCE12BF4}" type="datetime1">
               <a:rPr lang="de-DE" smtClean="0"/>
-              <a:t>27.12.2021</a:t>
+              <a:t>30.12.2021</a:t>
             </a:fld>
             <a:endParaRPr lang="de-DE"/>
           </a:p>
@@ -3874,18 +3883,1552 @@
   <p:clrMapOvr>
     <a:masterClrMapping/>
   </p:clrMapOvr>
-  <mc:AlternateContent xmlns:mc="http://schemas.openxmlformats.org/markup-compatibility/2006">
-    <mc:Choice xmlns:p14="http://schemas.microsoft.com/office/powerpoint/2010/main" Requires="p14">
+  <mc:AlternateContent xmlns:mc="http://schemas.openxmlformats.org/markup-compatibility/2006" xmlns:p14="http://schemas.microsoft.com/office/powerpoint/2010/main">
+    <mc:Choice Requires="p14">
       <p:transition spd="slow" p14:dur="800">
         <p14:flythrough/>
       </p:transition>
     </mc:Choice>
-    <mc:Fallback>
+    <mc:Fallback xmlns="">
       <p:transition spd="slow">
         <p:fade/>
       </p:transition>
     </mc:Fallback>
   </mc:AlternateContent>
+</p:sld>
+</file>
+
+<file path=ppt/slides/slide10.xml><?xml version="1.0" encoding="utf-8"?>
+<p:sld xmlns:a="http://schemas.openxmlformats.org/drawingml/2006/main" xmlns:r="http://schemas.openxmlformats.org/officeDocument/2006/relationships" xmlns:p="http://schemas.openxmlformats.org/presentationml/2006/main">
+  <p:cSld>
+    <p:spTree>
+      <p:nvGrpSpPr>
+        <p:cNvPr id="1" name=""/>
+        <p:cNvGrpSpPr/>
+        <p:nvPr/>
+      </p:nvGrpSpPr>
+      <p:grpSpPr>
+        <a:xfrm>
+          <a:off x="0" y="0"/>
+          <a:ext cx="0" cy="0"/>
+          <a:chOff x="0" y="0"/>
+          <a:chExt cx="0" cy="0"/>
+        </a:xfrm>
+      </p:grpSpPr>
+      <p:sp>
+        <p:nvSpPr>
+          <p:cNvPr id="2" name="Titel 1">
+            <a:extLst>
+              <a:ext uri="{FF2B5EF4-FFF2-40B4-BE49-F238E27FC236}">
+                <a16:creationId xmlns:a16="http://schemas.microsoft.com/office/drawing/2014/main" id="{F861F5A0-2913-4608-B029-36CB8A0D8DF1}"/>
+              </a:ext>
+            </a:extLst>
+          </p:cNvPr>
+          <p:cNvSpPr>
+            <a:spLocks noGrp="1"/>
+          </p:cNvSpPr>
+          <p:nvPr>
+            <p:ph type="title"/>
+          </p:nvPr>
+        </p:nvSpPr>
+        <p:spPr/>
+        <p:txBody>
+          <a:bodyPr/>
+          <a:lstStyle/>
+          <a:p>
+            <a:r>
+              <a:rPr lang="de-DE" b="1" dirty="0"/>
+              <a:t>Sources</a:t>
+            </a:r>
+          </a:p>
+        </p:txBody>
+      </p:sp>
+      <p:sp>
+        <p:nvSpPr>
+          <p:cNvPr id="6" name="Inhaltsplatzhalter 5">
+            <a:extLst>
+              <a:ext uri="{FF2B5EF4-FFF2-40B4-BE49-F238E27FC236}">
+                <a16:creationId xmlns:a16="http://schemas.microsoft.com/office/drawing/2014/main" id="{B6AE4F57-28FE-4B48-945D-E96E984B9732}"/>
+              </a:ext>
+            </a:extLst>
+          </p:cNvPr>
+          <p:cNvSpPr>
+            <a:spLocks noGrp="1"/>
+          </p:cNvSpPr>
+          <p:nvPr>
+            <p:ph idx="1"/>
+          </p:nvPr>
+        </p:nvSpPr>
+        <p:spPr/>
+        <p:txBody>
+          <a:bodyPr>
+            <a:normAutofit fontScale="85000" lnSpcReduction="10000"/>
+          </a:bodyPr>
+          <a:lstStyle/>
+          <a:p>
+            <a:pPr marL="0" indent="0">
+              <a:lnSpc>
+                <a:spcPct val="150000"/>
+              </a:lnSpc>
+              <a:buNone/>
+            </a:pPr>
+            <a:r>
+              <a:rPr lang="en-US" sz="1400" b="1" dirty="0" err="1">
+                <a:effectLst/>
+                <a:latin typeface="Times New Roman" panose="02020603050405020304" pitchFamily="18" charset="0"/>
+                <a:ea typeface="Times New Roman" panose="02020603050405020304" pitchFamily="18" charset="0"/>
+              </a:rPr>
+              <a:t>Bundeswahlleiter</a:t>
+            </a:r>
+            <a:r>
+              <a:rPr lang="en-US" sz="1400" b="1" dirty="0">
+                <a:effectLst/>
+                <a:latin typeface="Times New Roman" panose="02020603050405020304" pitchFamily="18" charset="0"/>
+                <a:ea typeface="Times New Roman" panose="02020603050405020304" pitchFamily="18" charset="0"/>
+              </a:rPr>
+              <a:t> (2021f, November 16</a:t>
+            </a:r>
+            <a:r>
+              <a:rPr lang="en-US" sz="1400" b="1" baseline="30000" dirty="0">
+                <a:effectLst/>
+                <a:latin typeface="Times New Roman" panose="02020603050405020304" pitchFamily="18" charset="0"/>
+                <a:ea typeface="Times New Roman" panose="02020603050405020304" pitchFamily="18" charset="0"/>
+              </a:rPr>
+              <a:t>th</a:t>
+            </a:r>
+            <a:r>
+              <a:rPr lang="en-US" sz="1400" b="1" dirty="0">
+                <a:effectLst/>
+                <a:latin typeface="Times New Roman" panose="02020603050405020304" pitchFamily="18" charset="0"/>
+                <a:ea typeface="Times New Roman" panose="02020603050405020304" pitchFamily="18" charset="0"/>
+              </a:rPr>
+              <a:t>):</a:t>
+            </a:r>
+            <a:r>
+              <a:rPr lang="en-US" sz="1400" dirty="0">
+                <a:effectLst/>
+                <a:latin typeface="Times New Roman" panose="02020603050405020304" pitchFamily="18" charset="0"/>
+                <a:ea typeface="Times New Roman" panose="02020603050405020304" pitchFamily="18" charset="0"/>
+              </a:rPr>
+              <a:t> Bundestag elections 2021. Retrieved from: https://www.bundeswahlleiter.de/en/bundestagswahlen/2021/ergebnisse/bund-99.html#stimmentabelle13</a:t>
+            </a:r>
+          </a:p>
+          <a:p>
+            <a:pPr marL="0" indent="0">
+              <a:lnSpc>
+                <a:spcPct val="150000"/>
+              </a:lnSpc>
+              <a:buNone/>
+            </a:pPr>
+            <a:r>
+              <a:rPr lang="en-US" sz="1400" b="1" dirty="0" err="1">
+                <a:effectLst/>
+                <a:latin typeface="Times New Roman" panose="02020603050405020304" pitchFamily="18" charset="0"/>
+                <a:ea typeface="Times New Roman" panose="02020603050405020304" pitchFamily="18" charset="0"/>
+              </a:rPr>
+              <a:t>Bundeszentrale</a:t>
+            </a:r>
+            <a:r>
+              <a:rPr lang="en-US" sz="1400" b="1" dirty="0">
+                <a:effectLst/>
+                <a:latin typeface="Times New Roman" panose="02020603050405020304" pitchFamily="18" charset="0"/>
+                <a:ea typeface="Times New Roman" panose="02020603050405020304" pitchFamily="18" charset="0"/>
+              </a:rPr>
+              <a:t> für </a:t>
+            </a:r>
+            <a:r>
+              <a:rPr lang="en-US" sz="1400" b="1" dirty="0" err="1">
+                <a:effectLst/>
+                <a:latin typeface="Times New Roman" panose="02020603050405020304" pitchFamily="18" charset="0"/>
+                <a:ea typeface="Times New Roman" panose="02020603050405020304" pitchFamily="18" charset="0"/>
+              </a:rPr>
+              <a:t>politische</a:t>
+            </a:r>
+            <a:r>
+              <a:rPr lang="en-US" sz="1400" b="1" dirty="0">
+                <a:effectLst/>
+                <a:latin typeface="Times New Roman" panose="02020603050405020304" pitchFamily="18" charset="0"/>
+                <a:ea typeface="Times New Roman" panose="02020603050405020304" pitchFamily="18" charset="0"/>
+              </a:rPr>
+              <a:t> </a:t>
+            </a:r>
+            <a:r>
+              <a:rPr lang="en-US" sz="1400" b="1" dirty="0" err="1">
+                <a:effectLst/>
+                <a:latin typeface="Times New Roman" panose="02020603050405020304" pitchFamily="18" charset="0"/>
+                <a:ea typeface="Times New Roman" panose="02020603050405020304" pitchFamily="18" charset="0"/>
+              </a:rPr>
+              <a:t>Bildung</a:t>
+            </a:r>
+            <a:r>
+              <a:rPr lang="en-US" sz="1400" b="1" dirty="0">
+                <a:effectLst/>
+                <a:latin typeface="Times New Roman" panose="02020603050405020304" pitchFamily="18" charset="0"/>
+                <a:ea typeface="Times New Roman" panose="02020603050405020304" pitchFamily="18" charset="0"/>
+              </a:rPr>
+              <a:t> (</a:t>
+            </a:r>
+            <a:r>
+              <a:rPr lang="en-US" sz="1400" b="1" dirty="0" err="1">
+                <a:effectLst/>
+                <a:latin typeface="Times New Roman" panose="02020603050405020304" pitchFamily="18" charset="0"/>
+                <a:ea typeface="Times New Roman" panose="02020603050405020304" pitchFamily="18" charset="0"/>
+              </a:rPr>
+              <a:t>bpb</a:t>
+            </a:r>
+            <a:r>
+              <a:rPr lang="en-US" sz="1400" b="1" dirty="0">
+                <a:effectLst/>
+                <a:latin typeface="Times New Roman" panose="02020603050405020304" pitchFamily="18" charset="0"/>
+                <a:ea typeface="Times New Roman" panose="02020603050405020304" pitchFamily="18" charset="0"/>
+              </a:rPr>
+              <a:t>) (2021c, December 13</a:t>
+            </a:r>
+            <a:r>
+              <a:rPr lang="en-US" sz="1400" b="1" baseline="30000" dirty="0">
+                <a:effectLst/>
+                <a:latin typeface="Times New Roman" panose="02020603050405020304" pitchFamily="18" charset="0"/>
+                <a:ea typeface="Times New Roman" panose="02020603050405020304" pitchFamily="18" charset="0"/>
+              </a:rPr>
+              <a:t>th</a:t>
+            </a:r>
+            <a:r>
+              <a:rPr lang="en-US" sz="1400" b="1" dirty="0">
+                <a:effectLst/>
+                <a:latin typeface="Times New Roman" panose="02020603050405020304" pitchFamily="18" charset="0"/>
+                <a:ea typeface="Times New Roman" panose="02020603050405020304" pitchFamily="18" charset="0"/>
+              </a:rPr>
+              <a:t> 2021): </a:t>
+            </a:r>
+            <a:r>
+              <a:rPr lang="en-US" sz="1400" dirty="0" err="1">
+                <a:effectLst/>
+                <a:latin typeface="Times New Roman" panose="02020603050405020304" pitchFamily="18" charset="0"/>
+                <a:ea typeface="Times New Roman" panose="02020603050405020304" pitchFamily="18" charset="0"/>
+              </a:rPr>
+              <a:t>Jahrhunderthochwasser</a:t>
+            </a:r>
+            <a:r>
+              <a:rPr lang="en-US" sz="1400" dirty="0">
+                <a:effectLst/>
+                <a:latin typeface="Times New Roman" panose="02020603050405020304" pitchFamily="18" charset="0"/>
+                <a:ea typeface="Times New Roman" panose="02020603050405020304" pitchFamily="18" charset="0"/>
+              </a:rPr>
+              <a:t> 2021 in Deutschland. Retrieved from:</a:t>
+            </a:r>
+            <a:r>
+              <a:rPr lang="de-DE" sz="1400" dirty="0">
+                <a:latin typeface="Times New Roman" panose="02020603050405020304" pitchFamily="18" charset="0"/>
+                <a:ea typeface="Times New Roman" panose="02020603050405020304" pitchFamily="18" charset="0"/>
+              </a:rPr>
+              <a:t> </a:t>
+            </a:r>
+            <a:r>
+              <a:rPr lang="en-US" sz="1400" dirty="0">
+                <a:effectLst/>
+                <a:latin typeface="Times New Roman" panose="02020603050405020304" pitchFamily="18" charset="0"/>
+                <a:ea typeface="Times New Roman" panose="02020603050405020304" pitchFamily="18" charset="0"/>
+              </a:rPr>
+              <a:t>https://www.bpb.de/politik/hintergrund-aktuell/337277/jahrhunderthochwasser-2021-in-deutschland</a:t>
+            </a:r>
+          </a:p>
+          <a:p>
+            <a:pPr marL="0" indent="0">
+              <a:lnSpc>
+                <a:spcPct val="150000"/>
+              </a:lnSpc>
+              <a:buNone/>
+            </a:pPr>
+            <a:r>
+              <a:rPr lang="en-US" sz="1400" b="1" dirty="0">
+                <a:effectLst/>
+                <a:latin typeface="Times New Roman" panose="02020603050405020304" pitchFamily="18" charset="0"/>
+                <a:ea typeface="Times New Roman" panose="02020603050405020304" pitchFamily="18" charset="0"/>
+              </a:rPr>
+              <a:t>Eckstein, C., Staub, N., Haas, S. &amp; </a:t>
+            </a:r>
+            <a:r>
+              <a:rPr lang="en-US" sz="1400" b="1" dirty="0" err="1">
+                <a:effectLst/>
+                <a:latin typeface="Times New Roman" panose="02020603050405020304" pitchFamily="18" charset="0"/>
+                <a:ea typeface="Times New Roman" panose="02020603050405020304" pitchFamily="18" charset="0"/>
+              </a:rPr>
+              <a:t>Thelitz</a:t>
+            </a:r>
+            <a:r>
+              <a:rPr lang="en-US" sz="1400" b="1" dirty="0">
+                <a:effectLst/>
+                <a:latin typeface="Times New Roman" panose="02020603050405020304" pitchFamily="18" charset="0"/>
+                <a:ea typeface="Times New Roman" panose="02020603050405020304" pitchFamily="18" charset="0"/>
+              </a:rPr>
+              <a:t>, N. (2021, December 15</a:t>
+            </a:r>
+            <a:r>
+              <a:rPr lang="en-US" sz="1400" b="1" baseline="30000" dirty="0">
+                <a:effectLst/>
+                <a:latin typeface="Times New Roman" panose="02020603050405020304" pitchFamily="18" charset="0"/>
+                <a:ea typeface="Times New Roman" panose="02020603050405020304" pitchFamily="18" charset="0"/>
+              </a:rPr>
+              <a:t>th</a:t>
+            </a:r>
+            <a:r>
+              <a:rPr lang="en-US" sz="1400" b="1" dirty="0">
+                <a:effectLst/>
+                <a:latin typeface="Times New Roman" panose="02020603050405020304" pitchFamily="18" charset="0"/>
+                <a:ea typeface="Times New Roman" panose="02020603050405020304" pitchFamily="18" charset="0"/>
+              </a:rPr>
+              <a:t>):</a:t>
+            </a:r>
+            <a:r>
+              <a:rPr lang="en-US" sz="1400" dirty="0">
+                <a:effectLst/>
+                <a:latin typeface="Times New Roman" panose="02020603050405020304" pitchFamily="18" charset="0"/>
+                <a:ea typeface="Times New Roman" panose="02020603050405020304" pitchFamily="18" charset="0"/>
+              </a:rPr>
+              <a:t> SPD </a:t>
+            </a:r>
+            <a:r>
+              <a:rPr lang="en-US" sz="1400" dirty="0" err="1">
+                <a:effectLst/>
+                <a:latin typeface="Times New Roman" panose="02020603050405020304" pitchFamily="18" charset="0"/>
+                <a:ea typeface="Times New Roman" panose="02020603050405020304" pitchFamily="18" charset="0"/>
+              </a:rPr>
+              <a:t>weiter</a:t>
+            </a:r>
+            <a:r>
+              <a:rPr lang="en-US" sz="1400" dirty="0">
+                <a:effectLst/>
+                <a:latin typeface="Times New Roman" panose="02020603050405020304" pitchFamily="18" charset="0"/>
+                <a:ea typeface="Times New Roman" panose="02020603050405020304" pitchFamily="18" charset="0"/>
+              </a:rPr>
+              <a:t> auf Platz </a:t>
+            </a:r>
+            <a:r>
+              <a:rPr lang="en-US" sz="1400" dirty="0" err="1">
+                <a:effectLst/>
+                <a:latin typeface="Times New Roman" panose="02020603050405020304" pitchFamily="18" charset="0"/>
+                <a:ea typeface="Times New Roman" panose="02020603050405020304" pitchFamily="18" charset="0"/>
+              </a:rPr>
+              <a:t>eins</a:t>
+            </a:r>
+            <a:r>
+              <a:rPr lang="en-US" sz="1400" dirty="0">
+                <a:effectLst/>
+                <a:latin typeface="Times New Roman" panose="02020603050405020304" pitchFamily="18" charset="0"/>
+                <a:ea typeface="Times New Roman" panose="02020603050405020304" pitchFamily="18" charset="0"/>
+              </a:rPr>
+              <a:t>, </a:t>
+            </a:r>
+            <a:r>
+              <a:rPr lang="en-US" sz="1400" dirty="0" err="1">
+                <a:effectLst/>
+                <a:latin typeface="Times New Roman" panose="02020603050405020304" pitchFamily="18" charset="0"/>
+                <a:ea typeface="Times New Roman" panose="02020603050405020304" pitchFamily="18" charset="0"/>
+              </a:rPr>
+              <a:t>grosse</a:t>
+            </a:r>
+            <a:r>
+              <a:rPr lang="en-US" sz="1400" dirty="0">
+                <a:effectLst/>
+                <a:latin typeface="Times New Roman" panose="02020603050405020304" pitchFamily="18" charset="0"/>
+                <a:ea typeface="Times New Roman" panose="02020603050405020304" pitchFamily="18" charset="0"/>
+              </a:rPr>
+              <a:t> </a:t>
+            </a:r>
+            <a:r>
+              <a:rPr lang="en-US" sz="1400" dirty="0" err="1">
+                <a:effectLst/>
+                <a:latin typeface="Times New Roman" panose="02020603050405020304" pitchFamily="18" charset="0"/>
+                <a:ea typeface="Times New Roman" panose="02020603050405020304" pitchFamily="18" charset="0"/>
+              </a:rPr>
+              <a:t>Koalition</a:t>
+            </a:r>
+            <a:r>
+              <a:rPr lang="en-US" sz="1400" dirty="0">
+                <a:effectLst/>
+                <a:latin typeface="Times New Roman" panose="02020603050405020304" pitchFamily="18" charset="0"/>
+                <a:ea typeface="Times New Roman" panose="02020603050405020304" pitchFamily="18" charset="0"/>
+              </a:rPr>
+              <a:t> </a:t>
+            </a:r>
+            <a:r>
+              <a:rPr lang="en-US" sz="1400" dirty="0" err="1">
+                <a:effectLst/>
+                <a:latin typeface="Times New Roman" panose="02020603050405020304" pitchFamily="18" charset="0"/>
+                <a:ea typeface="Times New Roman" panose="02020603050405020304" pitchFamily="18" charset="0"/>
+              </a:rPr>
+              <a:t>mit</a:t>
+            </a:r>
+            <a:r>
+              <a:rPr lang="en-US" sz="1400" dirty="0">
+                <a:effectLst/>
+                <a:latin typeface="Times New Roman" panose="02020603050405020304" pitchFamily="18" charset="0"/>
+                <a:ea typeface="Times New Roman" panose="02020603050405020304" pitchFamily="18" charset="0"/>
+              </a:rPr>
+              <a:t> </a:t>
+            </a:r>
+            <a:r>
+              <a:rPr lang="en-US" sz="1400" dirty="0" err="1">
+                <a:effectLst/>
+                <a:latin typeface="Times New Roman" panose="02020603050405020304" pitchFamily="18" charset="0"/>
+                <a:ea typeface="Times New Roman" panose="02020603050405020304" pitchFamily="18" charset="0"/>
+              </a:rPr>
+              <a:t>Mehrheit</a:t>
+            </a:r>
+            <a:r>
+              <a:rPr lang="en-US" sz="1400" dirty="0">
+                <a:effectLst/>
+                <a:latin typeface="Times New Roman" panose="02020603050405020304" pitchFamily="18" charset="0"/>
+                <a:ea typeface="Times New Roman" panose="02020603050405020304" pitchFamily="18" charset="0"/>
+              </a:rPr>
+              <a:t> – die </a:t>
+            </a:r>
+            <a:r>
+              <a:rPr lang="en-US" sz="1400" dirty="0" err="1">
+                <a:effectLst/>
+                <a:latin typeface="Times New Roman" panose="02020603050405020304" pitchFamily="18" charset="0"/>
+                <a:ea typeface="Times New Roman" panose="02020603050405020304" pitchFamily="18" charset="0"/>
+              </a:rPr>
+              <a:t>neuesten</a:t>
+            </a:r>
+            <a:r>
+              <a:rPr lang="en-US" sz="1400" dirty="0">
+                <a:effectLst/>
+                <a:latin typeface="Times New Roman" panose="02020603050405020304" pitchFamily="18" charset="0"/>
+                <a:ea typeface="Times New Roman" panose="02020603050405020304" pitchFamily="18" charset="0"/>
+              </a:rPr>
+              <a:t> </a:t>
+            </a:r>
+            <a:r>
+              <a:rPr lang="en-US" sz="1400" dirty="0" err="1">
+                <a:effectLst/>
+                <a:latin typeface="Times New Roman" panose="02020603050405020304" pitchFamily="18" charset="0"/>
+                <a:ea typeface="Times New Roman" panose="02020603050405020304" pitchFamily="18" charset="0"/>
+              </a:rPr>
+              <a:t>Umfragen</a:t>
+            </a:r>
+            <a:r>
+              <a:rPr lang="en-US" sz="1400" dirty="0">
+                <a:effectLst/>
+                <a:latin typeface="Times New Roman" panose="02020603050405020304" pitchFamily="18" charset="0"/>
+                <a:ea typeface="Times New Roman" panose="02020603050405020304" pitchFamily="18" charset="0"/>
+              </a:rPr>
+              <a:t> </a:t>
+            </a:r>
+            <a:r>
+              <a:rPr lang="en-US" sz="1400" dirty="0" err="1">
+                <a:effectLst/>
+                <a:latin typeface="Times New Roman" panose="02020603050405020304" pitchFamily="18" charset="0"/>
+                <a:ea typeface="Times New Roman" panose="02020603050405020304" pitchFamily="18" charset="0"/>
+              </a:rPr>
+              <a:t>zur</a:t>
+            </a:r>
+            <a:r>
+              <a:rPr lang="en-US" sz="1400" dirty="0">
+                <a:effectLst/>
+                <a:latin typeface="Times New Roman" panose="02020603050405020304" pitchFamily="18" charset="0"/>
+                <a:ea typeface="Times New Roman" panose="02020603050405020304" pitchFamily="18" charset="0"/>
+              </a:rPr>
+              <a:t> </a:t>
+            </a:r>
+            <a:r>
+              <a:rPr lang="en-US" sz="1400" dirty="0" err="1">
+                <a:effectLst/>
+                <a:latin typeface="Times New Roman" panose="02020603050405020304" pitchFamily="18" charset="0"/>
+                <a:ea typeface="Times New Roman" panose="02020603050405020304" pitchFamily="18" charset="0"/>
+              </a:rPr>
+              <a:t>Bundestagswahl</a:t>
+            </a:r>
+            <a:r>
+              <a:rPr lang="en-US" sz="1400" dirty="0">
+                <a:effectLst/>
+                <a:latin typeface="Times New Roman" panose="02020603050405020304" pitchFamily="18" charset="0"/>
+                <a:ea typeface="Times New Roman" panose="02020603050405020304" pitchFamily="18" charset="0"/>
+              </a:rPr>
+              <a:t> 2021. Wie </a:t>
+            </a:r>
+            <a:r>
+              <a:rPr lang="en-US" sz="1400" dirty="0" err="1">
+                <a:effectLst/>
+                <a:latin typeface="Times New Roman" panose="02020603050405020304" pitchFamily="18" charset="0"/>
+                <a:ea typeface="Times New Roman" panose="02020603050405020304" pitchFamily="18" charset="0"/>
+              </a:rPr>
+              <a:t>schneiden</a:t>
+            </a:r>
+            <a:r>
+              <a:rPr lang="en-US" sz="1400" dirty="0">
+                <a:effectLst/>
+                <a:latin typeface="Times New Roman" panose="02020603050405020304" pitchFamily="18" charset="0"/>
+                <a:ea typeface="Times New Roman" panose="02020603050405020304" pitchFamily="18" charset="0"/>
+              </a:rPr>
+              <a:t> die </a:t>
+            </a:r>
+            <a:r>
+              <a:rPr lang="en-US" sz="1400" dirty="0" err="1">
+                <a:effectLst/>
+                <a:latin typeface="Times New Roman" panose="02020603050405020304" pitchFamily="18" charset="0"/>
+                <a:ea typeface="Times New Roman" panose="02020603050405020304" pitchFamily="18" charset="0"/>
+              </a:rPr>
+              <a:t>Parteien</a:t>
+            </a:r>
+            <a:r>
+              <a:rPr lang="en-US" sz="1400" dirty="0">
+                <a:effectLst/>
+                <a:latin typeface="Times New Roman" panose="02020603050405020304" pitchFamily="18" charset="0"/>
+                <a:ea typeface="Times New Roman" panose="02020603050405020304" pitchFamily="18" charset="0"/>
+              </a:rPr>
+              <a:t> </a:t>
+            </a:r>
+            <a:r>
+              <a:rPr lang="en-US" sz="1400" dirty="0" err="1">
+                <a:effectLst/>
+                <a:latin typeface="Times New Roman" panose="02020603050405020304" pitchFamily="18" charset="0"/>
+                <a:ea typeface="Times New Roman" panose="02020603050405020304" pitchFamily="18" charset="0"/>
+              </a:rPr>
+              <a:t>vor</a:t>
+            </a:r>
+            <a:r>
+              <a:rPr lang="en-US" sz="1400" dirty="0">
+                <a:effectLst/>
+                <a:latin typeface="Times New Roman" panose="02020603050405020304" pitchFamily="18" charset="0"/>
+                <a:ea typeface="Times New Roman" panose="02020603050405020304" pitchFamily="18" charset="0"/>
+              </a:rPr>
+              <a:t> der </a:t>
+            </a:r>
+            <a:r>
+              <a:rPr lang="en-US" sz="1400" dirty="0" err="1">
+                <a:effectLst/>
+                <a:latin typeface="Times New Roman" panose="02020603050405020304" pitchFamily="18" charset="0"/>
+                <a:ea typeface="Times New Roman" panose="02020603050405020304" pitchFamily="18" charset="0"/>
+              </a:rPr>
+              <a:t>Bundestagswahl</a:t>
+            </a:r>
+            <a:r>
+              <a:rPr lang="en-US" sz="1400" dirty="0">
+                <a:effectLst/>
+                <a:latin typeface="Times New Roman" panose="02020603050405020304" pitchFamily="18" charset="0"/>
+                <a:ea typeface="Times New Roman" panose="02020603050405020304" pitchFamily="18" charset="0"/>
+              </a:rPr>
+              <a:t> am 26. September ab, und </a:t>
+            </a:r>
+            <a:r>
+              <a:rPr lang="en-US" sz="1400" dirty="0" err="1">
+                <a:effectLst/>
+                <a:latin typeface="Times New Roman" panose="02020603050405020304" pitchFamily="18" charset="0"/>
+                <a:ea typeface="Times New Roman" panose="02020603050405020304" pitchFamily="18" charset="0"/>
+              </a:rPr>
+              <a:t>welche</a:t>
+            </a:r>
+            <a:r>
+              <a:rPr lang="en-US" sz="1400" dirty="0">
+                <a:effectLst/>
+                <a:latin typeface="Times New Roman" panose="02020603050405020304" pitchFamily="18" charset="0"/>
+                <a:ea typeface="Times New Roman" panose="02020603050405020304" pitchFamily="18" charset="0"/>
+              </a:rPr>
+              <a:t> </a:t>
+            </a:r>
+            <a:r>
+              <a:rPr lang="en-US" sz="1400" dirty="0" err="1">
+                <a:effectLst/>
+                <a:latin typeface="Times New Roman" panose="02020603050405020304" pitchFamily="18" charset="0"/>
+                <a:ea typeface="Times New Roman" panose="02020603050405020304" pitchFamily="18" charset="0"/>
+              </a:rPr>
+              <a:t>Themen</a:t>
+            </a:r>
+            <a:r>
+              <a:rPr lang="en-US" sz="1400" dirty="0">
+                <a:effectLst/>
+                <a:latin typeface="Times New Roman" panose="02020603050405020304" pitchFamily="18" charset="0"/>
+                <a:ea typeface="Times New Roman" panose="02020603050405020304" pitchFamily="18" charset="0"/>
+              </a:rPr>
+              <a:t> </a:t>
+            </a:r>
+            <a:r>
+              <a:rPr lang="en-US" sz="1400" dirty="0" err="1">
+                <a:effectLst/>
+                <a:latin typeface="Times New Roman" panose="02020603050405020304" pitchFamily="18" charset="0"/>
+                <a:ea typeface="Times New Roman" panose="02020603050405020304" pitchFamily="18" charset="0"/>
+              </a:rPr>
+              <a:t>sind</a:t>
+            </a:r>
+            <a:r>
+              <a:rPr lang="en-US" sz="1400" dirty="0">
+                <a:effectLst/>
+                <a:latin typeface="Times New Roman" panose="02020603050405020304" pitchFamily="18" charset="0"/>
+                <a:ea typeface="Times New Roman" panose="02020603050405020304" pitchFamily="18" charset="0"/>
+              </a:rPr>
+              <a:t> den </a:t>
+            </a:r>
+            <a:r>
+              <a:rPr lang="en-US" sz="1400" dirty="0" err="1">
+                <a:effectLst/>
+                <a:latin typeface="Times New Roman" panose="02020603050405020304" pitchFamily="18" charset="0"/>
+                <a:ea typeface="Times New Roman" panose="02020603050405020304" pitchFamily="18" charset="0"/>
+              </a:rPr>
+              <a:t>Wählern</a:t>
+            </a:r>
+            <a:r>
+              <a:rPr lang="en-US" sz="1400" dirty="0">
+                <a:effectLst/>
+                <a:latin typeface="Times New Roman" panose="02020603050405020304" pitchFamily="18" charset="0"/>
+                <a:ea typeface="Times New Roman" panose="02020603050405020304" pitchFamily="18" charset="0"/>
+              </a:rPr>
+              <a:t> </a:t>
+            </a:r>
+            <a:r>
+              <a:rPr lang="en-US" sz="1400" dirty="0" err="1">
+                <a:effectLst/>
+                <a:latin typeface="Times New Roman" panose="02020603050405020304" pitchFamily="18" charset="0"/>
+                <a:ea typeface="Times New Roman" panose="02020603050405020304" pitchFamily="18" charset="0"/>
+              </a:rPr>
+              <a:t>wichtig</a:t>
+            </a:r>
+            <a:r>
+              <a:rPr lang="en-US" sz="1400" dirty="0">
+                <a:effectLst/>
+                <a:latin typeface="Times New Roman" panose="02020603050405020304" pitchFamily="18" charset="0"/>
+                <a:ea typeface="Times New Roman" panose="02020603050405020304" pitchFamily="18" charset="0"/>
+              </a:rPr>
+              <a:t>? Ein </a:t>
+            </a:r>
+            <a:r>
+              <a:rPr lang="en-US" sz="1400" dirty="0" err="1">
+                <a:effectLst/>
+                <a:latin typeface="Times New Roman" panose="02020603050405020304" pitchFamily="18" charset="0"/>
+                <a:ea typeface="Times New Roman" panose="02020603050405020304" pitchFamily="18" charset="0"/>
+              </a:rPr>
+              <a:t>regelmäßig</a:t>
+            </a:r>
+            <a:r>
+              <a:rPr lang="en-US" sz="1400" dirty="0">
+                <a:effectLst/>
+                <a:latin typeface="Times New Roman" panose="02020603050405020304" pitchFamily="18" charset="0"/>
+                <a:ea typeface="Times New Roman" panose="02020603050405020304" pitchFamily="18" charset="0"/>
+              </a:rPr>
+              <a:t> </a:t>
+            </a:r>
+            <a:r>
+              <a:rPr lang="en-US" sz="1400" dirty="0" err="1">
+                <a:effectLst/>
+                <a:latin typeface="Times New Roman" panose="02020603050405020304" pitchFamily="18" charset="0"/>
+                <a:ea typeface="Times New Roman" panose="02020603050405020304" pitchFamily="18" charset="0"/>
+              </a:rPr>
+              <a:t>aktualisierter</a:t>
+            </a:r>
+            <a:r>
+              <a:rPr lang="en-US" sz="1400" dirty="0">
+                <a:effectLst/>
+                <a:latin typeface="Times New Roman" panose="02020603050405020304" pitchFamily="18" charset="0"/>
+                <a:ea typeface="Times New Roman" panose="02020603050405020304" pitchFamily="18" charset="0"/>
+              </a:rPr>
+              <a:t> </a:t>
+            </a:r>
+            <a:r>
+              <a:rPr lang="en-US" sz="1400" dirty="0" err="1">
+                <a:effectLst/>
+                <a:latin typeface="Times New Roman" panose="02020603050405020304" pitchFamily="18" charset="0"/>
+                <a:ea typeface="Times New Roman" panose="02020603050405020304" pitchFamily="18" charset="0"/>
+              </a:rPr>
+              <a:t>Überblick</a:t>
+            </a:r>
+            <a:r>
+              <a:rPr lang="en-US" sz="1400" dirty="0">
+                <a:effectLst/>
+                <a:latin typeface="Times New Roman" panose="02020603050405020304" pitchFamily="18" charset="0"/>
+                <a:ea typeface="Times New Roman" panose="02020603050405020304" pitchFamily="18" charset="0"/>
+              </a:rPr>
+              <a:t> in </a:t>
+            </a:r>
+            <a:r>
+              <a:rPr lang="en-US" sz="1400" dirty="0" err="1">
+                <a:effectLst/>
+                <a:latin typeface="Times New Roman" panose="02020603050405020304" pitchFamily="18" charset="0"/>
+                <a:ea typeface="Times New Roman" panose="02020603050405020304" pitchFamily="18" charset="0"/>
+              </a:rPr>
+              <a:t>Zahlen</a:t>
+            </a:r>
+            <a:r>
+              <a:rPr lang="en-US" sz="1400" dirty="0">
+                <a:effectLst/>
+                <a:latin typeface="Times New Roman" panose="02020603050405020304" pitchFamily="18" charset="0"/>
+                <a:ea typeface="Times New Roman" panose="02020603050405020304" pitchFamily="18" charset="0"/>
+              </a:rPr>
+              <a:t>. Neue </a:t>
+            </a:r>
+            <a:r>
+              <a:rPr lang="en-US" sz="1400" dirty="0" err="1">
+                <a:effectLst/>
+                <a:latin typeface="Times New Roman" panose="02020603050405020304" pitchFamily="18" charset="0"/>
+                <a:ea typeface="Times New Roman" panose="02020603050405020304" pitchFamily="18" charset="0"/>
+              </a:rPr>
+              <a:t>Züricher</a:t>
+            </a:r>
+            <a:r>
+              <a:rPr lang="en-US" sz="1400" dirty="0">
+                <a:effectLst/>
+                <a:latin typeface="Times New Roman" panose="02020603050405020304" pitchFamily="18" charset="0"/>
+                <a:ea typeface="Times New Roman" panose="02020603050405020304" pitchFamily="18" charset="0"/>
+              </a:rPr>
+              <a:t> Zeitung (NZZ). Retrieved from:</a:t>
+            </a:r>
+            <a:r>
+              <a:rPr lang="de-DE" sz="1400" dirty="0">
+                <a:latin typeface="Times New Roman" panose="02020603050405020304" pitchFamily="18" charset="0"/>
+                <a:ea typeface="Times New Roman" panose="02020603050405020304" pitchFamily="18" charset="0"/>
+              </a:rPr>
+              <a:t> </a:t>
+            </a:r>
+            <a:r>
+              <a:rPr lang="en-US" sz="1400" dirty="0">
+                <a:effectLst/>
+                <a:latin typeface="Times New Roman" panose="02020603050405020304" pitchFamily="18" charset="0"/>
+                <a:ea typeface="Times New Roman" panose="02020603050405020304" pitchFamily="18" charset="0"/>
+              </a:rPr>
+              <a:t>https://www.nzz.ch/international/deutschland/bundestagswahl-2021-die-neusten-umfragen-zur-wahl-in-deutschland-ld.1605950</a:t>
+            </a:r>
+            <a:endParaRPr lang="de-DE" sz="1400" dirty="0">
+              <a:effectLst/>
+              <a:latin typeface="Times New Roman" panose="02020603050405020304" pitchFamily="18" charset="0"/>
+              <a:ea typeface="Times New Roman" panose="02020603050405020304" pitchFamily="18" charset="0"/>
+            </a:endParaRPr>
+          </a:p>
+          <a:p>
+            <a:pPr marL="0" indent="0">
+              <a:buNone/>
+            </a:pPr>
+            <a:r>
+              <a:rPr lang="en-US" sz="1400" b="1" dirty="0" err="1">
+                <a:effectLst/>
+                <a:latin typeface="Times New Roman" panose="02020603050405020304" pitchFamily="18" charset="0"/>
+                <a:ea typeface="Times New Roman" panose="02020603050405020304" pitchFamily="18" charset="0"/>
+              </a:rPr>
+              <a:t>Giavazzi</a:t>
+            </a:r>
+            <a:r>
+              <a:rPr lang="en-US" sz="1400" b="1" dirty="0">
+                <a:effectLst/>
+                <a:latin typeface="Times New Roman" panose="02020603050405020304" pitchFamily="18" charset="0"/>
+                <a:ea typeface="Times New Roman" panose="02020603050405020304" pitchFamily="18" charset="0"/>
+              </a:rPr>
+              <a:t>, F., </a:t>
+            </a:r>
+            <a:r>
+              <a:rPr lang="en-US" sz="1400" b="1" dirty="0" err="1">
+                <a:effectLst/>
+                <a:latin typeface="Times New Roman" panose="02020603050405020304" pitchFamily="18" charset="0"/>
+                <a:ea typeface="Times New Roman" panose="02020603050405020304" pitchFamily="18" charset="0"/>
+              </a:rPr>
+              <a:t>Iglhaut</a:t>
+            </a:r>
+            <a:r>
+              <a:rPr lang="en-US" sz="1400" b="1" dirty="0">
+                <a:effectLst/>
+                <a:latin typeface="Times New Roman" panose="02020603050405020304" pitchFamily="18" charset="0"/>
+                <a:ea typeface="Times New Roman" panose="02020603050405020304" pitchFamily="18" charset="0"/>
+              </a:rPr>
+              <a:t>, F., </a:t>
+            </a:r>
+            <a:r>
+              <a:rPr lang="en-US" sz="1400" b="1" dirty="0" err="1">
+                <a:effectLst/>
+                <a:latin typeface="Times New Roman" panose="02020603050405020304" pitchFamily="18" charset="0"/>
+                <a:ea typeface="Times New Roman" panose="02020603050405020304" pitchFamily="18" charset="0"/>
+              </a:rPr>
+              <a:t>Lemoli</a:t>
+            </a:r>
+            <a:r>
+              <a:rPr lang="en-US" sz="1400" b="1" dirty="0">
+                <a:effectLst/>
+                <a:latin typeface="Times New Roman" panose="02020603050405020304" pitchFamily="18" charset="0"/>
+                <a:ea typeface="Times New Roman" panose="02020603050405020304" pitchFamily="18" charset="0"/>
+              </a:rPr>
+              <a:t>, G. &amp; </a:t>
+            </a:r>
+            <a:r>
+              <a:rPr lang="en-US" sz="1400" b="1" dirty="0" err="1">
+                <a:effectLst/>
+                <a:latin typeface="Times New Roman" panose="02020603050405020304" pitchFamily="18" charset="0"/>
+                <a:ea typeface="Times New Roman" panose="02020603050405020304" pitchFamily="18" charset="0"/>
+              </a:rPr>
+              <a:t>Rubera</a:t>
+            </a:r>
+            <a:r>
+              <a:rPr lang="en-US" sz="1400" b="1" dirty="0">
+                <a:effectLst/>
+                <a:latin typeface="Times New Roman" panose="02020603050405020304" pitchFamily="18" charset="0"/>
+                <a:ea typeface="Times New Roman" panose="02020603050405020304" pitchFamily="18" charset="0"/>
+              </a:rPr>
+              <a:t>, G. (2020):</a:t>
+            </a:r>
+            <a:r>
+              <a:rPr lang="en-US" sz="1400" dirty="0">
+                <a:effectLst/>
+                <a:latin typeface="Times New Roman" panose="02020603050405020304" pitchFamily="18" charset="0"/>
+                <a:ea typeface="Times New Roman" panose="02020603050405020304" pitchFamily="18" charset="0"/>
+              </a:rPr>
+              <a:t> Terrorist Attacks, Cultural Incidents and the Vote for Radical Parties: Analyzing Text from Twitter, NBER Working Paper No. 26825, March 2020, Revised November 2020, JEL No. C45, D72, H56, p.3-64.</a:t>
+            </a:r>
+            <a:endParaRPr lang="de-DE" sz="1400" dirty="0">
+              <a:effectLst/>
+              <a:latin typeface="Times New Roman" panose="02020603050405020304" pitchFamily="18" charset="0"/>
+              <a:ea typeface="Times New Roman" panose="02020603050405020304" pitchFamily="18" charset="0"/>
+            </a:endParaRPr>
+          </a:p>
+          <a:p>
+            <a:pPr marL="0" indent="0">
+              <a:lnSpc>
+                <a:spcPct val="150000"/>
+              </a:lnSpc>
+              <a:buNone/>
+            </a:pPr>
+            <a:r>
+              <a:rPr lang="en-US" sz="1400" b="1" dirty="0" err="1">
+                <a:effectLst/>
+                <a:latin typeface="Times New Roman" panose="02020603050405020304" pitchFamily="18" charset="0"/>
+                <a:ea typeface="Times New Roman" panose="02020603050405020304" pitchFamily="18" charset="0"/>
+              </a:rPr>
+              <a:t>Liberini</a:t>
+            </a:r>
+            <a:r>
+              <a:rPr lang="en-US" sz="1400" b="1" dirty="0">
+                <a:effectLst/>
+                <a:latin typeface="Times New Roman" panose="02020603050405020304" pitchFamily="18" charset="0"/>
+                <a:ea typeface="Times New Roman" panose="02020603050405020304" pitchFamily="18" charset="0"/>
+              </a:rPr>
+              <a:t>, F., </a:t>
+            </a:r>
+            <a:r>
+              <a:rPr lang="en-US" sz="1400" b="1" dirty="0" err="1">
+                <a:effectLst/>
+                <a:latin typeface="Times New Roman" panose="02020603050405020304" pitchFamily="18" charset="0"/>
+                <a:ea typeface="Times New Roman" panose="02020603050405020304" pitchFamily="18" charset="0"/>
+              </a:rPr>
+              <a:t>Redoano</a:t>
+            </a:r>
+            <a:r>
+              <a:rPr lang="en-US" sz="1400" b="1" dirty="0">
+                <a:effectLst/>
+                <a:latin typeface="Times New Roman" panose="02020603050405020304" pitchFamily="18" charset="0"/>
+                <a:ea typeface="Times New Roman" panose="02020603050405020304" pitchFamily="18" charset="0"/>
+              </a:rPr>
+              <a:t>, M., Russo, A., Cuevas </a:t>
+            </a:r>
+            <a:r>
+              <a:rPr lang="en-US" sz="1400" b="1" dirty="0" err="1">
+                <a:effectLst/>
+                <a:latin typeface="Times New Roman" panose="02020603050405020304" pitchFamily="18" charset="0"/>
+                <a:ea typeface="Times New Roman" panose="02020603050405020304" pitchFamily="18" charset="0"/>
+              </a:rPr>
+              <a:t>Rumin</a:t>
+            </a:r>
+            <a:r>
+              <a:rPr lang="en-US" sz="1400" b="1" dirty="0">
+                <a:effectLst/>
+                <a:latin typeface="Times New Roman" panose="02020603050405020304" pitchFamily="18" charset="0"/>
+                <a:ea typeface="Times New Roman" panose="02020603050405020304" pitchFamily="18" charset="0"/>
+              </a:rPr>
+              <a:t>, A. &amp; Cuevas </a:t>
+            </a:r>
+            <a:r>
+              <a:rPr lang="en-US" sz="1400" b="1" dirty="0" err="1">
+                <a:effectLst/>
+                <a:latin typeface="Times New Roman" panose="02020603050405020304" pitchFamily="18" charset="0"/>
+                <a:ea typeface="Times New Roman" panose="02020603050405020304" pitchFamily="18" charset="0"/>
+              </a:rPr>
+              <a:t>Rumin</a:t>
+            </a:r>
+            <a:r>
+              <a:rPr lang="en-US" sz="1400" b="1" dirty="0">
+                <a:effectLst/>
+                <a:latin typeface="Times New Roman" panose="02020603050405020304" pitchFamily="18" charset="0"/>
+                <a:ea typeface="Times New Roman" panose="02020603050405020304" pitchFamily="18" charset="0"/>
+              </a:rPr>
+              <a:t>, R. (2018): </a:t>
+            </a:r>
+            <a:r>
+              <a:rPr lang="en-US" sz="1400" dirty="0">
+                <a:effectLst/>
+                <a:latin typeface="Times New Roman" panose="02020603050405020304" pitchFamily="18" charset="0"/>
+                <a:ea typeface="Times New Roman" panose="02020603050405020304" pitchFamily="18" charset="0"/>
+              </a:rPr>
+              <a:t>Politics in the Facebook era: How reading political ads on Facebook affects our voting behavior (… and helped Trump to win the presidential election), in: Vox EU CEPR, Research-based policy analysis and commentary from leading economists. Retrieved on December 12</a:t>
+            </a:r>
+            <a:r>
+              <a:rPr lang="en-US" sz="1400" baseline="30000" dirty="0">
+                <a:effectLst/>
+                <a:latin typeface="Times New Roman" panose="02020603050405020304" pitchFamily="18" charset="0"/>
+                <a:ea typeface="Times New Roman" panose="02020603050405020304" pitchFamily="18" charset="0"/>
+              </a:rPr>
+              <a:t>th</a:t>
+            </a:r>
+            <a:r>
+              <a:rPr lang="en-US" sz="1400" dirty="0">
+                <a:effectLst/>
+                <a:latin typeface="Times New Roman" panose="02020603050405020304" pitchFamily="18" charset="0"/>
+                <a:ea typeface="Times New Roman" panose="02020603050405020304" pitchFamily="18" charset="0"/>
+              </a:rPr>
+              <a:t> 2021. Retrieved from: https://voxeu.org/article/politics-facebook-era</a:t>
+            </a:r>
+          </a:p>
+          <a:p>
+            <a:pPr marL="0" indent="0">
+              <a:lnSpc>
+                <a:spcPct val="150000"/>
+              </a:lnSpc>
+              <a:buNone/>
+            </a:pPr>
+            <a:r>
+              <a:rPr lang="en-US" sz="1400" b="1" dirty="0">
+                <a:effectLst/>
+                <a:latin typeface="Times New Roman" panose="02020603050405020304" pitchFamily="18" charset="0"/>
+                <a:ea typeface="Times New Roman" panose="02020603050405020304" pitchFamily="18" charset="0"/>
+              </a:rPr>
+              <a:t>Politico (2021, November 16</a:t>
+            </a:r>
+            <a:r>
+              <a:rPr lang="en-US" sz="1400" b="1" baseline="30000" dirty="0">
+                <a:effectLst/>
+                <a:latin typeface="Times New Roman" panose="02020603050405020304" pitchFamily="18" charset="0"/>
+                <a:ea typeface="Times New Roman" panose="02020603050405020304" pitchFamily="18" charset="0"/>
+              </a:rPr>
+              <a:t>th</a:t>
+            </a:r>
+            <a:r>
+              <a:rPr lang="en-US" sz="1400" b="1" dirty="0">
+                <a:effectLst/>
+                <a:latin typeface="Times New Roman" panose="02020603050405020304" pitchFamily="18" charset="0"/>
+                <a:ea typeface="Times New Roman" panose="02020603050405020304" pitchFamily="18" charset="0"/>
+              </a:rPr>
+              <a:t>): </a:t>
+            </a:r>
+            <a:r>
+              <a:rPr lang="en-US" sz="1400" dirty="0">
+                <a:effectLst/>
+                <a:latin typeface="Times New Roman" panose="02020603050405020304" pitchFamily="18" charset="0"/>
+                <a:ea typeface="Times New Roman" panose="02020603050405020304" pitchFamily="18" charset="0"/>
+              </a:rPr>
+              <a:t>Germany – 2021 general election. Social Democrats narrowly win German vote. Retrieved from:</a:t>
+            </a:r>
+            <a:r>
+              <a:rPr lang="de-DE" sz="1400" dirty="0">
+                <a:latin typeface="Times New Roman" panose="02020603050405020304" pitchFamily="18" charset="0"/>
+                <a:ea typeface="Times New Roman" panose="02020603050405020304" pitchFamily="18" charset="0"/>
+              </a:rPr>
+              <a:t> </a:t>
+            </a:r>
+            <a:r>
+              <a:rPr lang="en-US" sz="1400" dirty="0">
+                <a:effectLst/>
+                <a:latin typeface="Times New Roman" panose="02020603050405020304" pitchFamily="18" charset="0"/>
+                <a:ea typeface="Times New Roman" panose="02020603050405020304" pitchFamily="18" charset="0"/>
+              </a:rPr>
+              <a:t>https://www.politico.eu/europe-poll-of-polls/germany/</a:t>
+            </a:r>
+            <a:endParaRPr lang="de-DE" sz="1400" dirty="0">
+              <a:effectLst/>
+              <a:latin typeface="Times New Roman" panose="02020603050405020304" pitchFamily="18" charset="0"/>
+              <a:ea typeface="Times New Roman" panose="02020603050405020304" pitchFamily="18" charset="0"/>
+            </a:endParaRPr>
+          </a:p>
+          <a:p>
+            <a:pPr marL="0" indent="0">
+              <a:lnSpc>
+                <a:spcPct val="150000"/>
+              </a:lnSpc>
+              <a:buNone/>
+            </a:pPr>
+            <a:endParaRPr lang="de-DE" sz="1800" dirty="0">
+              <a:effectLst/>
+              <a:latin typeface="Times New Roman" panose="02020603050405020304" pitchFamily="18" charset="0"/>
+              <a:ea typeface="Times New Roman" panose="02020603050405020304" pitchFamily="18" charset="0"/>
+            </a:endParaRPr>
+          </a:p>
+          <a:p>
+            <a:pPr marL="0" indent="0">
+              <a:buNone/>
+            </a:pPr>
+            <a:endParaRPr lang="de-DE" dirty="0"/>
+          </a:p>
+        </p:txBody>
+      </p:sp>
+      <p:sp>
+        <p:nvSpPr>
+          <p:cNvPr id="5" name="Foliennummernplatzhalter 4">
+            <a:extLst>
+              <a:ext uri="{FF2B5EF4-FFF2-40B4-BE49-F238E27FC236}">
+                <a16:creationId xmlns:a16="http://schemas.microsoft.com/office/drawing/2014/main" id="{D303F3D7-067A-4B01-A85B-239F12BD23F2}"/>
+              </a:ext>
+            </a:extLst>
+          </p:cNvPr>
+          <p:cNvSpPr>
+            <a:spLocks noGrp="1"/>
+          </p:cNvSpPr>
+          <p:nvPr>
+            <p:ph type="sldNum" sz="quarter" idx="12"/>
+          </p:nvPr>
+        </p:nvSpPr>
+        <p:spPr/>
+        <p:txBody>
+          <a:bodyPr/>
+          <a:lstStyle/>
+          <a:p>
+            <a:fld id="{7791C37A-9F0F-4FE1-BBD5-516FDD76FEAE}" type="slidenum">
+              <a:rPr lang="de-DE" smtClean="0"/>
+              <a:t>10</a:t>
+            </a:fld>
+            <a:endParaRPr lang="de-DE"/>
+          </a:p>
+        </p:txBody>
+      </p:sp>
+    </p:spTree>
+    <p:extLst>
+      <p:ext uri="{BB962C8B-B14F-4D97-AF65-F5344CB8AC3E}">
+        <p14:creationId xmlns:p14="http://schemas.microsoft.com/office/powerpoint/2010/main" val="1378576908"/>
+      </p:ext>
+    </p:extLst>
+  </p:cSld>
+  <p:clrMapOvr>
+    <a:masterClrMapping/>
+  </p:clrMapOvr>
+</p:sld>
+</file>
+
+<file path=ppt/slides/slide11.xml><?xml version="1.0" encoding="utf-8"?>
+<p:sld xmlns:a="http://schemas.openxmlformats.org/drawingml/2006/main" xmlns:r="http://schemas.openxmlformats.org/officeDocument/2006/relationships" xmlns:p="http://schemas.openxmlformats.org/presentationml/2006/main">
+  <p:cSld>
+    <p:spTree>
+      <p:nvGrpSpPr>
+        <p:cNvPr id="1" name=""/>
+        <p:cNvGrpSpPr/>
+        <p:nvPr/>
+      </p:nvGrpSpPr>
+      <p:grpSpPr>
+        <a:xfrm>
+          <a:off x="0" y="0"/>
+          <a:ext cx="0" cy="0"/>
+          <a:chOff x="0" y="0"/>
+          <a:chExt cx="0" cy="0"/>
+        </a:xfrm>
+      </p:grpSpPr>
+      <p:sp>
+        <p:nvSpPr>
+          <p:cNvPr id="2" name="Titel 1">
+            <a:extLst>
+              <a:ext uri="{FF2B5EF4-FFF2-40B4-BE49-F238E27FC236}">
+                <a16:creationId xmlns:a16="http://schemas.microsoft.com/office/drawing/2014/main" id="{F861F5A0-2913-4608-B029-36CB8A0D8DF1}"/>
+              </a:ext>
+            </a:extLst>
+          </p:cNvPr>
+          <p:cNvSpPr>
+            <a:spLocks noGrp="1"/>
+          </p:cNvSpPr>
+          <p:nvPr>
+            <p:ph type="title"/>
+          </p:nvPr>
+        </p:nvSpPr>
+        <p:spPr/>
+        <p:txBody>
+          <a:bodyPr/>
+          <a:lstStyle/>
+          <a:p>
+            <a:r>
+              <a:rPr lang="de-DE" b="1" dirty="0"/>
+              <a:t>Sources</a:t>
+            </a:r>
+          </a:p>
+        </p:txBody>
+      </p:sp>
+      <p:sp>
+        <p:nvSpPr>
+          <p:cNvPr id="6" name="Inhaltsplatzhalter 5">
+            <a:extLst>
+              <a:ext uri="{FF2B5EF4-FFF2-40B4-BE49-F238E27FC236}">
+                <a16:creationId xmlns:a16="http://schemas.microsoft.com/office/drawing/2014/main" id="{B6AE4F57-28FE-4B48-945D-E96E984B9732}"/>
+              </a:ext>
+            </a:extLst>
+          </p:cNvPr>
+          <p:cNvSpPr>
+            <a:spLocks noGrp="1"/>
+          </p:cNvSpPr>
+          <p:nvPr>
+            <p:ph idx="1"/>
+          </p:nvPr>
+        </p:nvSpPr>
+        <p:spPr/>
+        <p:txBody>
+          <a:bodyPr>
+            <a:normAutofit/>
+          </a:bodyPr>
+          <a:lstStyle/>
+          <a:p>
+            <a:pPr marL="0" indent="0">
+              <a:lnSpc>
+                <a:spcPct val="150000"/>
+              </a:lnSpc>
+              <a:buNone/>
+            </a:pPr>
+            <a:r>
+              <a:rPr lang="en-US" sz="1200" b="1" dirty="0" err="1">
+                <a:effectLst/>
+                <a:latin typeface="Times New Roman" panose="02020603050405020304" pitchFamily="18" charset="0"/>
+                <a:ea typeface="Times New Roman" panose="02020603050405020304" pitchFamily="18" charset="0"/>
+              </a:rPr>
+              <a:t>Wahlen_DE</a:t>
+            </a:r>
+            <a:r>
+              <a:rPr lang="en-US" sz="1200" b="1" dirty="0">
+                <a:effectLst/>
+                <a:latin typeface="Times New Roman" panose="02020603050405020304" pitchFamily="18" charset="0"/>
+                <a:ea typeface="Times New Roman" panose="02020603050405020304" pitchFamily="18" charset="0"/>
+              </a:rPr>
+              <a:t> (</a:t>
+            </a:r>
+            <a:r>
+              <a:rPr lang="en-US" sz="1200" b="1" dirty="0" err="1">
+                <a:effectLst/>
+                <a:latin typeface="Times New Roman" panose="02020603050405020304" pitchFamily="18" charset="0"/>
+                <a:ea typeface="Times New Roman" panose="02020603050405020304" pitchFamily="18" charset="0"/>
+              </a:rPr>
+              <a:t>Wahlen</a:t>
+            </a:r>
+            <a:r>
+              <a:rPr lang="en-US" sz="1200" b="1" dirty="0">
+                <a:effectLst/>
+                <a:latin typeface="Times New Roman" panose="02020603050405020304" pitchFamily="18" charset="0"/>
+                <a:ea typeface="Times New Roman" panose="02020603050405020304" pitchFamily="18" charset="0"/>
+              </a:rPr>
+              <a:t>) (2021, December 15</a:t>
+            </a:r>
+            <a:r>
+              <a:rPr lang="en-US" sz="1200" b="1" baseline="30000" dirty="0">
+                <a:effectLst/>
+                <a:latin typeface="Times New Roman" panose="02020603050405020304" pitchFamily="18" charset="0"/>
+                <a:ea typeface="Times New Roman" panose="02020603050405020304" pitchFamily="18" charset="0"/>
+              </a:rPr>
+              <a:t>th</a:t>
+            </a:r>
+            <a:r>
+              <a:rPr lang="en-US" sz="1200" b="1" dirty="0">
+                <a:effectLst/>
+                <a:latin typeface="Times New Roman" panose="02020603050405020304" pitchFamily="18" charset="0"/>
+                <a:ea typeface="Times New Roman" panose="02020603050405020304" pitchFamily="18" charset="0"/>
+              </a:rPr>
+              <a:t>): </a:t>
+            </a:r>
+            <a:r>
+              <a:rPr lang="en-US" sz="1200" dirty="0">
+                <a:effectLst/>
+                <a:latin typeface="Times New Roman" panose="02020603050405020304" pitchFamily="18" charset="0"/>
+                <a:ea typeface="Times New Roman" panose="02020603050405020304" pitchFamily="18" charset="0"/>
+              </a:rPr>
+              <a:t>Deutschland </a:t>
+            </a:r>
+            <a:r>
+              <a:rPr lang="en-US" sz="1200" dirty="0" err="1">
+                <a:effectLst/>
+                <a:latin typeface="Times New Roman" panose="02020603050405020304" pitchFamily="18" charset="0"/>
+                <a:ea typeface="Times New Roman" panose="02020603050405020304" pitchFamily="18" charset="0"/>
+              </a:rPr>
+              <a:t>Wählt</a:t>
+            </a:r>
+            <a:r>
+              <a:rPr lang="en-US" sz="1200" dirty="0">
+                <a:effectLst/>
+                <a:latin typeface="Times New Roman" panose="02020603050405020304" pitchFamily="18" charset="0"/>
+                <a:ea typeface="Times New Roman" panose="02020603050405020304" pitchFamily="18" charset="0"/>
+              </a:rPr>
+              <a:t>. Retrieved from:</a:t>
+            </a:r>
+            <a:r>
+              <a:rPr lang="de-DE" sz="1200" dirty="0">
+                <a:latin typeface="Times New Roman" panose="02020603050405020304" pitchFamily="18" charset="0"/>
+                <a:ea typeface="Times New Roman" panose="02020603050405020304" pitchFamily="18" charset="0"/>
+              </a:rPr>
+              <a:t> </a:t>
+            </a:r>
+            <a:r>
+              <a:rPr lang="en-US" sz="1200" dirty="0">
+                <a:effectLst/>
+                <a:latin typeface="Times New Roman" panose="02020603050405020304" pitchFamily="18" charset="0"/>
+                <a:ea typeface="Times New Roman" panose="02020603050405020304" pitchFamily="18" charset="0"/>
+              </a:rPr>
+              <a:t>https://twitter.com/Wahlen_DE</a:t>
+            </a:r>
+            <a:endParaRPr lang="en-US" sz="1200" b="1" dirty="0">
+              <a:effectLst/>
+              <a:latin typeface="Times New Roman" panose="02020603050405020304" pitchFamily="18" charset="0"/>
+              <a:ea typeface="Times New Roman" panose="02020603050405020304" pitchFamily="18" charset="0"/>
+            </a:endParaRPr>
+          </a:p>
+          <a:p>
+            <a:pPr marL="0" indent="0">
+              <a:lnSpc>
+                <a:spcPct val="150000"/>
+              </a:lnSpc>
+              <a:buNone/>
+            </a:pPr>
+            <a:r>
+              <a:rPr lang="en-US" sz="1200" b="1" dirty="0">
+                <a:effectLst/>
+                <a:latin typeface="Times New Roman" panose="02020603050405020304" pitchFamily="18" charset="0"/>
+                <a:ea typeface="Times New Roman" panose="02020603050405020304" pitchFamily="18" charset="0"/>
+              </a:rPr>
+              <a:t>Wahlrecht.de (</a:t>
+            </a:r>
+            <a:r>
+              <a:rPr lang="en-US" sz="1200" b="1" dirty="0" err="1">
+                <a:effectLst/>
+                <a:latin typeface="Times New Roman" panose="02020603050405020304" pitchFamily="18" charset="0"/>
+                <a:ea typeface="Times New Roman" panose="02020603050405020304" pitchFamily="18" charset="0"/>
+              </a:rPr>
+              <a:t>Wahlrecht</a:t>
+            </a:r>
+            <a:r>
+              <a:rPr lang="en-US" sz="1200" b="1" dirty="0">
+                <a:effectLst/>
+                <a:latin typeface="Times New Roman" panose="02020603050405020304" pitchFamily="18" charset="0"/>
+                <a:ea typeface="Times New Roman" panose="02020603050405020304" pitchFamily="18" charset="0"/>
+              </a:rPr>
+              <a:t>) (2021, December 15</a:t>
+            </a:r>
+            <a:r>
+              <a:rPr lang="en-US" sz="1200" b="1" baseline="30000" dirty="0">
+                <a:effectLst/>
+                <a:latin typeface="Times New Roman" panose="02020603050405020304" pitchFamily="18" charset="0"/>
+                <a:ea typeface="Times New Roman" panose="02020603050405020304" pitchFamily="18" charset="0"/>
+              </a:rPr>
+              <a:t>th</a:t>
+            </a:r>
+            <a:r>
+              <a:rPr lang="en-US" sz="1200" b="1" dirty="0">
+                <a:effectLst/>
+                <a:latin typeface="Times New Roman" panose="02020603050405020304" pitchFamily="18" charset="0"/>
+                <a:ea typeface="Times New Roman" panose="02020603050405020304" pitchFamily="18" charset="0"/>
+              </a:rPr>
+              <a:t>):</a:t>
+            </a:r>
+            <a:r>
+              <a:rPr lang="en-US" sz="1200" dirty="0">
+                <a:effectLst/>
+                <a:latin typeface="Times New Roman" panose="02020603050405020304" pitchFamily="18" charset="0"/>
+                <a:ea typeface="Times New Roman" panose="02020603050405020304" pitchFamily="18" charset="0"/>
+              </a:rPr>
+              <a:t> </a:t>
+            </a:r>
+            <a:r>
+              <a:rPr lang="en-US" sz="1200" dirty="0" err="1">
+                <a:effectLst/>
+                <a:latin typeface="Times New Roman" panose="02020603050405020304" pitchFamily="18" charset="0"/>
+                <a:ea typeface="Times New Roman" panose="02020603050405020304" pitchFamily="18" charset="0"/>
+              </a:rPr>
+              <a:t>Sonntagsfrage</a:t>
+            </a:r>
+            <a:r>
+              <a:rPr lang="en-US" sz="1200" dirty="0">
+                <a:effectLst/>
+                <a:latin typeface="Times New Roman" panose="02020603050405020304" pitchFamily="18" charset="0"/>
+                <a:ea typeface="Times New Roman" panose="02020603050405020304" pitchFamily="18" charset="0"/>
+              </a:rPr>
+              <a:t> </a:t>
+            </a:r>
+            <a:r>
+              <a:rPr lang="en-US" sz="1200" dirty="0" err="1">
+                <a:effectLst/>
+                <a:latin typeface="Times New Roman" panose="02020603050405020304" pitchFamily="18" charset="0"/>
+                <a:ea typeface="Times New Roman" panose="02020603050405020304" pitchFamily="18" charset="0"/>
+              </a:rPr>
+              <a:t>Bundestagswahl</a:t>
+            </a:r>
+            <a:r>
+              <a:rPr lang="en-US" sz="1200" dirty="0">
+                <a:effectLst/>
+                <a:latin typeface="Times New Roman" panose="02020603050405020304" pitchFamily="18" charset="0"/>
+                <a:ea typeface="Times New Roman" panose="02020603050405020304" pitchFamily="18" charset="0"/>
+              </a:rPr>
+              <a:t>. Retrieved from:</a:t>
+            </a:r>
+            <a:r>
+              <a:rPr lang="de-DE" sz="1200" dirty="0">
+                <a:latin typeface="Times New Roman" panose="02020603050405020304" pitchFamily="18" charset="0"/>
+                <a:ea typeface="Times New Roman" panose="02020603050405020304" pitchFamily="18" charset="0"/>
+              </a:rPr>
+              <a:t> </a:t>
+            </a:r>
+            <a:r>
+              <a:rPr lang="en-US" sz="1200" dirty="0">
+                <a:effectLst/>
+                <a:latin typeface="Times New Roman" panose="02020603050405020304" pitchFamily="18" charset="0"/>
+                <a:ea typeface="Times New Roman" panose="02020603050405020304" pitchFamily="18" charset="0"/>
+              </a:rPr>
+              <a:t>https://www.wahlrecht.de/umfragen/index.htm</a:t>
+            </a:r>
+            <a:endParaRPr lang="de-DE" sz="1200" dirty="0">
+              <a:effectLst/>
+              <a:latin typeface="Times New Roman" panose="02020603050405020304" pitchFamily="18" charset="0"/>
+              <a:ea typeface="Times New Roman" panose="02020603050405020304" pitchFamily="18" charset="0"/>
+            </a:endParaRPr>
+          </a:p>
+          <a:p>
+            <a:pPr marL="0" indent="0">
+              <a:lnSpc>
+                <a:spcPct val="150000"/>
+              </a:lnSpc>
+              <a:buNone/>
+            </a:pPr>
+            <a:r>
+              <a:rPr lang="en-US" sz="1200" b="1" dirty="0" err="1">
+                <a:effectLst/>
+                <a:latin typeface="Times New Roman" panose="02020603050405020304" pitchFamily="18" charset="0"/>
+                <a:ea typeface="Times New Roman" panose="02020603050405020304" pitchFamily="18" charset="0"/>
+              </a:rPr>
+              <a:t>WirtschaftsWoche</a:t>
+            </a:r>
+            <a:r>
+              <a:rPr lang="en-US" sz="1200" b="1" dirty="0">
+                <a:effectLst/>
+                <a:latin typeface="Times New Roman" panose="02020603050405020304" pitchFamily="18" charset="0"/>
+                <a:ea typeface="Times New Roman" panose="02020603050405020304" pitchFamily="18" charset="0"/>
+              </a:rPr>
+              <a:t> (</a:t>
+            </a:r>
+            <a:r>
+              <a:rPr lang="en-US" sz="1200" b="1" dirty="0" err="1">
+                <a:effectLst/>
+                <a:latin typeface="Times New Roman" panose="02020603050405020304" pitchFamily="18" charset="0"/>
+                <a:ea typeface="Times New Roman" panose="02020603050405020304" pitchFamily="18" charset="0"/>
+              </a:rPr>
+              <a:t>Wiwo</a:t>
+            </a:r>
+            <a:r>
+              <a:rPr lang="en-US" sz="1200" b="1" dirty="0">
+                <a:effectLst/>
+                <a:latin typeface="Times New Roman" panose="02020603050405020304" pitchFamily="18" charset="0"/>
+                <a:ea typeface="Times New Roman" panose="02020603050405020304" pitchFamily="18" charset="0"/>
+              </a:rPr>
+              <a:t>) (2021a): </a:t>
+            </a:r>
+            <a:r>
+              <a:rPr lang="en-US" sz="1200" dirty="0">
+                <a:effectLst/>
+                <a:latin typeface="Times New Roman" panose="02020603050405020304" pitchFamily="18" charset="0"/>
+                <a:ea typeface="Times New Roman" panose="02020603050405020304" pitchFamily="18" charset="0"/>
+              </a:rPr>
+              <a:t>Wie </a:t>
+            </a:r>
+            <a:r>
+              <a:rPr lang="en-US" sz="1200" dirty="0" err="1">
+                <a:effectLst/>
+                <a:latin typeface="Times New Roman" panose="02020603050405020304" pitchFamily="18" charset="0"/>
+                <a:ea typeface="Times New Roman" panose="02020603050405020304" pitchFamily="18" charset="0"/>
+              </a:rPr>
+              <a:t>verlief</a:t>
+            </a:r>
+            <a:r>
+              <a:rPr lang="en-US" sz="1200" dirty="0">
+                <a:effectLst/>
+                <a:latin typeface="Times New Roman" panose="02020603050405020304" pitchFamily="18" charset="0"/>
+                <a:ea typeface="Times New Roman" panose="02020603050405020304" pitchFamily="18" charset="0"/>
+              </a:rPr>
+              <a:t> der </a:t>
+            </a:r>
+            <a:r>
+              <a:rPr lang="en-US" sz="1200" dirty="0" err="1">
+                <a:effectLst/>
+                <a:latin typeface="Times New Roman" panose="02020603050405020304" pitchFamily="18" charset="0"/>
+                <a:ea typeface="Times New Roman" panose="02020603050405020304" pitchFamily="18" charset="0"/>
+              </a:rPr>
+              <a:t>erste</a:t>
+            </a:r>
+            <a:r>
+              <a:rPr lang="en-US" sz="1200" dirty="0">
+                <a:effectLst/>
+                <a:latin typeface="Times New Roman" panose="02020603050405020304" pitchFamily="18" charset="0"/>
+                <a:ea typeface="Times New Roman" panose="02020603050405020304" pitchFamily="18" charset="0"/>
+              </a:rPr>
+              <a:t> Lockdown in Deutschland? Corona-Lockdown. Retrieved from: https://www.wiwo.de/politik/deutschland/corona-lockdown-wie-verlief-der-erste-lockdown-in-deutschland/26853384.html</a:t>
+            </a:r>
+            <a:endParaRPr lang="de-DE" sz="1200" dirty="0">
+              <a:effectLst/>
+              <a:latin typeface="Times New Roman" panose="02020603050405020304" pitchFamily="18" charset="0"/>
+              <a:ea typeface="Times New Roman" panose="02020603050405020304" pitchFamily="18" charset="0"/>
+            </a:endParaRPr>
+          </a:p>
+          <a:p>
+            <a:pPr marL="0" indent="0">
+              <a:lnSpc>
+                <a:spcPct val="150000"/>
+              </a:lnSpc>
+              <a:buNone/>
+            </a:pPr>
+            <a:r>
+              <a:rPr lang="en-US" sz="1200" b="1" dirty="0" err="1">
+                <a:effectLst/>
+                <a:latin typeface="Times New Roman" panose="02020603050405020304" pitchFamily="18" charset="0"/>
+                <a:ea typeface="Times New Roman" panose="02020603050405020304" pitchFamily="18" charset="0"/>
+              </a:rPr>
+              <a:t>WirtschaftsWoche</a:t>
+            </a:r>
+            <a:r>
+              <a:rPr lang="en-US" sz="1200" b="1" dirty="0">
+                <a:effectLst/>
+                <a:latin typeface="Times New Roman" panose="02020603050405020304" pitchFamily="18" charset="0"/>
+                <a:ea typeface="Times New Roman" panose="02020603050405020304" pitchFamily="18" charset="0"/>
+              </a:rPr>
+              <a:t> (</a:t>
+            </a:r>
+            <a:r>
+              <a:rPr lang="en-US" sz="1200" b="1" dirty="0" err="1">
+                <a:effectLst/>
+                <a:latin typeface="Times New Roman" panose="02020603050405020304" pitchFamily="18" charset="0"/>
+                <a:ea typeface="Times New Roman" panose="02020603050405020304" pitchFamily="18" charset="0"/>
+              </a:rPr>
+              <a:t>Wiwo</a:t>
+            </a:r>
+            <a:r>
+              <a:rPr lang="en-US" sz="1200" b="1" dirty="0">
+                <a:effectLst/>
+                <a:latin typeface="Times New Roman" panose="02020603050405020304" pitchFamily="18" charset="0"/>
+                <a:ea typeface="Times New Roman" panose="02020603050405020304" pitchFamily="18" charset="0"/>
+              </a:rPr>
+              <a:t>) (2021b):</a:t>
+            </a:r>
+            <a:r>
+              <a:rPr lang="en-US" sz="1200" dirty="0">
+                <a:effectLst/>
+                <a:latin typeface="Times New Roman" panose="02020603050405020304" pitchFamily="18" charset="0"/>
+                <a:ea typeface="Times New Roman" panose="02020603050405020304" pitchFamily="18" charset="0"/>
+              </a:rPr>
+              <a:t> So </a:t>
+            </a:r>
+            <a:r>
+              <a:rPr lang="en-US" sz="1200" dirty="0" err="1">
+                <a:effectLst/>
+                <a:latin typeface="Times New Roman" panose="02020603050405020304" pitchFamily="18" charset="0"/>
+                <a:ea typeface="Times New Roman" panose="02020603050405020304" pitchFamily="18" charset="0"/>
+              </a:rPr>
+              <a:t>ist</a:t>
+            </a:r>
+            <a:r>
+              <a:rPr lang="en-US" sz="1200" dirty="0">
+                <a:effectLst/>
+                <a:latin typeface="Times New Roman" panose="02020603050405020304" pitchFamily="18" charset="0"/>
+                <a:ea typeface="Times New Roman" panose="02020603050405020304" pitchFamily="18" charset="0"/>
+              </a:rPr>
+              <a:t> der </a:t>
+            </a:r>
+            <a:r>
+              <a:rPr lang="en-US" sz="1200" dirty="0" err="1">
+                <a:effectLst/>
+                <a:latin typeface="Times New Roman" panose="02020603050405020304" pitchFamily="18" charset="0"/>
+                <a:ea typeface="Times New Roman" panose="02020603050405020304" pitchFamily="18" charset="0"/>
+              </a:rPr>
+              <a:t>zweite</a:t>
+            </a:r>
+            <a:r>
+              <a:rPr lang="en-US" sz="1200" dirty="0">
+                <a:effectLst/>
+                <a:latin typeface="Times New Roman" panose="02020603050405020304" pitchFamily="18" charset="0"/>
+                <a:ea typeface="Times New Roman" panose="02020603050405020304" pitchFamily="18" charset="0"/>
+              </a:rPr>
+              <a:t> Lockdown in Deutschland </a:t>
+            </a:r>
+            <a:r>
+              <a:rPr lang="en-US" sz="1200" dirty="0" err="1">
+                <a:effectLst/>
+                <a:latin typeface="Times New Roman" panose="02020603050405020304" pitchFamily="18" charset="0"/>
+                <a:ea typeface="Times New Roman" panose="02020603050405020304" pitchFamily="18" charset="0"/>
+              </a:rPr>
+              <a:t>verlaufen</a:t>
+            </a:r>
+            <a:r>
+              <a:rPr lang="en-US" sz="1200" dirty="0">
+                <a:effectLst/>
+                <a:latin typeface="Times New Roman" panose="02020603050405020304" pitchFamily="18" charset="0"/>
+                <a:ea typeface="Times New Roman" panose="02020603050405020304" pitchFamily="18" charset="0"/>
+              </a:rPr>
+              <a:t>. Corona-Lockdowns. Retrieved from:</a:t>
+            </a:r>
+            <a:r>
+              <a:rPr lang="de-DE" sz="1200" dirty="0">
+                <a:latin typeface="Times New Roman" panose="02020603050405020304" pitchFamily="18" charset="0"/>
+                <a:ea typeface="Times New Roman" panose="02020603050405020304" pitchFamily="18" charset="0"/>
+              </a:rPr>
+              <a:t> </a:t>
+            </a:r>
+            <a:r>
+              <a:rPr lang="en-US" sz="1200" dirty="0">
+                <a:effectLst/>
+                <a:latin typeface="Times New Roman" panose="02020603050405020304" pitchFamily="18" charset="0"/>
+                <a:ea typeface="Times New Roman" panose="02020603050405020304" pitchFamily="18" charset="0"/>
+              </a:rPr>
+              <a:t>https://www.wiwo.de/politik/deutschland/corona-lockdowns-so-ist-der-zweite-lockdown-in-deutschland-verlaufen/27076474.html</a:t>
+            </a:r>
+            <a:endParaRPr lang="de-DE" sz="1200" dirty="0">
+              <a:effectLst/>
+              <a:latin typeface="Times New Roman" panose="02020603050405020304" pitchFamily="18" charset="0"/>
+              <a:ea typeface="Times New Roman" panose="02020603050405020304" pitchFamily="18" charset="0"/>
+            </a:endParaRPr>
+          </a:p>
+          <a:p>
+            <a:pPr marL="0" indent="0">
+              <a:lnSpc>
+                <a:spcPct val="150000"/>
+              </a:lnSpc>
+              <a:buNone/>
+            </a:pPr>
+            <a:endParaRPr lang="de-DE" sz="1800" dirty="0">
+              <a:effectLst/>
+              <a:latin typeface="Times New Roman" panose="02020603050405020304" pitchFamily="18" charset="0"/>
+              <a:ea typeface="Times New Roman" panose="02020603050405020304" pitchFamily="18" charset="0"/>
+            </a:endParaRPr>
+          </a:p>
+          <a:p>
+            <a:pPr marL="0" indent="0">
+              <a:buNone/>
+            </a:pPr>
+            <a:endParaRPr lang="de-DE" dirty="0"/>
+          </a:p>
+        </p:txBody>
+      </p:sp>
+      <p:sp>
+        <p:nvSpPr>
+          <p:cNvPr id="5" name="Foliennummernplatzhalter 4">
+            <a:extLst>
+              <a:ext uri="{FF2B5EF4-FFF2-40B4-BE49-F238E27FC236}">
+                <a16:creationId xmlns:a16="http://schemas.microsoft.com/office/drawing/2014/main" id="{D303F3D7-067A-4B01-A85B-239F12BD23F2}"/>
+              </a:ext>
+            </a:extLst>
+          </p:cNvPr>
+          <p:cNvSpPr>
+            <a:spLocks noGrp="1"/>
+          </p:cNvSpPr>
+          <p:nvPr>
+            <p:ph type="sldNum" sz="quarter" idx="12"/>
+          </p:nvPr>
+        </p:nvSpPr>
+        <p:spPr/>
+        <p:txBody>
+          <a:bodyPr/>
+          <a:lstStyle/>
+          <a:p>
+            <a:fld id="{7791C37A-9F0F-4FE1-BBD5-516FDD76FEAE}" type="slidenum">
+              <a:rPr lang="de-DE" smtClean="0"/>
+              <a:t>11</a:t>
+            </a:fld>
+            <a:endParaRPr lang="de-DE"/>
+          </a:p>
+        </p:txBody>
+      </p:sp>
+    </p:spTree>
+    <p:extLst>
+      <p:ext uri="{BB962C8B-B14F-4D97-AF65-F5344CB8AC3E}">
+        <p14:creationId xmlns:p14="http://schemas.microsoft.com/office/powerpoint/2010/main" val="4164654843"/>
+      </p:ext>
+    </p:extLst>
+  </p:cSld>
+  <p:clrMapOvr>
+    <a:masterClrMapping/>
+  </p:clrMapOvr>
 </p:sld>
 </file>
 
@@ -3911,7 +5454,7 @@
           <p:cNvPr id="2" name="Titel 1">
             <a:extLst>
               <a:ext uri="{FF2B5EF4-FFF2-40B4-BE49-F238E27FC236}">
-                <a16:creationId xmlns:a16="http://schemas.microsoft.com/office/drawing/2014/main" id="{91624A50-60CF-434F-ADD3-31BD2C369B14}"/>
+                <a16:creationId xmlns:a16="http://schemas.microsoft.com/office/drawing/2014/main" id="{B8EE025D-21E2-45E5-B408-BFDC5DDE7614}"/>
               </a:ext>
             </a:extLst>
           </p:cNvPr>
@@ -3922,900 +5465,51 @@
             <p:ph type="title"/>
           </p:nvPr>
         </p:nvSpPr>
-        <p:spPr/>
-        <p:txBody>
-          <a:bodyPr/>
-          <a:lstStyle/>
-          <a:p>
-            <a:r>
-              <a:rPr lang="de-DE" b="1" dirty="0"/>
-              <a:t>Motivation</a:t>
-            </a:r>
-          </a:p>
-        </p:txBody>
-      </p:sp>
-      <p:sp>
-        <p:nvSpPr>
-          <p:cNvPr id="3" name="Inhaltsplatzhalter 2">
-            <a:extLst>
-              <a:ext uri="{FF2B5EF4-FFF2-40B4-BE49-F238E27FC236}">
-                <a16:creationId xmlns:a16="http://schemas.microsoft.com/office/drawing/2014/main" id="{757A96DE-6D23-42C4-AB63-4B4FA680A94E}"/>
-              </a:ext>
-            </a:extLst>
-          </p:cNvPr>
-          <p:cNvSpPr>
-            <a:spLocks noGrp="1"/>
-          </p:cNvSpPr>
-          <p:nvPr>
-            <p:ph idx="1"/>
-          </p:nvPr>
-        </p:nvSpPr>
-        <p:spPr/>
+        <p:spPr>
+          <a:xfrm>
+            <a:off x="838200" y="502284"/>
+            <a:ext cx="10515600" cy="1325563"/>
+          </a:xfrm>
+        </p:spPr>
         <p:txBody>
           <a:bodyPr>
             <a:noAutofit/>
           </a:bodyPr>
           <a:lstStyle/>
           <a:p>
-            <a:pPr>
-              <a:buFont typeface="Wingdings" panose="05000000000000000000" pitchFamily="2" charset="2"/>
-              <a:buChar char="§"/>
-            </a:pPr>
-            <a:r>
-              <a:rPr lang="de-DE" sz="2000" b="1" dirty="0"/>
-              <a:t>2021 Federal </a:t>
-            </a:r>
-            <a:r>
-              <a:rPr lang="de-DE" sz="2000" b="1" dirty="0" err="1"/>
-              <a:t>Elections</a:t>
-            </a:r>
-            <a:r>
-              <a:rPr lang="de-DE" sz="2000" b="1" dirty="0"/>
-              <a:t> in Germany:</a:t>
-            </a:r>
-            <a:r>
-              <a:rPr lang="de-DE" sz="2000" dirty="0"/>
-              <a:t> </a:t>
-            </a:r>
-            <a:r>
-              <a:rPr lang="de-DE" sz="2000" dirty="0" err="1"/>
-              <a:t>incumbent</a:t>
-            </a:r>
-            <a:r>
-              <a:rPr lang="de-DE" sz="2000" dirty="0"/>
-              <a:t> </a:t>
-            </a:r>
-            <a:r>
-              <a:rPr lang="de-DE" sz="2000" dirty="0" err="1"/>
-              <a:t>chancellor</a:t>
-            </a:r>
-            <a:r>
-              <a:rPr lang="de-DE" sz="2000" dirty="0"/>
-              <a:t> Angela Merkel (CDU/CSU) </a:t>
-            </a:r>
-            <a:r>
-              <a:rPr lang="de-DE" sz="2000" dirty="0" err="1"/>
-              <a:t>did</a:t>
-            </a:r>
-            <a:r>
-              <a:rPr lang="de-DE" sz="2000" dirty="0"/>
-              <a:t> not </a:t>
-            </a:r>
-            <a:r>
-              <a:rPr lang="de-DE" sz="2000" dirty="0" err="1"/>
-              <a:t>run</a:t>
-            </a:r>
-            <a:r>
-              <a:rPr lang="de-DE" sz="2000" dirty="0"/>
-              <a:t> </a:t>
-            </a:r>
-            <a:r>
-              <a:rPr lang="de-DE" sz="2000" dirty="0" err="1"/>
-              <a:t>for</a:t>
-            </a:r>
-            <a:r>
-              <a:rPr lang="de-DE" sz="2000" dirty="0"/>
-              <a:t> </a:t>
-            </a:r>
-            <a:r>
-              <a:rPr lang="de-DE" sz="2000" dirty="0" err="1"/>
-              <a:t>office</a:t>
-            </a:r>
-            <a:r>
-              <a:rPr lang="de-DE" sz="2000" dirty="0"/>
-              <a:t> </a:t>
-            </a:r>
-            <a:r>
-              <a:rPr lang="de-DE" sz="2000" dirty="0" err="1"/>
-              <a:t>again</a:t>
-            </a:r>
-            <a:r>
-              <a:rPr lang="de-DE" sz="2000" dirty="0"/>
-              <a:t> after 16 </a:t>
-            </a:r>
-            <a:r>
-              <a:rPr lang="de-DE" sz="2000" dirty="0" err="1"/>
-              <a:t>years</a:t>
-            </a:r>
-            <a:r>
-              <a:rPr lang="de-DE" sz="2000" dirty="0"/>
-              <a:t> </a:t>
-            </a:r>
-            <a:r>
-              <a:rPr lang="de-DE" sz="2000" dirty="0" err="1"/>
-              <a:t>as</a:t>
-            </a:r>
-            <a:r>
-              <a:rPr lang="de-DE" sz="2000" dirty="0"/>
-              <a:t> </a:t>
-            </a:r>
-            <a:r>
-              <a:rPr lang="de-DE" sz="2000" dirty="0" err="1"/>
-              <a:t>head</a:t>
-            </a:r>
-            <a:r>
-              <a:rPr lang="de-DE" sz="2000" dirty="0"/>
-              <a:t> </a:t>
-            </a:r>
-            <a:r>
-              <a:rPr lang="de-DE" sz="2000" dirty="0" err="1"/>
-              <a:t>of</a:t>
-            </a:r>
-            <a:r>
-              <a:rPr lang="de-DE" sz="2000" dirty="0"/>
-              <a:t> </a:t>
-            </a:r>
-            <a:r>
-              <a:rPr lang="de-DE" sz="2000" dirty="0" err="1"/>
-              <a:t>government</a:t>
-            </a:r>
-            <a:endParaRPr lang="de-DE" sz="2000" dirty="0"/>
-          </a:p>
-          <a:p>
-            <a:pPr>
-              <a:buFont typeface="Wingdings" panose="05000000000000000000" pitchFamily="2" charset="2"/>
-              <a:buChar char="§"/>
-            </a:pPr>
-            <a:r>
-              <a:rPr lang="de-DE" sz="2000" b="1" dirty="0" err="1"/>
-              <a:t>Campaigning</a:t>
-            </a:r>
-            <a:r>
-              <a:rPr lang="de-DE" sz="2000" b="1" dirty="0"/>
-              <a:t>:</a:t>
-            </a:r>
-            <a:r>
-              <a:rPr lang="de-DE" sz="2000" dirty="0"/>
-              <a:t> </a:t>
-            </a:r>
-            <a:r>
-              <a:rPr lang="de-DE" sz="2000" dirty="0" err="1"/>
-              <a:t>tight</a:t>
-            </a:r>
-            <a:r>
-              <a:rPr lang="de-DE" sz="2000" dirty="0"/>
-              <a:t> </a:t>
-            </a:r>
-            <a:r>
-              <a:rPr lang="de-DE" sz="2000" dirty="0" err="1"/>
-              <a:t>race</a:t>
-            </a:r>
-            <a:r>
-              <a:rPr lang="de-DE" sz="2000" dirty="0"/>
-              <a:t> </a:t>
-            </a:r>
-            <a:r>
-              <a:rPr lang="de-DE" sz="2000" dirty="0" err="1"/>
-              <a:t>for</a:t>
-            </a:r>
-            <a:r>
-              <a:rPr lang="de-DE" sz="2000" dirty="0"/>
-              <a:t> her </a:t>
-            </a:r>
-            <a:r>
-              <a:rPr lang="de-DE" sz="2000" dirty="0" err="1"/>
-              <a:t>succession</a:t>
-            </a:r>
-            <a:r>
-              <a:rPr lang="de-DE" sz="2000" dirty="0"/>
-              <a:t> &amp; substantial </a:t>
-            </a:r>
-            <a:r>
-              <a:rPr lang="de-DE" sz="2000" dirty="0" err="1"/>
-              <a:t>voter</a:t>
-            </a:r>
-            <a:r>
-              <a:rPr lang="de-DE" sz="2000" dirty="0"/>
-              <a:t> </a:t>
-            </a:r>
-            <a:r>
-              <a:rPr lang="de-DE" sz="2000" dirty="0" err="1"/>
-              <a:t>fluctuation</a:t>
-            </a:r>
-            <a:endParaRPr lang="de-DE" sz="2000" dirty="0"/>
-          </a:p>
-          <a:p>
-            <a:pPr marL="0" indent="0">
-              <a:buNone/>
-            </a:pPr>
-            <a:r>
-              <a:rPr lang="de-DE" sz="2000" dirty="0">
-                <a:sym typeface="Wingdings" panose="05000000000000000000" pitchFamily="2" charset="2"/>
-              </a:rPr>
-              <a:t> SPD </a:t>
-            </a:r>
-            <a:r>
-              <a:rPr lang="de-DE" sz="2000" dirty="0" err="1">
-                <a:sym typeface="Wingdings" panose="05000000000000000000" pitchFamily="2" charset="2"/>
-              </a:rPr>
-              <a:t>won</a:t>
-            </a:r>
-            <a:r>
-              <a:rPr lang="de-DE" sz="2000" dirty="0">
-                <a:sym typeface="Wingdings" panose="05000000000000000000" pitchFamily="2" charset="2"/>
-              </a:rPr>
-              <a:t> </a:t>
-            </a:r>
-            <a:r>
-              <a:rPr lang="de-DE" sz="2000" dirty="0" err="1">
-                <a:sym typeface="Wingdings" panose="05000000000000000000" pitchFamily="2" charset="2"/>
-              </a:rPr>
-              <a:t>by</a:t>
-            </a:r>
-            <a:r>
-              <a:rPr lang="de-DE" sz="2000" dirty="0">
-                <a:sym typeface="Wingdings" panose="05000000000000000000" pitchFamily="2" charset="2"/>
-              </a:rPr>
-              <a:t> 1.6% - </a:t>
-            </a:r>
-            <a:r>
-              <a:rPr lang="de-DE" sz="2000" dirty="0" err="1">
-                <a:sym typeface="Wingdings" panose="05000000000000000000" pitchFamily="2" charset="2"/>
-              </a:rPr>
-              <a:t>this</a:t>
-            </a:r>
-            <a:r>
-              <a:rPr lang="de-DE" sz="2000" dirty="0">
-                <a:sym typeface="Wingdings" panose="05000000000000000000" pitchFamily="2" charset="2"/>
-              </a:rPr>
-              <a:t> </a:t>
-            </a:r>
-            <a:r>
-              <a:rPr lang="de-DE" sz="2000" dirty="0" err="1">
-                <a:sym typeface="Wingdings" panose="05000000000000000000" pitchFamily="2" charset="2"/>
-              </a:rPr>
-              <a:t>represents</a:t>
-            </a:r>
-            <a:r>
-              <a:rPr lang="de-DE" sz="2000" dirty="0">
-                <a:sym typeface="Wingdings" panose="05000000000000000000" pitchFamily="2" charset="2"/>
-              </a:rPr>
-              <a:t> a </a:t>
-            </a:r>
-            <a:r>
-              <a:rPr lang="de-DE" sz="2000" dirty="0" err="1">
-                <a:sym typeface="Wingdings" panose="05000000000000000000" pitchFamily="2" charset="2"/>
-              </a:rPr>
-              <a:t>difference</a:t>
-            </a:r>
-            <a:r>
-              <a:rPr lang="de-DE" sz="2000" dirty="0">
-                <a:sym typeface="Wingdings" panose="05000000000000000000" pitchFamily="2" charset="2"/>
-              </a:rPr>
-              <a:t> </a:t>
-            </a:r>
-            <a:r>
-              <a:rPr lang="de-DE" sz="2000" dirty="0" err="1">
-                <a:sym typeface="Wingdings" panose="05000000000000000000" pitchFamily="2" charset="2"/>
-              </a:rPr>
-              <a:t>of</a:t>
-            </a:r>
-            <a:r>
-              <a:rPr lang="de-DE" sz="2000" dirty="0">
-                <a:sym typeface="Wingdings" panose="05000000000000000000" pitchFamily="2" charset="2"/>
-              </a:rPr>
-              <a:t> </a:t>
-            </a:r>
-            <a:r>
-              <a:rPr lang="de-DE" sz="2000" dirty="0" err="1">
-                <a:sym typeface="Wingdings" panose="05000000000000000000" pitchFamily="2" charset="2"/>
-              </a:rPr>
-              <a:t>only</a:t>
-            </a:r>
-            <a:r>
-              <a:rPr lang="de-DE" sz="2000" dirty="0">
-                <a:sym typeface="Wingdings" panose="05000000000000000000" pitchFamily="2" charset="2"/>
-              </a:rPr>
-              <a:t> 700,000 </a:t>
-            </a:r>
-            <a:r>
-              <a:rPr lang="de-DE" sz="2000" dirty="0" err="1">
-                <a:sym typeface="Wingdings" panose="05000000000000000000" pitchFamily="2" charset="2"/>
-              </a:rPr>
-              <a:t>votes</a:t>
-            </a:r>
-            <a:r>
-              <a:rPr lang="de-DE" sz="2000" dirty="0">
-                <a:sym typeface="Wingdings" panose="05000000000000000000" pitchFamily="2" charset="2"/>
-              </a:rPr>
-              <a:t> out </a:t>
-            </a:r>
-            <a:r>
-              <a:rPr lang="de-DE" sz="2000" dirty="0" err="1">
-                <a:sym typeface="Wingdings" panose="05000000000000000000" pitchFamily="2" charset="2"/>
-              </a:rPr>
-              <a:t>of</a:t>
-            </a:r>
-            <a:r>
-              <a:rPr lang="de-DE" sz="2000" dirty="0">
-                <a:sym typeface="Wingdings" panose="05000000000000000000" pitchFamily="2" charset="2"/>
-              </a:rPr>
-              <a:t> 61 </a:t>
-            </a:r>
-            <a:r>
-              <a:rPr lang="de-DE" sz="2000" dirty="0" err="1">
-                <a:sym typeface="Wingdings" panose="05000000000000000000" pitchFamily="2" charset="2"/>
-              </a:rPr>
-              <a:t>million</a:t>
-            </a:r>
-            <a:r>
-              <a:rPr lang="de-DE" sz="2000" dirty="0">
-                <a:sym typeface="Wingdings" panose="05000000000000000000" pitchFamily="2" charset="2"/>
-              </a:rPr>
-              <a:t> </a:t>
-            </a:r>
-            <a:r>
-              <a:rPr lang="de-DE" sz="2000" dirty="0" err="1">
-                <a:sym typeface="Wingdings" panose="05000000000000000000" pitchFamily="2" charset="2"/>
-              </a:rPr>
-              <a:t>voters</a:t>
-            </a:r>
-            <a:endParaRPr lang="de-DE" sz="2000" dirty="0"/>
-          </a:p>
-          <a:p>
-            <a:pPr>
-              <a:buFont typeface="Wingdings" panose="05000000000000000000" pitchFamily="2" charset="2"/>
-              <a:buChar char="§"/>
-            </a:pPr>
-            <a:r>
-              <a:rPr lang="de-DE" sz="2000" b="1" dirty="0"/>
-              <a:t>Political Marketing </a:t>
-            </a:r>
-            <a:r>
-              <a:rPr lang="de-DE" sz="2000" dirty="0" err="1"/>
-              <a:t>is</a:t>
-            </a:r>
-            <a:r>
-              <a:rPr lang="de-DE" sz="2000" dirty="0"/>
-              <a:t> </a:t>
-            </a:r>
-            <a:r>
-              <a:rPr lang="de-DE" sz="2000" dirty="0" err="1"/>
-              <a:t>capable</a:t>
-            </a:r>
-            <a:r>
-              <a:rPr lang="de-DE" sz="2000" dirty="0"/>
-              <a:t> </a:t>
-            </a:r>
-            <a:r>
-              <a:rPr lang="de-DE" sz="2000" dirty="0" err="1"/>
-              <a:t>tool</a:t>
-            </a:r>
-            <a:r>
-              <a:rPr lang="de-DE" sz="2000" dirty="0"/>
-              <a:t> </a:t>
-            </a:r>
-            <a:r>
-              <a:rPr lang="de-DE" sz="2000" dirty="0" err="1"/>
-              <a:t>to</a:t>
-            </a:r>
-            <a:r>
-              <a:rPr lang="de-DE" sz="2000" dirty="0"/>
-              <a:t> </a:t>
-            </a:r>
-            <a:r>
-              <a:rPr lang="de-DE" sz="2000" dirty="0" err="1"/>
-              <a:t>generate</a:t>
-            </a:r>
-            <a:r>
-              <a:rPr lang="de-DE" sz="2000" dirty="0"/>
-              <a:t> </a:t>
-            </a:r>
-            <a:r>
-              <a:rPr lang="de-DE" sz="2000" dirty="0" err="1"/>
-              <a:t>the</a:t>
-            </a:r>
-            <a:r>
-              <a:rPr lang="de-DE" sz="2000" dirty="0"/>
-              <a:t> </a:t>
-            </a:r>
-            <a:r>
-              <a:rPr lang="de-DE" sz="2000" dirty="0" err="1"/>
-              <a:t>competitive</a:t>
-            </a:r>
-            <a:r>
-              <a:rPr lang="de-DE" sz="2000" dirty="0"/>
-              <a:t> </a:t>
-            </a:r>
-            <a:r>
-              <a:rPr lang="de-DE" sz="2000" dirty="0" err="1"/>
-              <a:t>edge</a:t>
-            </a:r>
-            <a:r>
-              <a:rPr lang="de-DE" sz="2000" dirty="0"/>
-              <a:t> </a:t>
-            </a:r>
-            <a:r>
-              <a:rPr lang="de-DE" sz="2000" dirty="0" err="1"/>
-              <a:t>over</a:t>
-            </a:r>
-            <a:r>
-              <a:rPr lang="de-DE" sz="2000" dirty="0"/>
-              <a:t> </a:t>
-            </a:r>
-            <a:r>
-              <a:rPr lang="de-DE" sz="2000" dirty="0" err="1"/>
-              <a:t>opposing</a:t>
-            </a:r>
-            <a:r>
-              <a:rPr lang="de-DE" sz="2000" dirty="0"/>
-              <a:t> </a:t>
-            </a:r>
-            <a:r>
-              <a:rPr lang="de-DE" sz="2000" dirty="0" err="1"/>
-              <a:t>parties</a:t>
-            </a:r>
-            <a:r>
-              <a:rPr lang="de-DE" sz="2000" dirty="0"/>
-              <a:t> in </a:t>
-            </a:r>
-            <a:r>
-              <a:rPr lang="de-DE" sz="2000" dirty="0" err="1"/>
-              <a:t>tight</a:t>
-            </a:r>
-            <a:r>
-              <a:rPr lang="de-DE" sz="2000" dirty="0"/>
-              <a:t> </a:t>
-            </a:r>
-            <a:r>
-              <a:rPr lang="de-DE" sz="2000" dirty="0" err="1"/>
-              <a:t>campaign</a:t>
-            </a:r>
-            <a:r>
-              <a:rPr lang="de-DE" sz="2000" dirty="0"/>
-              <a:t> </a:t>
-            </a:r>
-            <a:r>
-              <a:rPr lang="de-DE" sz="2000" dirty="0" err="1"/>
-              <a:t>races</a:t>
-            </a:r>
-            <a:r>
-              <a:rPr lang="de-DE" sz="2000" dirty="0"/>
-              <a:t> like </a:t>
-            </a:r>
-            <a:r>
-              <a:rPr lang="de-DE" sz="2000" dirty="0" err="1"/>
-              <a:t>this</a:t>
-            </a:r>
-            <a:r>
-              <a:rPr lang="de-DE" sz="2000" dirty="0"/>
-              <a:t> </a:t>
-            </a:r>
-            <a:r>
-              <a:rPr lang="de-DE" sz="2000" dirty="0" err="1"/>
-              <a:t>one</a:t>
-            </a:r>
-            <a:endParaRPr lang="de-DE" sz="2000" dirty="0"/>
-          </a:p>
-          <a:p>
-            <a:pPr marL="0" indent="0">
-              <a:buNone/>
-            </a:pPr>
-            <a:endParaRPr lang="de-DE" sz="2000" dirty="0"/>
-          </a:p>
-          <a:p>
-            <a:pPr marL="0" indent="0">
-              <a:buNone/>
-            </a:pPr>
-            <a:r>
-              <a:rPr lang="de-DE" sz="2000" b="1" dirty="0"/>
-              <a:t>This </a:t>
-            </a:r>
-            <a:r>
-              <a:rPr lang="de-DE" sz="2000" b="1" dirty="0" err="1"/>
-              <a:t>research</a:t>
-            </a:r>
-            <a:r>
-              <a:rPr lang="de-DE" sz="2000" b="1" dirty="0"/>
-              <a:t>:</a:t>
-            </a:r>
-          </a:p>
-          <a:p>
-            <a:pPr>
-              <a:buFont typeface="Wingdings" panose="05000000000000000000" pitchFamily="2" charset="2"/>
-              <a:buChar char="§"/>
-            </a:pPr>
-            <a:r>
-              <a:rPr lang="de-DE" sz="2000" dirty="0" err="1">
-                <a:latin typeface="Times New Roman" panose="02020603050405020304" pitchFamily="18" charset="0"/>
-                <a:ea typeface="Calibri" panose="020F0502020204030204" pitchFamily="34" charset="0"/>
-              </a:rPr>
-              <a:t>c</a:t>
-            </a:r>
-            <a:r>
-              <a:rPr lang="de-DE" sz="2000" dirty="0" err="1">
-                <a:effectLst/>
-                <a:latin typeface="Times New Roman" panose="02020603050405020304" pitchFamily="18" charset="0"/>
-                <a:ea typeface="Calibri" panose="020F0502020204030204" pitchFamily="34" charset="0"/>
-              </a:rPr>
-              <a:t>onducted</a:t>
-            </a:r>
-            <a:r>
-              <a:rPr lang="de-DE" sz="2000" dirty="0">
-                <a:effectLst/>
-                <a:latin typeface="Times New Roman" panose="02020603050405020304" pitchFamily="18" charset="0"/>
-                <a:ea typeface="Calibri" panose="020F0502020204030204" pitchFamily="34" charset="0"/>
-              </a:rPr>
-              <a:t> a </a:t>
-            </a:r>
-            <a:r>
-              <a:rPr lang="de-DE" sz="2000" dirty="0" err="1">
-                <a:effectLst/>
-                <a:latin typeface="Times New Roman" panose="02020603050405020304" pitchFamily="18" charset="0"/>
-                <a:ea typeface="Calibri" panose="020F0502020204030204" pitchFamily="34" charset="0"/>
-              </a:rPr>
-              <a:t>comprehensive</a:t>
-            </a:r>
-            <a:r>
-              <a:rPr lang="de-DE" sz="2000" dirty="0">
-                <a:effectLst/>
-                <a:latin typeface="Times New Roman" panose="02020603050405020304" pitchFamily="18" charset="0"/>
-                <a:ea typeface="Calibri" panose="020F0502020204030204" pitchFamily="34" charset="0"/>
-              </a:rPr>
-              <a:t> </a:t>
-            </a:r>
-            <a:r>
-              <a:rPr lang="de-DE" sz="2000" dirty="0" err="1">
-                <a:effectLst/>
-                <a:latin typeface="Times New Roman" panose="02020603050405020304" pitchFamily="18" charset="0"/>
-                <a:ea typeface="Calibri" panose="020F0502020204030204" pitchFamily="34" charset="0"/>
-              </a:rPr>
-              <a:t>text</a:t>
-            </a:r>
-            <a:r>
-              <a:rPr lang="de-DE" sz="2000" dirty="0">
-                <a:effectLst/>
-                <a:latin typeface="Times New Roman" panose="02020603050405020304" pitchFamily="18" charset="0"/>
-                <a:ea typeface="Calibri" panose="020F0502020204030204" pitchFamily="34" charset="0"/>
-              </a:rPr>
-              <a:t> </a:t>
-            </a:r>
-            <a:r>
-              <a:rPr lang="de-DE" sz="2000" dirty="0" err="1">
-                <a:effectLst/>
-                <a:latin typeface="Times New Roman" panose="02020603050405020304" pitchFamily="18" charset="0"/>
-                <a:ea typeface="Calibri" panose="020F0502020204030204" pitchFamily="34" charset="0"/>
-              </a:rPr>
-              <a:t>analysis</a:t>
-            </a:r>
-            <a:r>
-              <a:rPr lang="de-DE" sz="2000" dirty="0">
-                <a:effectLst/>
-                <a:latin typeface="Times New Roman" panose="02020603050405020304" pitchFamily="18" charset="0"/>
-                <a:ea typeface="Calibri" panose="020F0502020204030204" pitchFamily="34" charset="0"/>
-              </a:rPr>
-              <a:t> </a:t>
-            </a:r>
-            <a:r>
-              <a:rPr lang="de-DE" sz="2000" dirty="0" err="1">
-                <a:effectLst/>
-                <a:latin typeface="Times New Roman" panose="02020603050405020304" pitchFamily="18" charset="0"/>
-                <a:ea typeface="Calibri" panose="020F0502020204030204" pitchFamily="34" charset="0"/>
-              </a:rPr>
-              <a:t>of</a:t>
-            </a:r>
-            <a:r>
-              <a:rPr lang="de-DE" sz="2000" dirty="0">
-                <a:effectLst/>
-                <a:latin typeface="Times New Roman" panose="02020603050405020304" pitchFamily="18" charset="0"/>
-                <a:ea typeface="Calibri" panose="020F0502020204030204" pitchFamily="34" charset="0"/>
-              </a:rPr>
-              <a:t> </a:t>
-            </a:r>
-            <a:r>
-              <a:rPr lang="de-DE" sz="2000" dirty="0" err="1">
-                <a:effectLst/>
-                <a:latin typeface="Times New Roman" panose="02020603050405020304" pitchFamily="18" charset="0"/>
-                <a:ea typeface="Calibri" panose="020F0502020204030204" pitchFamily="34" charset="0"/>
-              </a:rPr>
-              <a:t>the</a:t>
-            </a:r>
-            <a:r>
-              <a:rPr lang="de-DE" sz="2000" dirty="0">
-                <a:effectLst/>
-                <a:latin typeface="Times New Roman" panose="02020603050405020304" pitchFamily="18" charset="0"/>
-                <a:ea typeface="Calibri" panose="020F0502020204030204" pitchFamily="34" charset="0"/>
-              </a:rPr>
-              <a:t> </a:t>
-            </a:r>
-            <a:r>
-              <a:rPr lang="de-DE" sz="2000" dirty="0" err="1">
-                <a:effectLst/>
-                <a:latin typeface="Times New Roman" panose="02020603050405020304" pitchFamily="18" charset="0"/>
-                <a:ea typeface="Calibri" panose="020F0502020204030204" pitchFamily="34" charset="0"/>
-              </a:rPr>
-              <a:t>party</a:t>
-            </a:r>
-            <a:r>
-              <a:rPr lang="de-DE" sz="2000" dirty="0">
-                <a:effectLst/>
-                <a:latin typeface="Times New Roman" panose="02020603050405020304" pitchFamily="18" charset="0"/>
-                <a:ea typeface="Calibri" panose="020F0502020204030204" pitchFamily="34" charset="0"/>
-              </a:rPr>
-              <a:t> </a:t>
-            </a:r>
-            <a:r>
-              <a:rPr lang="de-DE" sz="2000" dirty="0" err="1">
-                <a:effectLst/>
-                <a:latin typeface="Times New Roman" panose="02020603050405020304" pitchFamily="18" charset="0"/>
-                <a:ea typeface="Calibri" panose="020F0502020204030204" pitchFamily="34" charset="0"/>
-              </a:rPr>
-              <a:t>activities</a:t>
-            </a:r>
-            <a:r>
-              <a:rPr lang="de-DE" sz="2000" dirty="0">
-                <a:effectLst/>
-                <a:latin typeface="Times New Roman" panose="02020603050405020304" pitchFamily="18" charset="0"/>
-                <a:ea typeface="Calibri" panose="020F0502020204030204" pitchFamily="34" charset="0"/>
-              </a:rPr>
-              <a:t> on Twitter </a:t>
-            </a:r>
-            <a:r>
-              <a:rPr lang="de-DE" sz="2000" dirty="0" err="1">
-                <a:effectLst/>
-                <a:latin typeface="Times New Roman" panose="02020603050405020304" pitchFamily="18" charset="0"/>
-                <a:ea typeface="Calibri" panose="020F0502020204030204" pitchFamily="34" charset="0"/>
-              </a:rPr>
-              <a:t>regarding</a:t>
-            </a:r>
-            <a:r>
-              <a:rPr lang="de-DE" sz="2000" dirty="0">
-                <a:effectLst/>
-                <a:latin typeface="Times New Roman" panose="02020603050405020304" pitchFamily="18" charset="0"/>
-                <a:ea typeface="Calibri" panose="020F0502020204030204" pitchFamily="34" charset="0"/>
-              </a:rPr>
-              <a:t> </a:t>
-            </a:r>
-            <a:r>
-              <a:rPr lang="de-DE" sz="2000" dirty="0" err="1">
-                <a:effectLst/>
-                <a:latin typeface="Times New Roman" panose="02020603050405020304" pitchFamily="18" charset="0"/>
-                <a:ea typeface="Calibri" panose="020F0502020204030204" pitchFamily="34" charset="0"/>
-              </a:rPr>
-              <a:t>the</a:t>
-            </a:r>
-            <a:r>
-              <a:rPr lang="de-DE" sz="2000" dirty="0">
-                <a:effectLst/>
-                <a:latin typeface="Times New Roman" panose="02020603050405020304" pitchFamily="18" charset="0"/>
-                <a:ea typeface="Calibri" panose="020F0502020204030204" pitchFamily="34" charset="0"/>
-              </a:rPr>
-              <a:t> 2021 Federal </a:t>
-            </a:r>
-            <a:r>
-              <a:rPr lang="de-DE" sz="2000" dirty="0" err="1">
-                <a:effectLst/>
-                <a:latin typeface="Times New Roman" panose="02020603050405020304" pitchFamily="18" charset="0"/>
-                <a:ea typeface="Calibri" panose="020F0502020204030204" pitchFamily="34" charset="0"/>
-              </a:rPr>
-              <a:t>Elections</a:t>
-            </a:r>
-            <a:r>
-              <a:rPr lang="de-DE" sz="2000" dirty="0">
-                <a:effectLst/>
-                <a:latin typeface="Times New Roman" panose="02020603050405020304" pitchFamily="18" charset="0"/>
-                <a:ea typeface="Calibri" panose="020F0502020204030204" pitchFamily="34" charset="0"/>
-              </a:rPr>
-              <a:t> in Germany</a:t>
-            </a:r>
-          </a:p>
-          <a:p>
-            <a:pPr>
-              <a:buFont typeface="Wingdings" panose="05000000000000000000" pitchFamily="2" charset="2"/>
-              <a:buChar char="§"/>
-            </a:pPr>
-            <a:r>
-              <a:rPr lang="de-DE" sz="2000" dirty="0" err="1">
-                <a:latin typeface="Times New Roman" panose="02020603050405020304" pitchFamily="18" charset="0"/>
-                <a:ea typeface="Calibri" panose="020F0502020204030204" pitchFamily="34" charset="0"/>
-              </a:rPr>
-              <a:t>d</a:t>
-            </a:r>
-            <a:r>
-              <a:rPr lang="de-DE" sz="2000" dirty="0" err="1">
-                <a:effectLst/>
-                <a:latin typeface="Times New Roman" panose="02020603050405020304" pitchFamily="18" charset="0"/>
-                <a:ea typeface="Calibri" panose="020F0502020204030204" pitchFamily="34" charset="0"/>
-              </a:rPr>
-              <a:t>erived</a:t>
-            </a:r>
-            <a:r>
-              <a:rPr lang="de-DE" sz="2000" dirty="0">
-                <a:effectLst/>
-                <a:latin typeface="Times New Roman" panose="02020603050405020304" pitchFamily="18" charset="0"/>
-                <a:ea typeface="Calibri" panose="020F0502020204030204" pitchFamily="34" charset="0"/>
-              </a:rPr>
-              <a:t> </a:t>
-            </a:r>
-            <a:r>
-              <a:rPr lang="de-DE" sz="2000" dirty="0" err="1">
-                <a:effectLst/>
-                <a:latin typeface="Times New Roman" panose="02020603050405020304" pitchFamily="18" charset="0"/>
-                <a:ea typeface="Calibri" panose="020F0502020204030204" pitchFamily="34" charset="0"/>
-              </a:rPr>
-              <a:t>practical</a:t>
-            </a:r>
-            <a:r>
-              <a:rPr lang="de-DE" sz="2000" dirty="0">
-                <a:effectLst/>
-                <a:latin typeface="Times New Roman" panose="02020603050405020304" pitchFamily="18" charset="0"/>
-                <a:ea typeface="Calibri" panose="020F0502020204030204" pitchFamily="34" charset="0"/>
-              </a:rPr>
-              <a:t>, </a:t>
-            </a:r>
-            <a:r>
-              <a:rPr lang="de-DE" sz="2000" dirty="0" err="1">
-                <a:effectLst/>
-                <a:latin typeface="Times New Roman" panose="02020603050405020304" pitchFamily="18" charset="0"/>
-                <a:ea typeface="Calibri" panose="020F0502020204030204" pitchFamily="34" charset="0"/>
-              </a:rPr>
-              <a:t>data-driven</a:t>
-            </a:r>
-            <a:r>
-              <a:rPr lang="de-DE" sz="2000" dirty="0">
-                <a:effectLst/>
-                <a:latin typeface="Times New Roman" panose="02020603050405020304" pitchFamily="18" charset="0"/>
-                <a:ea typeface="Calibri" panose="020F0502020204030204" pitchFamily="34" charset="0"/>
-              </a:rPr>
-              <a:t> </a:t>
-            </a:r>
-            <a:r>
-              <a:rPr lang="de-DE" sz="2000" dirty="0" err="1">
-                <a:effectLst/>
-                <a:latin typeface="Times New Roman" panose="02020603050405020304" pitchFamily="18" charset="0"/>
-                <a:ea typeface="Calibri" panose="020F0502020204030204" pitchFamily="34" charset="0"/>
-              </a:rPr>
-              <a:t>recommendations</a:t>
-            </a:r>
-            <a:r>
-              <a:rPr lang="de-DE" sz="2000" dirty="0">
-                <a:effectLst/>
-                <a:latin typeface="Times New Roman" panose="02020603050405020304" pitchFamily="18" charset="0"/>
-                <a:ea typeface="Calibri" panose="020F0502020204030204" pitchFamily="34" charset="0"/>
-              </a:rPr>
-              <a:t> </a:t>
-            </a:r>
-            <a:r>
-              <a:rPr lang="de-DE" sz="2000" dirty="0" err="1">
-                <a:effectLst/>
-                <a:latin typeface="Times New Roman" panose="02020603050405020304" pitchFamily="18" charset="0"/>
-                <a:ea typeface="Calibri" panose="020F0502020204030204" pitchFamily="34" charset="0"/>
-              </a:rPr>
-              <a:t>for</a:t>
-            </a:r>
-            <a:r>
-              <a:rPr lang="de-DE" sz="2000" dirty="0">
-                <a:effectLst/>
-                <a:latin typeface="Times New Roman" panose="02020603050405020304" pitchFamily="18" charset="0"/>
-                <a:ea typeface="Calibri" panose="020F0502020204030204" pitchFamily="34" charset="0"/>
-              </a:rPr>
-              <a:t> potential </a:t>
-            </a:r>
-            <a:r>
-              <a:rPr lang="de-DE" sz="2000" dirty="0" err="1">
-                <a:effectLst/>
-                <a:latin typeface="Times New Roman" panose="02020603050405020304" pitchFamily="18" charset="0"/>
-                <a:ea typeface="Calibri" panose="020F0502020204030204" pitchFamily="34" charset="0"/>
-              </a:rPr>
-              <a:t>success</a:t>
-            </a:r>
-            <a:r>
-              <a:rPr lang="de-DE" sz="2000" dirty="0">
-                <a:effectLst/>
-                <a:latin typeface="Times New Roman" panose="02020603050405020304" pitchFamily="18" charset="0"/>
-                <a:ea typeface="Calibri" panose="020F0502020204030204" pitchFamily="34" charset="0"/>
-              </a:rPr>
-              <a:t> </a:t>
-            </a:r>
-            <a:r>
-              <a:rPr lang="de-DE" sz="2000" dirty="0" err="1">
-                <a:effectLst/>
-                <a:latin typeface="Times New Roman" panose="02020603050405020304" pitchFamily="18" charset="0"/>
-                <a:ea typeface="Calibri" panose="020F0502020204030204" pitchFamily="34" charset="0"/>
-              </a:rPr>
-              <a:t>drivers</a:t>
-            </a:r>
-            <a:r>
-              <a:rPr lang="de-DE" sz="2000" dirty="0">
-                <a:effectLst/>
-                <a:latin typeface="Times New Roman" panose="02020603050405020304" pitchFamily="18" charset="0"/>
-                <a:ea typeface="Calibri" panose="020F0502020204030204" pitchFamily="34" charset="0"/>
-              </a:rPr>
-              <a:t> </a:t>
-            </a:r>
-            <a:r>
-              <a:rPr lang="de-DE" sz="2000" dirty="0" err="1">
-                <a:effectLst/>
-                <a:latin typeface="Times New Roman" panose="02020603050405020304" pitchFamily="18" charset="0"/>
-                <a:ea typeface="Calibri" panose="020F0502020204030204" pitchFamily="34" charset="0"/>
-              </a:rPr>
-              <a:t>for</a:t>
-            </a:r>
-            <a:r>
-              <a:rPr lang="de-DE" sz="2000" dirty="0">
-                <a:effectLst/>
-                <a:latin typeface="Times New Roman" panose="02020603050405020304" pitchFamily="18" charset="0"/>
-                <a:ea typeface="Calibri" panose="020F0502020204030204" pitchFamily="34" charset="0"/>
-              </a:rPr>
-              <a:t> </a:t>
-            </a:r>
-            <a:r>
-              <a:rPr lang="de-DE" sz="2000" dirty="0" err="1">
-                <a:effectLst/>
-                <a:latin typeface="Times New Roman" panose="02020603050405020304" pitchFamily="18" charset="0"/>
-                <a:ea typeface="Calibri" panose="020F0502020204030204" pitchFamily="34" charset="0"/>
-              </a:rPr>
-              <a:t>political</a:t>
-            </a:r>
-            <a:r>
-              <a:rPr lang="de-DE" sz="2000" dirty="0">
-                <a:effectLst/>
-                <a:latin typeface="Times New Roman" panose="02020603050405020304" pitchFamily="18" charset="0"/>
-                <a:ea typeface="Calibri" panose="020F0502020204030204" pitchFamily="34" charset="0"/>
-              </a:rPr>
-              <a:t> </a:t>
-            </a:r>
-            <a:r>
-              <a:rPr lang="de-DE" sz="2000" dirty="0" err="1">
-                <a:effectLst/>
-                <a:latin typeface="Times New Roman" panose="02020603050405020304" pitchFamily="18" charset="0"/>
-                <a:ea typeface="Calibri" panose="020F0502020204030204" pitchFamily="34" charset="0"/>
-              </a:rPr>
-              <a:t>marketing</a:t>
-            </a:r>
-            <a:r>
-              <a:rPr lang="de-DE" sz="2000" dirty="0">
-                <a:effectLst/>
-                <a:latin typeface="Times New Roman" panose="02020603050405020304" pitchFamily="18" charset="0"/>
-                <a:ea typeface="Calibri" panose="020F0502020204030204" pitchFamily="34" charset="0"/>
-              </a:rPr>
-              <a:t> </a:t>
-            </a:r>
-            <a:r>
-              <a:rPr lang="de-DE" sz="2000" dirty="0" err="1">
-                <a:effectLst/>
-                <a:latin typeface="Times New Roman" panose="02020603050405020304" pitchFamily="18" charset="0"/>
-                <a:ea typeface="Calibri" panose="020F0502020204030204" pitchFamily="34" charset="0"/>
-              </a:rPr>
-              <a:t>regarding</a:t>
-            </a:r>
-            <a:r>
-              <a:rPr lang="de-DE" sz="2000" dirty="0">
-                <a:effectLst/>
-                <a:latin typeface="Times New Roman" panose="02020603050405020304" pitchFamily="18" charset="0"/>
-                <a:ea typeface="Calibri" panose="020F0502020204030204" pitchFamily="34" charset="0"/>
-              </a:rPr>
-              <a:t> </a:t>
-            </a:r>
-            <a:r>
-              <a:rPr lang="de-DE" sz="2000" dirty="0" err="1">
-                <a:effectLst/>
-                <a:latin typeface="Times New Roman" panose="02020603050405020304" pitchFamily="18" charset="0"/>
-                <a:ea typeface="Calibri" panose="020F0502020204030204" pitchFamily="34" charset="0"/>
-              </a:rPr>
-              <a:t>elections</a:t>
-            </a:r>
-            <a:endParaRPr lang="de-DE" sz="2000" dirty="0"/>
+            <a:r>
+              <a:rPr lang="de-DE" sz="2400" b="1" dirty="0" err="1"/>
+              <a:t>Gaining</a:t>
+            </a:r>
+            <a:r>
+              <a:rPr lang="de-DE" sz="2400" b="1" dirty="0"/>
+              <a:t> The </a:t>
+            </a:r>
+            <a:r>
+              <a:rPr lang="de-DE" sz="2400" b="1" dirty="0" err="1"/>
+              <a:t>Competitive</a:t>
+            </a:r>
+            <a:r>
+              <a:rPr lang="de-DE" sz="2400" b="1" dirty="0"/>
+              <a:t> Edge</a:t>
+            </a:r>
+            <a:br>
+              <a:rPr lang="de-DE" sz="3200" dirty="0"/>
+            </a:br>
+            <a:r>
+              <a:rPr lang="en-US" sz="2000" dirty="0">
+                <a:effectLst/>
+                <a:ea typeface="Times New Roman" panose="02020603050405020304" pitchFamily="18" charset="0"/>
+              </a:rPr>
+              <a:t>Analyzing the Importance and Potential Drivers of Success for Political Marketing Strategies Regarding the 2021 Federal Elections in Germany</a:t>
+            </a:r>
+            <a:br>
+              <a:rPr lang="de-DE" sz="3200" dirty="0">
+                <a:effectLst/>
+                <a:ea typeface="Times New Roman" panose="02020603050405020304" pitchFamily="18" charset="0"/>
+              </a:rPr>
+            </a:br>
+            <a:endParaRPr lang="de-DE" sz="3200" dirty="0"/>
           </a:p>
         </p:txBody>
       </p:sp>
@@ -4824,7 +5518,7 @@
           <p:cNvPr id="4" name="Foliennummernplatzhalter 3">
             <a:extLst>
               <a:ext uri="{FF2B5EF4-FFF2-40B4-BE49-F238E27FC236}">
-                <a16:creationId xmlns:a16="http://schemas.microsoft.com/office/drawing/2014/main" id="{05507030-706E-479E-8CD3-1713AE9A16D3}"/>
+                <a16:creationId xmlns:a16="http://schemas.microsoft.com/office/drawing/2014/main" id="{ADB4156A-AD83-44CC-B9F4-BD5C29DFF89C}"/>
               </a:ext>
             </a:extLst>
           </p:cNvPr>
@@ -4848,10 +5542,169 @@
           </a:p>
         </p:txBody>
       </p:sp>
+      <p:pic>
+        <p:nvPicPr>
+          <p:cNvPr id="5" name="Picture 42">
+            <a:extLst>
+              <a:ext uri="{FF2B5EF4-FFF2-40B4-BE49-F238E27FC236}">
+                <a16:creationId xmlns:a16="http://schemas.microsoft.com/office/drawing/2014/main" id="{E7C80677-907D-4334-A9B2-4389F09D116B}"/>
+              </a:ext>
+            </a:extLst>
+          </p:cNvPr>
+          <p:cNvPicPr>
+            <a:picLocks noChangeAspect="1"/>
+          </p:cNvPicPr>
+          <p:nvPr/>
+        </p:nvPicPr>
+        <p:blipFill>
+          <a:blip r:embed="rId2"/>
+          <a:stretch>
+            <a:fillRect/>
+          </a:stretch>
+        </p:blipFill>
+        <p:spPr>
+          <a:xfrm>
+            <a:off x="2315999" y="1616549"/>
+            <a:ext cx="7560000" cy="4198518"/>
+          </a:xfrm>
+          <a:prstGeom prst="rect">
+            <a:avLst/>
+          </a:prstGeom>
+        </p:spPr>
+      </p:pic>
+      <p:sp>
+        <p:nvSpPr>
+          <p:cNvPr id="9" name="Textfeld 8">
+            <a:extLst>
+              <a:ext uri="{FF2B5EF4-FFF2-40B4-BE49-F238E27FC236}">
+                <a16:creationId xmlns:a16="http://schemas.microsoft.com/office/drawing/2014/main" id="{BE3DB494-F58A-4AF8-B8C9-237DA370DCF7}"/>
+              </a:ext>
+            </a:extLst>
+          </p:cNvPr>
+          <p:cNvSpPr txBox="1"/>
+          <p:nvPr/>
+        </p:nvSpPr>
+        <p:spPr>
+          <a:xfrm>
+            <a:off x="2315999" y="5815067"/>
+            <a:ext cx="7560000" cy="613117"/>
+          </a:xfrm>
+          <a:prstGeom prst="rect">
+            <a:avLst/>
+          </a:prstGeom>
+          <a:noFill/>
+        </p:spPr>
+        <p:txBody>
+          <a:bodyPr wrap="square">
+            <a:spAutoFit/>
+          </a:bodyPr>
+          <a:lstStyle/>
+          <a:p>
+            <a:pPr>
+              <a:lnSpc>
+                <a:spcPct val="150000"/>
+              </a:lnSpc>
+            </a:pPr>
+            <a:r>
+              <a:rPr lang="en-US" sz="1200" i="1" dirty="0">
+                <a:effectLst/>
+                <a:latin typeface="Times New Roman" panose="02020603050405020304" pitchFamily="18" charset="0"/>
+                <a:ea typeface="Times New Roman" panose="02020603050405020304" pitchFamily="18" charset="0"/>
+              </a:rPr>
+              <a:t>Figure 1: Regression of Poll Data for the Major Political Parties in the last legislature period (2017-2021) (Sources: Politico 2021, </a:t>
+            </a:r>
+            <a:r>
+              <a:rPr lang="en-US" sz="1200" i="1" dirty="0" err="1">
+                <a:effectLst/>
+                <a:latin typeface="Times New Roman" panose="02020603050405020304" pitchFamily="18" charset="0"/>
+                <a:ea typeface="Times New Roman" panose="02020603050405020304" pitchFamily="18" charset="0"/>
+              </a:rPr>
+              <a:t>Bundeswahlleiter</a:t>
+            </a:r>
+            <a:r>
+              <a:rPr lang="en-US" sz="1200" i="1" dirty="0">
+                <a:effectLst/>
+                <a:latin typeface="Times New Roman" panose="02020603050405020304" pitchFamily="18" charset="0"/>
+                <a:ea typeface="Times New Roman" panose="02020603050405020304" pitchFamily="18" charset="0"/>
+              </a:rPr>
+              <a:t> 2021f, Eckstein et. al. 2021, </a:t>
+            </a:r>
+            <a:r>
+              <a:rPr lang="en-US" sz="1200" i="1" dirty="0" err="1">
+                <a:effectLst/>
+                <a:latin typeface="Times New Roman" panose="02020603050405020304" pitchFamily="18" charset="0"/>
+                <a:ea typeface="Times New Roman" panose="02020603050405020304" pitchFamily="18" charset="0"/>
+              </a:rPr>
+              <a:t>Wahlrecht</a:t>
+            </a:r>
+            <a:r>
+              <a:rPr lang="en-US" sz="1200" i="1" dirty="0">
+                <a:effectLst/>
+                <a:latin typeface="Times New Roman" panose="02020603050405020304" pitchFamily="18" charset="0"/>
+                <a:ea typeface="Times New Roman" panose="02020603050405020304" pitchFamily="18" charset="0"/>
+              </a:rPr>
+              <a:t> 2021, </a:t>
+            </a:r>
+            <a:r>
+              <a:rPr lang="en-US" sz="1200" i="1" dirty="0" err="1">
+                <a:effectLst/>
+                <a:latin typeface="Times New Roman" panose="02020603050405020304" pitchFamily="18" charset="0"/>
+                <a:ea typeface="Times New Roman" panose="02020603050405020304" pitchFamily="18" charset="0"/>
+              </a:rPr>
+              <a:t>Wiwo</a:t>
+            </a:r>
+            <a:r>
+              <a:rPr lang="en-US" sz="1200" i="1" dirty="0">
+                <a:effectLst/>
+                <a:latin typeface="Times New Roman" panose="02020603050405020304" pitchFamily="18" charset="0"/>
+                <a:ea typeface="Times New Roman" panose="02020603050405020304" pitchFamily="18" charset="0"/>
+              </a:rPr>
+              <a:t> 2021a, </a:t>
+            </a:r>
+            <a:r>
+              <a:rPr lang="en-US" sz="1200" i="1" dirty="0" err="1">
+                <a:effectLst/>
+                <a:latin typeface="Times New Roman" panose="02020603050405020304" pitchFamily="18" charset="0"/>
+                <a:ea typeface="Times New Roman" panose="02020603050405020304" pitchFamily="18" charset="0"/>
+              </a:rPr>
+              <a:t>Wiwo</a:t>
+            </a:r>
+            <a:r>
+              <a:rPr lang="en-US" sz="1200" i="1" dirty="0">
+                <a:effectLst/>
+                <a:latin typeface="Times New Roman" panose="02020603050405020304" pitchFamily="18" charset="0"/>
+                <a:ea typeface="Times New Roman" panose="02020603050405020304" pitchFamily="18" charset="0"/>
+              </a:rPr>
+              <a:t> 2021b, </a:t>
+            </a:r>
+            <a:r>
+              <a:rPr lang="en-US" sz="1200" i="1" dirty="0" err="1">
+                <a:effectLst/>
+                <a:latin typeface="Times New Roman" panose="02020603050405020304" pitchFamily="18" charset="0"/>
+                <a:ea typeface="Times New Roman" panose="02020603050405020304" pitchFamily="18" charset="0"/>
+              </a:rPr>
+              <a:t>bpb</a:t>
+            </a:r>
+            <a:r>
+              <a:rPr lang="en-US" sz="1200" i="1" dirty="0">
+                <a:effectLst/>
+                <a:latin typeface="Times New Roman" panose="02020603050405020304" pitchFamily="18" charset="0"/>
+                <a:ea typeface="Times New Roman" panose="02020603050405020304" pitchFamily="18" charset="0"/>
+              </a:rPr>
+              <a:t> 2021c)</a:t>
+            </a:r>
+            <a:endParaRPr lang="de-DE" dirty="0">
+              <a:effectLst/>
+              <a:latin typeface="Times New Roman" panose="02020603050405020304" pitchFamily="18" charset="0"/>
+              <a:ea typeface="Times New Roman" panose="02020603050405020304" pitchFamily="18" charset="0"/>
+            </a:endParaRPr>
+          </a:p>
+        </p:txBody>
+      </p:sp>
     </p:spTree>
     <p:extLst>
       <p:ext uri="{BB962C8B-B14F-4D97-AF65-F5344CB8AC3E}">
-        <p14:creationId xmlns:p14="http://schemas.microsoft.com/office/powerpoint/2010/main" val="1595028185"/>
+        <p14:creationId xmlns:p14="http://schemas.microsoft.com/office/powerpoint/2010/main" val="2162062573"/>
       </p:ext>
     </p:extLst>
   </p:cSld>
@@ -4913,7 +5766,7 @@
           <a:p>
             <a:r>
               <a:rPr lang="de-DE" b="1" dirty="0"/>
-              <a:t>Data</a:t>
+              <a:t>Motivation</a:t>
             </a:r>
           </a:p>
         </p:txBody>
@@ -4931,72 +5784,394 @@
             <a:spLocks noGrp="1"/>
           </p:cNvSpPr>
           <p:nvPr>
-            <p:ph sz="half" idx="1"/>
+            <p:ph idx="1"/>
           </p:nvPr>
         </p:nvSpPr>
-        <p:spPr>
-          <a:xfrm>
-            <a:off x="838200" y="1825625"/>
-            <a:ext cx="5705056" cy="4351338"/>
-          </a:xfrm>
-        </p:spPr>
+        <p:spPr/>
         <p:txBody>
           <a:bodyPr>
-            <a:normAutofit fontScale="92500"/>
+            <a:noAutofit/>
           </a:bodyPr>
           <a:lstStyle/>
+          <a:p>
+            <a:pPr>
+              <a:buFont typeface="Wingdings" panose="05000000000000000000" pitchFamily="2" charset="2"/>
+              <a:buChar char="§"/>
+            </a:pPr>
+            <a:r>
+              <a:rPr lang="de-DE" sz="2000" b="1" dirty="0"/>
+              <a:t>2021 Federal </a:t>
+            </a:r>
+            <a:r>
+              <a:rPr lang="de-DE" sz="2000" b="1" dirty="0" err="1"/>
+              <a:t>Elections</a:t>
+            </a:r>
+            <a:r>
+              <a:rPr lang="de-DE" sz="2000" b="1" dirty="0"/>
+              <a:t> in Germany:</a:t>
+            </a:r>
+            <a:r>
+              <a:rPr lang="de-DE" sz="2000" dirty="0"/>
+              <a:t> </a:t>
+            </a:r>
+            <a:r>
+              <a:rPr lang="de-DE" sz="2000" dirty="0" err="1"/>
+              <a:t>incumbent</a:t>
+            </a:r>
+            <a:r>
+              <a:rPr lang="de-DE" sz="2000" dirty="0"/>
+              <a:t> </a:t>
+            </a:r>
+            <a:r>
+              <a:rPr lang="de-DE" sz="2000" dirty="0" err="1"/>
+              <a:t>chancellor</a:t>
+            </a:r>
+            <a:r>
+              <a:rPr lang="de-DE" sz="2000" dirty="0"/>
+              <a:t> Angela Merkel (CDU/CSU) </a:t>
+            </a:r>
+            <a:r>
+              <a:rPr lang="de-DE" sz="2000" dirty="0" err="1"/>
+              <a:t>did</a:t>
+            </a:r>
+            <a:r>
+              <a:rPr lang="de-DE" sz="2000" dirty="0"/>
+              <a:t> not </a:t>
+            </a:r>
+            <a:r>
+              <a:rPr lang="de-DE" sz="2000" dirty="0" err="1"/>
+              <a:t>run</a:t>
+            </a:r>
+            <a:r>
+              <a:rPr lang="de-DE" sz="2000" dirty="0"/>
+              <a:t> </a:t>
+            </a:r>
+            <a:r>
+              <a:rPr lang="de-DE" sz="2000" dirty="0" err="1"/>
+              <a:t>for</a:t>
+            </a:r>
+            <a:r>
+              <a:rPr lang="de-DE" sz="2000" dirty="0"/>
+              <a:t> </a:t>
+            </a:r>
+            <a:r>
+              <a:rPr lang="de-DE" sz="2000" dirty="0" err="1"/>
+              <a:t>office</a:t>
+            </a:r>
+            <a:r>
+              <a:rPr lang="de-DE" sz="2000" dirty="0"/>
+              <a:t> </a:t>
+            </a:r>
+            <a:r>
+              <a:rPr lang="de-DE" sz="2000" dirty="0" err="1"/>
+              <a:t>again</a:t>
+            </a:r>
+            <a:r>
+              <a:rPr lang="de-DE" sz="2000" dirty="0"/>
+              <a:t> after 16 </a:t>
+            </a:r>
+            <a:r>
+              <a:rPr lang="de-DE" sz="2000" dirty="0" err="1"/>
+              <a:t>years</a:t>
+            </a:r>
+            <a:r>
+              <a:rPr lang="de-DE" sz="2000" dirty="0"/>
+              <a:t> </a:t>
+            </a:r>
+            <a:r>
+              <a:rPr lang="de-DE" sz="2000" dirty="0" err="1"/>
+              <a:t>as</a:t>
+            </a:r>
+            <a:r>
+              <a:rPr lang="de-DE" sz="2000" dirty="0"/>
+              <a:t> </a:t>
+            </a:r>
+            <a:r>
+              <a:rPr lang="de-DE" sz="2000" dirty="0" err="1"/>
+              <a:t>head</a:t>
+            </a:r>
+            <a:r>
+              <a:rPr lang="de-DE" sz="2000" dirty="0"/>
+              <a:t> </a:t>
+            </a:r>
+            <a:r>
+              <a:rPr lang="de-DE" sz="2000" dirty="0" err="1"/>
+              <a:t>of</a:t>
+            </a:r>
+            <a:r>
+              <a:rPr lang="de-DE" sz="2000" dirty="0"/>
+              <a:t> </a:t>
+            </a:r>
+            <a:r>
+              <a:rPr lang="de-DE" sz="2000" dirty="0" err="1"/>
+              <a:t>government</a:t>
+            </a:r>
+            <a:endParaRPr lang="de-DE" sz="2000" dirty="0"/>
+          </a:p>
+          <a:p>
+            <a:pPr>
+              <a:buFont typeface="Wingdings" panose="05000000000000000000" pitchFamily="2" charset="2"/>
+              <a:buChar char="§"/>
+            </a:pPr>
+            <a:r>
+              <a:rPr lang="de-DE" sz="2000" b="1" dirty="0" err="1"/>
+              <a:t>Campaigning</a:t>
+            </a:r>
+            <a:r>
+              <a:rPr lang="de-DE" sz="2000" b="1" dirty="0"/>
+              <a:t>:</a:t>
+            </a:r>
+            <a:r>
+              <a:rPr lang="de-DE" sz="2000" dirty="0"/>
+              <a:t> </a:t>
+            </a:r>
+            <a:r>
+              <a:rPr lang="de-DE" sz="2000" dirty="0" err="1"/>
+              <a:t>tight</a:t>
+            </a:r>
+            <a:r>
+              <a:rPr lang="de-DE" sz="2000" dirty="0"/>
+              <a:t> </a:t>
+            </a:r>
+            <a:r>
+              <a:rPr lang="de-DE" sz="2000" dirty="0" err="1"/>
+              <a:t>race</a:t>
+            </a:r>
+            <a:r>
+              <a:rPr lang="de-DE" sz="2000" dirty="0"/>
+              <a:t> </a:t>
+            </a:r>
+            <a:r>
+              <a:rPr lang="de-DE" sz="2000" dirty="0" err="1"/>
+              <a:t>for</a:t>
+            </a:r>
+            <a:r>
+              <a:rPr lang="de-DE" sz="2000" dirty="0"/>
+              <a:t> her </a:t>
+            </a:r>
+            <a:r>
+              <a:rPr lang="de-DE" sz="2000" dirty="0" err="1"/>
+              <a:t>succession</a:t>
+            </a:r>
+            <a:r>
+              <a:rPr lang="de-DE" sz="2000" dirty="0"/>
+              <a:t> &amp; substantial </a:t>
+            </a:r>
+            <a:r>
+              <a:rPr lang="de-DE" sz="2000" dirty="0" err="1"/>
+              <a:t>voter</a:t>
+            </a:r>
+            <a:r>
+              <a:rPr lang="de-DE" sz="2000" dirty="0"/>
+              <a:t> </a:t>
+            </a:r>
+            <a:r>
+              <a:rPr lang="de-DE" sz="2000" dirty="0" err="1"/>
+              <a:t>fluctuation</a:t>
+            </a:r>
+            <a:r>
+              <a:rPr lang="de-DE" sz="2000" dirty="0"/>
+              <a:t> (</a:t>
+            </a:r>
+            <a:r>
+              <a:rPr lang="de-DE" sz="2000" dirty="0" err="1"/>
+              <a:t>see</a:t>
+            </a:r>
+            <a:r>
+              <a:rPr lang="de-DE" sz="2000" dirty="0"/>
+              <a:t> fig. 1)</a:t>
+            </a:r>
+          </a:p>
           <a:p>
             <a:pPr marL="0" indent="0">
               <a:buNone/>
             </a:pPr>
             <a:r>
+              <a:rPr lang="de-DE" sz="2000" dirty="0">
+                <a:sym typeface="Wingdings" panose="05000000000000000000" pitchFamily="2" charset="2"/>
+              </a:rPr>
+              <a:t> SPD </a:t>
+            </a:r>
+            <a:r>
+              <a:rPr lang="de-DE" sz="2000" dirty="0" err="1">
+                <a:sym typeface="Wingdings" panose="05000000000000000000" pitchFamily="2" charset="2"/>
+              </a:rPr>
+              <a:t>won</a:t>
+            </a:r>
+            <a:r>
+              <a:rPr lang="de-DE" sz="2000" dirty="0">
+                <a:sym typeface="Wingdings" panose="05000000000000000000" pitchFamily="2" charset="2"/>
+              </a:rPr>
+              <a:t> </a:t>
+            </a:r>
+            <a:r>
+              <a:rPr lang="de-DE" sz="2000" dirty="0" err="1">
+                <a:sym typeface="Wingdings" panose="05000000000000000000" pitchFamily="2" charset="2"/>
+              </a:rPr>
+              <a:t>by</a:t>
+            </a:r>
+            <a:r>
+              <a:rPr lang="de-DE" sz="2000" dirty="0">
+                <a:sym typeface="Wingdings" panose="05000000000000000000" pitchFamily="2" charset="2"/>
+              </a:rPr>
+              <a:t> 1.6% - </a:t>
+            </a:r>
+            <a:r>
+              <a:rPr lang="de-DE" sz="2000" dirty="0" err="1">
+                <a:sym typeface="Wingdings" panose="05000000000000000000" pitchFamily="2" charset="2"/>
+              </a:rPr>
+              <a:t>this</a:t>
+            </a:r>
+            <a:r>
+              <a:rPr lang="de-DE" sz="2000" dirty="0">
+                <a:sym typeface="Wingdings" panose="05000000000000000000" pitchFamily="2" charset="2"/>
+              </a:rPr>
+              <a:t> </a:t>
+            </a:r>
+            <a:r>
+              <a:rPr lang="de-DE" sz="2000" dirty="0" err="1">
+                <a:sym typeface="Wingdings" panose="05000000000000000000" pitchFamily="2" charset="2"/>
+              </a:rPr>
+              <a:t>represents</a:t>
+            </a:r>
+            <a:r>
+              <a:rPr lang="de-DE" sz="2000" dirty="0">
+                <a:sym typeface="Wingdings" panose="05000000000000000000" pitchFamily="2" charset="2"/>
+              </a:rPr>
+              <a:t> a </a:t>
+            </a:r>
+            <a:r>
+              <a:rPr lang="de-DE" sz="2000" dirty="0" err="1">
+                <a:sym typeface="Wingdings" panose="05000000000000000000" pitchFamily="2" charset="2"/>
+              </a:rPr>
+              <a:t>difference</a:t>
+            </a:r>
+            <a:r>
+              <a:rPr lang="de-DE" sz="2000" dirty="0">
+                <a:sym typeface="Wingdings" panose="05000000000000000000" pitchFamily="2" charset="2"/>
+              </a:rPr>
+              <a:t> </a:t>
+            </a:r>
+            <a:r>
+              <a:rPr lang="de-DE" sz="2000" dirty="0" err="1">
+                <a:sym typeface="Wingdings" panose="05000000000000000000" pitchFamily="2" charset="2"/>
+              </a:rPr>
+              <a:t>of</a:t>
+            </a:r>
+            <a:r>
+              <a:rPr lang="de-DE" sz="2000" dirty="0">
+                <a:sym typeface="Wingdings" panose="05000000000000000000" pitchFamily="2" charset="2"/>
+              </a:rPr>
+              <a:t> </a:t>
+            </a:r>
+            <a:r>
+              <a:rPr lang="de-DE" sz="2000" dirty="0" err="1">
+                <a:sym typeface="Wingdings" panose="05000000000000000000" pitchFamily="2" charset="2"/>
+              </a:rPr>
+              <a:t>only</a:t>
+            </a:r>
+            <a:r>
+              <a:rPr lang="de-DE" sz="2000" dirty="0">
+                <a:sym typeface="Wingdings" panose="05000000000000000000" pitchFamily="2" charset="2"/>
+              </a:rPr>
+              <a:t> 700,000 </a:t>
+            </a:r>
+            <a:r>
+              <a:rPr lang="de-DE" sz="2000" dirty="0" err="1">
+                <a:sym typeface="Wingdings" panose="05000000000000000000" pitchFamily="2" charset="2"/>
+              </a:rPr>
+              <a:t>votes</a:t>
+            </a:r>
+            <a:r>
+              <a:rPr lang="de-DE" sz="2000" dirty="0">
+                <a:sym typeface="Wingdings" panose="05000000000000000000" pitchFamily="2" charset="2"/>
+              </a:rPr>
+              <a:t> out </a:t>
+            </a:r>
+            <a:r>
+              <a:rPr lang="de-DE" sz="2000" dirty="0" err="1">
+                <a:sym typeface="Wingdings" panose="05000000000000000000" pitchFamily="2" charset="2"/>
+              </a:rPr>
+              <a:t>of</a:t>
+            </a:r>
+            <a:r>
+              <a:rPr lang="de-DE" sz="2000" dirty="0">
+                <a:sym typeface="Wingdings" panose="05000000000000000000" pitchFamily="2" charset="2"/>
+              </a:rPr>
+              <a:t> 61 </a:t>
+            </a:r>
+            <a:r>
+              <a:rPr lang="de-DE" sz="2000" dirty="0" err="1">
+                <a:sym typeface="Wingdings" panose="05000000000000000000" pitchFamily="2" charset="2"/>
+              </a:rPr>
+              <a:t>million</a:t>
+            </a:r>
+            <a:r>
+              <a:rPr lang="de-DE" sz="2000" dirty="0">
+                <a:sym typeface="Wingdings" panose="05000000000000000000" pitchFamily="2" charset="2"/>
+              </a:rPr>
+              <a:t> </a:t>
+            </a:r>
+            <a:r>
+              <a:rPr lang="de-DE" sz="2000" dirty="0" err="1">
+                <a:sym typeface="Wingdings" panose="05000000000000000000" pitchFamily="2" charset="2"/>
+              </a:rPr>
+              <a:t>voters</a:t>
+            </a:r>
+            <a:endParaRPr lang="de-DE" sz="2000" dirty="0"/>
+          </a:p>
+          <a:p>
+            <a:pPr>
+              <a:buFont typeface="Wingdings" panose="05000000000000000000" pitchFamily="2" charset="2"/>
+              <a:buChar char="§"/>
+            </a:pPr>
+            <a:r>
               <a:rPr lang="de-DE" sz="2000" b="1" dirty="0"/>
-              <a:t>Data Collection</a:t>
-            </a:r>
-          </a:p>
-          <a:p>
-            <a:pPr lvl="1"/>
+              <a:t>Political Marketing </a:t>
+            </a:r>
             <a:r>
               <a:rPr lang="de-DE" sz="2000" dirty="0" err="1"/>
-              <a:t>Means</a:t>
+              <a:t>is</a:t>
             </a:r>
             <a:r>
               <a:rPr lang="de-DE" sz="2000" dirty="0"/>
-              <a:t>: R </a:t>
+              <a:t> </a:t>
             </a:r>
             <a:r>
               <a:rPr lang="de-DE" sz="2000" dirty="0" err="1"/>
-              <a:t>script</a:t>
+              <a:t>capable</a:t>
             </a:r>
             <a:r>
               <a:rPr lang="de-DE" sz="2000" dirty="0"/>
-              <a:t> &amp; Twitter Search API</a:t>
-            </a:r>
-          </a:p>
-          <a:p>
-            <a:pPr lvl="1"/>
+              <a:t> </a:t>
+            </a:r>
+            <a:r>
+              <a:rPr lang="de-DE" sz="2000" dirty="0" err="1"/>
+              <a:t>tool</a:t>
+            </a:r>
             <a:r>
               <a:rPr lang="de-DE" sz="2000" dirty="0"/>
-              <a:t>Campaign Term: </a:t>
+              <a:t> </a:t>
             </a:r>
             <a:r>
               <a:rPr lang="de-DE" sz="2000" dirty="0" err="1"/>
-              <a:t>Dec</a:t>
+              <a:t>to</a:t>
             </a:r>
             <a:r>
               <a:rPr lang="de-DE" sz="2000" dirty="0"/>
-              <a:t>. 8th 2020 – Sep. 26th 2021</a:t>
-            </a:r>
-          </a:p>
-          <a:p>
-            <a:pPr lvl="1"/>
+              <a:t> </a:t>
+            </a:r>
+            <a:r>
+              <a:rPr lang="de-DE" sz="2000" dirty="0" err="1"/>
+              <a:t>generate</a:t>
+            </a:r>
             <a:r>
               <a:rPr lang="de-DE" sz="2000" dirty="0"/>
-              <a:t>Data: </a:t>
+              <a:t> </a:t>
             </a:r>
             <a:r>
               <a:rPr lang="de-DE" sz="2000" dirty="0" err="1"/>
-              <a:t>Two</a:t>
+              <a:t>the</a:t>
             </a:r>
             <a:r>
               <a:rPr lang="de-DE" sz="2000" dirty="0"/>
@@ -5004,7 +6179,7 @@
             </a:r>
             <a:r>
               <a:rPr lang="de-DE" sz="2000" dirty="0" err="1"/>
-              <a:t>data</a:t>
+              <a:t>competitive</a:t>
             </a:r>
             <a:r>
               <a:rPr lang="de-DE" sz="2000" dirty="0"/>
@@ -5012,7 +6187,7 @@
             </a:r>
             <a:r>
               <a:rPr lang="de-DE" sz="2000" dirty="0" err="1"/>
-              <a:t>sets</a:t>
+              <a:t>edge</a:t>
             </a:r>
             <a:r>
               <a:rPr lang="de-DE" sz="2000" dirty="0"/>
@@ -5020,15 +6195,15 @@
             </a:r>
             <a:r>
               <a:rPr lang="de-DE" sz="2000" dirty="0" err="1"/>
-              <a:t>from</a:t>
+              <a:t>over</a:t>
             </a:r>
             <a:r>
               <a:rPr lang="de-DE" sz="2000" dirty="0"/>
-              <a:t> Twitter + </a:t>
+              <a:t> </a:t>
             </a:r>
             <a:r>
               <a:rPr lang="de-DE" sz="2000" dirty="0" err="1"/>
-              <a:t>party</a:t>
+              <a:t>opposing</a:t>
             </a:r>
             <a:r>
               <a:rPr lang="de-DE" sz="2000" dirty="0"/>
@@ -5036,409 +6211,97 @@
             </a:r>
             <a:r>
               <a:rPr lang="de-DE" sz="2000" dirty="0" err="1"/>
-              <a:t>programs</a:t>
+              <a:t>parties</a:t>
+            </a:r>
+            <a:r>
+              <a:rPr lang="de-DE" sz="2000" dirty="0"/>
+              <a:t> in </a:t>
+            </a:r>
+            <a:r>
+              <a:rPr lang="de-DE" sz="2000" dirty="0" err="1"/>
+              <a:t>tight</a:t>
+            </a:r>
+            <a:r>
+              <a:rPr lang="de-DE" sz="2000" dirty="0"/>
+              <a:t> </a:t>
+            </a:r>
+            <a:r>
+              <a:rPr lang="de-DE" sz="2000" dirty="0" err="1"/>
+              <a:t>campaign</a:t>
+            </a:r>
+            <a:r>
+              <a:rPr lang="de-DE" sz="2000" dirty="0"/>
+              <a:t> </a:t>
+            </a:r>
+            <a:r>
+              <a:rPr lang="de-DE" sz="2000" dirty="0" err="1"/>
+              <a:t>races</a:t>
+            </a:r>
+            <a:r>
+              <a:rPr lang="de-DE" sz="2000" dirty="0"/>
+              <a:t> like </a:t>
+            </a:r>
+            <a:r>
+              <a:rPr lang="de-DE" sz="2000" dirty="0" err="1"/>
+              <a:t>this</a:t>
+            </a:r>
+            <a:r>
+              <a:rPr lang="de-DE" sz="2000" dirty="0"/>
+              <a:t> </a:t>
+            </a:r>
+            <a:r>
+              <a:rPr lang="de-DE" sz="2000" dirty="0" err="1"/>
+              <a:t>one</a:t>
             </a:r>
             <a:endParaRPr lang="de-DE" sz="2000" dirty="0"/>
           </a:p>
           <a:p>
-            <a:pPr lvl="1"/>
-            <a:endParaRPr lang="de-DE" sz="1400" dirty="0"/>
-          </a:p>
-          <a:p>
-            <a:pPr lvl="1"/>
-            <a:endParaRPr lang="de-DE" sz="1400" dirty="0"/>
-          </a:p>
-          <a:p>
-            <a:pPr marL="0" indent="0">
-              <a:buNone/>
+            <a:pPr>
+              <a:buFont typeface="Wingdings" panose="05000000000000000000" pitchFamily="2" charset="2"/>
+              <a:buChar char="§"/>
             </a:pPr>
             <a:r>
-              <a:rPr lang="de-DE" sz="1800" b="1" dirty="0"/>
-              <a:t>1. Political Marketing (65 </a:t>
-            </a:r>
-            <a:r>
-              <a:rPr lang="de-DE" sz="1800" b="1" dirty="0" err="1"/>
-              <a:t>var</a:t>
-            </a:r>
-            <a:r>
-              <a:rPr lang="de-DE" sz="1800" b="1" dirty="0"/>
-              <a:t>. x 218,256 </a:t>
-            </a:r>
-            <a:r>
-              <a:rPr lang="de-DE" sz="1800" b="1" dirty="0" err="1"/>
-              <a:t>obs</a:t>
-            </a:r>
-            <a:r>
-              <a:rPr lang="de-DE" sz="1800" b="1" dirty="0"/>
-              <a:t>)</a:t>
-            </a:r>
-          </a:p>
-          <a:p>
-            <a:pPr lvl="1"/>
-            <a:r>
-              <a:rPr lang="de-DE" sz="1400" dirty="0"/>
-              <a:t>Twitter </a:t>
-            </a:r>
-            <a:r>
-              <a:rPr lang="de-DE" sz="1400" dirty="0" err="1"/>
-              <a:t>timelines</a:t>
-            </a:r>
-            <a:r>
-              <a:rPr lang="de-DE" sz="1400" dirty="0"/>
-              <a:t> </a:t>
-            </a:r>
-            <a:r>
-              <a:rPr lang="de-DE" sz="1400" dirty="0" err="1"/>
-              <a:t>of</a:t>
-            </a:r>
-            <a:r>
-              <a:rPr lang="de-DE" sz="1400" dirty="0"/>
-              <a:t> </a:t>
-            </a:r>
-            <a:r>
-              <a:rPr lang="de-DE" sz="1400" dirty="0" err="1"/>
-              <a:t>candidate</a:t>
-            </a:r>
-            <a:r>
-              <a:rPr lang="de-DE" sz="1400" dirty="0"/>
-              <a:t> </a:t>
-            </a:r>
-            <a:r>
-              <a:rPr lang="de-DE" sz="1400" dirty="0" err="1"/>
-              <a:t>accounts</a:t>
-            </a:r>
-            <a:r>
-              <a:rPr lang="de-DE" sz="1400" dirty="0"/>
-              <a:t> </a:t>
-            </a:r>
-            <a:r>
-              <a:rPr lang="de-DE" sz="1400" dirty="0" err="1"/>
-              <a:t>for</a:t>
-            </a:r>
-            <a:r>
-              <a:rPr lang="de-DE" sz="1400" dirty="0"/>
-              <a:t> </a:t>
-            </a:r>
-            <a:r>
-              <a:rPr lang="de-DE" sz="1400" dirty="0" err="1"/>
-              <a:t>the</a:t>
-            </a:r>
-            <a:r>
-              <a:rPr lang="de-DE" sz="1400" dirty="0"/>
-              <a:t> 2021 </a:t>
-            </a:r>
-            <a:r>
-              <a:rPr lang="de-DE" sz="1400" dirty="0" err="1"/>
-              <a:t>federal</a:t>
-            </a:r>
-            <a:r>
-              <a:rPr lang="de-DE" sz="1400" dirty="0"/>
-              <a:t> </a:t>
-            </a:r>
-            <a:r>
-              <a:rPr lang="de-DE" sz="1400" dirty="0" err="1"/>
-              <a:t>elections</a:t>
-            </a:r>
-            <a:r>
-              <a:rPr lang="de-DE" sz="1400" dirty="0"/>
-              <a:t> (</a:t>
-            </a:r>
-            <a:r>
-              <a:rPr lang="de-DE" sz="1400" dirty="0" err="1"/>
-              <a:t>based</a:t>
-            </a:r>
-            <a:r>
-              <a:rPr lang="de-DE" sz="1400" dirty="0"/>
-              <a:t> on </a:t>
-            </a:r>
-            <a:r>
-              <a:rPr lang="de-DE" sz="1400" dirty="0" err="1"/>
-              <a:t>the</a:t>
-            </a:r>
-            <a:r>
-              <a:rPr lang="de-DE" sz="1400" dirty="0"/>
-              <a:t> </a:t>
-            </a:r>
-            <a:r>
-              <a:rPr lang="de-DE" sz="1400" dirty="0" err="1"/>
-              <a:t>official</a:t>
-            </a:r>
-            <a:r>
-              <a:rPr lang="de-DE" sz="1400" dirty="0"/>
-              <a:t> </a:t>
-            </a:r>
-            <a:r>
-              <a:rPr lang="de-DE" sz="1400" dirty="0" err="1"/>
-              <a:t>candidate</a:t>
-            </a:r>
-            <a:r>
-              <a:rPr lang="de-DE" sz="1400" dirty="0"/>
-              <a:t> </a:t>
-            </a:r>
-            <a:r>
-              <a:rPr lang="de-DE" sz="1400" dirty="0" err="1"/>
-              <a:t>list</a:t>
-            </a:r>
-            <a:r>
-              <a:rPr lang="de-DE" sz="1400" dirty="0"/>
-              <a:t>)</a:t>
-            </a:r>
-          </a:p>
-          <a:p>
-            <a:pPr marL="0" indent="0">
-              <a:buNone/>
-            </a:pPr>
-            <a:r>
-              <a:rPr lang="de-DE" sz="1800" b="1" dirty="0"/>
-              <a:t>2. User-</a:t>
-            </a:r>
-            <a:r>
-              <a:rPr lang="de-DE" sz="1800" b="1" dirty="0" err="1"/>
-              <a:t>Generated</a:t>
-            </a:r>
-            <a:r>
-              <a:rPr lang="de-DE" sz="1800" b="1" dirty="0"/>
-              <a:t> </a:t>
-            </a:r>
-            <a:r>
-              <a:rPr lang="de-DE" sz="1800" b="1" dirty="0" err="1"/>
-              <a:t>Discussions</a:t>
-            </a:r>
-            <a:r>
-              <a:rPr lang="de-DE" sz="1800" b="1" dirty="0"/>
-              <a:t> (70 </a:t>
-            </a:r>
-            <a:r>
-              <a:rPr lang="de-DE" sz="1800" b="1" dirty="0" err="1"/>
-              <a:t>var</a:t>
-            </a:r>
-            <a:r>
-              <a:rPr lang="de-DE" sz="1800" b="1" dirty="0"/>
-              <a:t>. x 297,775 </a:t>
-            </a:r>
-            <a:r>
-              <a:rPr lang="de-DE" sz="1800" b="1" dirty="0" err="1"/>
-              <a:t>obs</a:t>
-            </a:r>
-            <a:r>
-              <a:rPr lang="de-DE" sz="1800" b="1" dirty="0"/>
-              <a:t>.)</a:t>
-            </a:r>
-          </a:p>
-          <a:p>
-            <a:pPr lvl="1"/>
-            <a:r>
-              <a:rPr lang="de-DE" sz="1400" dirty="0" err="1"/>
-              <a:t>Election-related</a:t>
-            </a:r>
-            <a:r>
-              <a:rPr lang="de-DE" sz="1400" dirty="0"/>
-              <a:t> </a:t>
-            </a:r>
-            <a:r>
-              <a:rPr lang="de-DE" sz="1400" dirty="0" err="1"/>
-              <a:t>search</a:t>
-            </a:r>
-            <a:r>
-              <a:rPr lang="de-DE" sz="1400" dirty="0"/>
-              <a:t> </a:t>
-            </a:r>
-            <a:r>
-              <a:rPr lang="de-DE" sz="1400" dirty="0" err="1"/>
-              <a:t>queries</a:t>
-            </a:r>
-            <a:r>
-              <a:rPr lang="de-DE" sz="1400" dirty="0"/>
-              <a:t> on Twitter</a:t>
-            </a:r>
-          </a:p>
-          <a:p>
-            <a:pPr marL="0" indent="0">
-              <a:buNone/>
-            </a:pPr>
-            <a:r>
-              <a:rPr lang="de-DE" sz="1800" b="1" dirty="0"/>
-              <a:t>3. Party </a:t>
-            </a:r>
-            <a:r>
-              <a:rPr lang="de-DE" sz="1800" b="1" dirty="0" err="1"/>
-              <a:t>Programs</a:t>
-            </a:r>
-            <a:r>
-              <a:rPr lang="de-DE" sz="1800" b="1" dirty="0"/>
-              <a:t> (2017 &amp; 2021)</a:t>
-            </a:r>
-          </a:p>
-          <a:p>
-            <a:pPr lvl="1"/>
-            <a:r>
-              <a:rPr lang="de-DE" sz="1400" dirty="0" err="1"/>
-              <a:t>six</a:t>
-            </a:r>
-            <a:r>
-              <a:rPr lang="de-DE" sz="1400" dirty="0"/>
-              <a:t> </a:t>
-            </a:r>
-            <a:r>
-              <a:rPr lang="de-DE" sz="1400" dirty="0" err="1"/>
-              <a:t>major</a:t>
-            </a:r>
-            <a:r>
-              <a:rPr lang="de-DE" sz="1400" dirty="0"/>
-              <a:t> </a:t>
-            </a:r>
-            <a:r>
-              <a:rPr lang="de-DE" sz="1400" dirty="0" err="1"/>
-              <a:t>political</a:t>
-            </a:r>
-            <a:r>
-              <a:rPr lang="de-DE" sz="1400" dirty="0"/>
-              <a:t> </a:t>
-            </a:r>
-            <a:r>
-              <a:rPr lang="de-DE" sz="1400" dirty="0" err="1"/>
-              <a:t>parties</a:t>
-            </a:r>
-            <a:r>
-              <a:rPr lang="de-DE" sz="1400" dirty="0"/>
-              <a:t> in Germany</a:t>
-            </a:r>
-          </a:p>
-          <a:p>
-            <a:pPr marL="457200" lvl="1" indent="0">
-              <a:buNone/>
-            </a:pPr>
-            <a:r>
-              <a:rPr lang="de-DE" sz="1400" dirty="0"/>
-              <a:t>(AfD, CDU/CSU, FDP, Greens, The </a:t>
-            </a:r>
-            <a:r>
-              <a:rPr lang="de-DE" sz="1400" dirty="0" err="1"/>
-              <a:t>Left</a:t>
-            </a:r>
-            <a:r>
-              <a:rPr lang="de-DE" sz="1400" dirty="0"/>
-              <a:t> &amp; SPD)</a:t>
-            </a:r>
-          </a:p>
-        </p:txBody>
-      </p:sp>
-      <p:pic>
-        <p:nvPicPr>
-          <p:cNvPr id="5" name="Picture 37">
-            <a:extLst>
-              <a:ext uri="{FF2B5EF4-FFF2-40B4-BE49-F238E27FC236}">
-                <a16:creationId xmlns:a16="http://schemas.microsoft.com/office/drawing/2014/main" id="{A6D51D2B-457D-4F77-A2D9-FAF9FB4CB6B5}"/>
-              </a:ext>
-            </a:extLst>
-          </p:cNvPr>
-          <p:cNvPicPr>
-            <a:picLocks noGrp="1" noChangeAspect="1"/>
-          </p:cNvPicPr>
-          <p:nvPr>
-            <p:ph sz="half" idx="2"/>
-          </p:nvPr>
-        </p:nvPicPr>
-        <p:blipFill>
-          <a:blip r:embed="rId2">
-            <a:extLst>
-              <a:ext uri="{28A0092B-C50C-407E-A947-70E740481C1C}">
-                <a14:useLocalDpi xmlns:a14="http://schemas.microsoft.com/office/drawing/2010/main" val="0"/>
-              </a:ext>
-            </a:extLst>
-          </a:blip>
-          <a:srcRect/>
-          <a:stretch>
-            <a:fillRect/>
-          </a:stretch>
-        </p:blipFill>
-        <p:spPr bwMode="auto">
-          <a:xfrm>
-            <a:off x="6543256" y="1381983"/>
-            <a:ext cx="5181600" cy="3197786"/>
-          </a:xfrm>
-          <a:prstGeom prst="rect">
-            <a:avLst/>
-          </a:prstGeom>
-          <a:noFill/>
-          <a:ln>
-            <a:noFill/>
-          </a:ln>
-        </p:spPr>
-      </p:pic>
-      <p:sp>
-        <p:nvSpPr>
-          <p:cNvPr id="7" name="Textfeld 6">
-            <a:extLst>
-              <a:ext uri="{FF2B5EF4-FFF2-40B4-BE49-F238E27FC236}">
-                <a16:creationId xmlns:a16="http://schemas.microsoft.com/office/drawing/2014/main" id="{3E0212EF-E80B-4612-9EA8-2AD084AA7C5C}"/>
-              </a:ext>
-            </a:extLst>
-          </p:cNvPr>
-          <p:cNvSpPr txBox="1"/>
-          <p:nvPr/>
-        </p:nvSpPr>
-        <p:spPr>
-          <a:xfrm>
-            <a:off x="7060091" y="4579769"/>
-            <a:ext cx="6096000" cy="614720"/>
-          </a:xfrm>
-          <a:prstGeom prst="rect">
-            <a:avLst/>
-          </a:prstGeom>
-          <a:noFill/>
-        </p:spPr>
-        <p:txBody>
-          <a:bodyPr wrap="square">
-            <a:spAutoFit/>
-          </a:bodyPr>
-          <a:lstStyle/>
-          <a:p>
-            <a:pPr marL="914400" indent="-914400">
-              <a:lnSpc>
-                <a:spcPct val="150000"/>
-              </a:lnSpc>
-            </a:pPr>
-            <a:r>
-              <a:rPr lang="en-US" sz="1200" i="1" dirty="0">
-                <a:effectLst/>
-                <a:latin typeface="Times New Roman" panose="02020603050405020304" pitchFamily="18" charset="0"/>
-                <a:ea typeface="Calibri" panose="020F0502020204030204" pitchFamily="34" charset="0"/>
-                <a:cs typeface="Arial" panose="020B0604020202020204" pitchFamily="34" charset="0"/>
-              </a:rPr>
-              <a:t>Figure 1: Total volume of tweets by the political marketing</a:t>
-            </a:r>
-          </a:p>
-          <a:p>
-            <a:pPr marL="914400" indent="-914400">
-              <a:lnSpc>
-                <a:spcPct val="150000"/>
-              </a:lnSpc>
-            </a:pPr>
-            <a:r>
-              <a:rPr lang="en-US" sz="1200" i="1" dirty="0">
-                <a:effectLst/>
-                <a:latin typeface="Times New Roman" panose="02020603050405020304" pitchFamily="18" charset="0"/>
-                <a:ea typeface="Calibri" panose="020F0502020204030204" pitchFamily="34" charset="0"/>
-                <a:cs typeface="Arial" panose="020B0604020202020204" pitchFamily="34" charset="0"/>
-              </a:rPr>
-              <a:t>accounts in the campaign period</a:t>
-            </a:r>
-            <a:endParaRPr lang="de-DE" sz="1200" dirty="0">
-              <a:effectLst/>
-              <a:latin typeface="Montserrat" panose="00000500000000000000" pitchFamily="2" charset="0"/>
-              <a:ea typeface="Calibri" panose="020F0502020204030204" pitchFamily="34" charset="0"/>
-              <a:cs typeface="Arial" panose="020B0604020202020204" pitchFamily="34" charset="0"/>
-            </a:endParaRPr>
-          </a:p>
-        </p:txBody>
-      </p:sp>
-      <p:sp>
-        <p:nvSpPr>
-          <p:cNvPr id="8" name="Foliennummernplatzhalter 7">
-            <a:extLst>
-              <a:ext uri="{FF2B5EF4-FFF2-40B4-BE49-F238E27FC236}">
-                <a16:creationId xmlns:a16="http://schemas.microsoft.com/office/drawing/2014/main" id="{5AD846A7-044C-4F76-8780-D47A0AE59455}"/>
+              <a:rPr lang="en-US" sz="2000" dirty="0">
+                <a:effectLst/>
+                <a:latin typeface="Times New Roman" panose="02020603050405020304" pitchFamily="18" charset="0"/>
+                <a:ea typeface="Times New Roman" panose="02020603050405020304" pitchFamily="18" charset="0"/>
+              </a:rPr>
+              <a:t>Based on the work of </a:t>
+            </a:r>
+            <a:r>
+              <a:rPr lang="en-US" sz="2000" b="1" dirty="0" err="1">
+                <a:effectLst/>
+                <a:latin typeface="Times New Roman" panose="02020603050405020304" pitchFamily="18" charset="0"/>
+                <a:ea typeface="Times New Roman" panose="02020603050405020304" pitchFamily="18" charset="0"/>
+              </a:rPr>
+              <a:t>Giavazzi</a:t>
+            </a:r>
+            <a:r>
+              <a:rPr lang="en-US" sz="2000" b="1" dirty="0">
+                <a:effectLst/>
+                <a:latin typeface="Times New Roman" panose="02020603050405020304" pitchFamily="18" charset="0"/>
+                <a:ea typeface="Times New Roman" panose="02020603050405020304" pitchFamily="18" charset="0"/>
+              </a:rPr>
+              <a:t> et al. (2020), </a:t>
+            </a:r>
+            <a:r>
+              <a:rPr lang="en-US" sz="2000" dirty="0">
+                <a:effectLst/>
+                <a:latin typeface="Times New Roman" panose="02020603050405020304" pitchFamily="18" charset="0"/>
+                <a:ea typeface="Times New Roman" panose="02020603050405020304" pitchFamily="18" charset="0"/>
+              </a:rPr>
+              <a:t>which identified a shift in text similarity between German political parties following terror attacks, this research conducted a topic-specific analysis to identify similar shifts in central election topics. </a:t>
+            </a:r>
+            <a:endParaRPr lang="de-DE" sz="2000" dirty="0"/>
+          </a:p>
+        </p:txBody>
+      </p:sp>
+      <p:sp>
+        <p:nvSpPr>
+          <p:cNvPr id="4" name="Foliennummernplatzhalter 3">
+            <a:extLst>
+              <a:ext uri="{FF2B5EF4-FFF2-40B4-BE49-F238E27FC236}">
+                <a16:creationId xmlns:a16="http://schemas.microsoft.com/office/drawing/2014/main" id="{05507030-706E-479E-8CD3-1713AE9A16D3}"/>
               </a:ext>
             </a:extLst>
           </p:cNvPr>
@@ -5465,20 +6328,20 @@
     </p:spTree>
     <p:extLst>
       <p:ext uri="{BB962C8B-B14F-4D97-AF65-F5344CB8AC3E}">
-        <p14:creationId xmlns:p14="http://schemas.microsoft.com/office/powerpoint/2010/main" val="1702930057"/>
+        <p14:creationId xmlns:p14="http://schemas.microsoft.com/office/powerpoint/2010/main" val="1595028185"/>
       </p:ext>
     </p:extLst>
   </p:cSld>
   <p:clrMapOvr>
     <a:masterClrMapping/>
   </p:clrMapOvr>
-  <mc:AlternateContent xmlns:mc="http://schemas.openxmlformats.org/markup-compatibility/2006">
-    <mc:Choice xmlns:p159="http://schemas.microsoft.com/office/powerpoint/2015/09/main" Requires="p159">
+  <mc:AlternateContent xmlns:mc="http://schemas.openxmlformats.org/markup-compatibility/2006" xmlns:p159="http://schemas.microsoft.com/office/powerpoint/2015/09/main">
+    <mc:Choice Requires="p159">
       <p:transition xmlns:p14="http://schemas.microsoft.com/office/powerpoint/2010/main" spd="slow" p14:dur="2000">
         <p159:morph option="byObject"/>
       </p:transition>
     </mc:Choice>
-    <mc:Fallback>
+    <mc:Fallback xmlns="">
       <p:transition spd="slow">
         <p:fade/>
       </p:transition>
@@ -5504,6 +6367,506 @@
           <a:chExt cx="0" cy="0"/>
         </a:xfrm>
       </p:grpSpPr>
+      <p:pic>
+        <p:nvPicPr>
+          <p:cNvPr id="8" name="Grafik 7">
+            <a:extLst>
+              <a:ext uri="{FF2B5EF4-FFF2-40B4-BE49-F238E27FC236}">
+                <a16:creationId xmlns:a16="http://schemas.microsoft.com/office/drawing/2014/main" id="{C3199B4B-C021-4EFD-BDB4-21B319DE670E}"/>
+              </a:ext>
+            </a:extLst>
+          </p:cNvPr>
+          <p:cNvPicPr>
+            <a:picLocks noChangeAspect="1"/>
+          </p:cNvPicPr>
+          <p:nvPr/>
+        </p:nvPicPr>
+        <p:blipFill>
+          <a:blip r:embed="rId2">
+            <a:extLst>
+              <a:ext uri="{28A0092B-C50C-407E-A947-70E740481C1C}">
+                <a14:useLocalDpi xmlns:a14="http://schemas.microsoft.com/office/drawing/2010/main" val="0"/>
+              </a:ext>
+            </a:extLst>
+          </a:blip>
+          <a:stretch>
+            <a:fillRect/>
+          </a:stretch>
+        </p:blipFill>
+        <p:spPr>
+          <a:xfrm>
+            <a:off x="3216000" y="1406657"/>
+            <a:ext cx="5760000" cy="3240000"/>
+          </a:xfrm>
+          <a:prstGeom prst="rect">
+            <a:avLst/>
+          </a:prstGeom>
+        </p:spPr>
+      </p:pic>
+      <p:sp>
+        <p:nvSpPr>
+          <p:cNvPr id="3" name="Inhaltsplatzhalter 2">
+            <a:extLst>
+              <a:ext uri="{FF2B5EF4-FFF2-40B4-BE49-F238E27FC236}">
+                <a16:creationId xmlns:a16="http://schemas.microsoft.com/office/drawing/2014/main" id="{757A96DE-6D23-42C4-AB63-4B4FA680A94E}"/>
+              </a:ext>
+            </a:extLst>
+          </p:cNvPr>
+          <p:cNvSpPr>
+            <a:spLocks noGrp="1"/>
+          </p:cNvSpPr>
+          <p:nvPr>
+            <p:ph idx="1"/>
+          </p:nvPr>
+        </p:nvSpPr>
+        <p:spPr/>
+        <p:txBody>
+          <a:bodyPr>
+            <a:noAutofit/>
+          </a:bodyPr>
+          <a:lstStyle/>
+          <a:p>
+            <a:pPr marL="0" indent="0">
+              <a:buNone/>
+            </a:pPr>
+            <a:endParaRPr lang="de-DE" sz="2000" dirty="0"/>
+          </a:p>
+          <a:p>
+            <a:pPr marL="0" indent="0">
+              <a:buNone/>
+            </a:pPr>
+            <a:endParaRPr lang="de-DE" sz="2000" dirty="0"/>
+          </a:p>
+          <a:p>
+            <a:pPr marL="0" indent="0">
+              <a:buNone/>
+            </a:pPr>
+            <a:endParaRPr lang="de-DE" sz="2000" dirty="0"/>
+          </a:p>
+          <a:p>
+            <a:pPr marL="0" indent="0">
+              <a:buNone/>
+            </a:pPr>
+            <a:endParaRPr lang="de-DE" sz="2000" dirty="0"/>
+          </a:p>
+          <a:p>
+            <a:pPr marL="0" indent="0">
+              <a:buNone/>
+            </a:pPr>
+            <a:endParaRPr lang="de-DE" sz="2000" dirty="0"/>
+          </a:p>
+          <a:p>
+            <a:pPr marL="0" indent="0">
+              <a:buNone/>
+            </a:pPr>
+            <a:endParaRPr lang="de-DE" sz="2000" dirty="0"/>
+          </a:p>
+          <a:p>
+            <a:pPr marL="0" indent="0">
+              <a:buNone/>
+            </a:pPr>
+            <a:r>
+              <a:rPr lang="de-DE" sz="2000" b="1" dirty="0"/>
+              <a:t>This </a:t>
+            </a:r>
+            <a:r>
+              <a:rPr lang="de-DE" sz="2000" b="1" dirty="0" err="1"/>
+              <a:t>research</a:t>
+            </a:r>
+            <a:r>
+              <a:rPr lang="de-DE" sz="2000" b="1" dirty="0"/>
+              <a:t>:</a:t>
+            </a:r>
+          </a:p>
+          <a:p>
+            <a:pPr>
+              <a:buFont typeface="Wingdings" panose="05000000000000000000" pitchFamily="2" charset="2"/>
+              <a:buChar char="§"/>
+            </a:pPr>
+            <a:r>
+              <a:rPr lang="de-DE" sz="2000" dirty="0" err="1">
+                <a:latin typeface="Times New Roman" panose="02020603050405020304" pitchFamily="18" charset="0"/>
+                <a:ea typeface="Calibri" panose="020F0502020204030204" pitchFamily="34" charset="0"/>
+              </a:rPr>
+              <a:t>c</a:t>
+            </a:r>
+            <a:r>
+              <a:rPr lang="de-DE" sz="2000" dirty="0" err="1">
+                <a:effectLst/>
+                <a:latin typeface="Times New Roman" panose="02020603050405020304" pitchFamily="18" charset="0"/>
+                <a:ea typeface="Calibri" panose="020F0502020204030204" pitchFamily="34" charset="0"/>
+              </a:rPr>
+              <a:t>onducted</a:t>
+            </a:r>
+            <a:r>
+              <a:rPr lang="de-DE" sz="2000" dirty="0">
+                <a:effectLst/>
+                <a:latin typeface="Times New Roman" panose="02020603050405020304" pitchFamily="18" charset="0"/>
+                <a:ea typeface="Calibri" panose="020F0502020204030204" pitchFamily="34" charset="0"/>
+              </a:rPr>
+              <a:t> a </a:t>
+            </a:r>
+            <a:r>
+              <a:rPr lang="de-DE" sz="2000" dirty="0" err="1">
+                <a:effectLst/>
+                <a:latin typeface="Times New Roman" panose="02020603050405020304" pitchFamily="18" charset="0"/>
+                <a:ea typeface="Calibri" panose="020F0502020204030204" pitchFamily="34" charset="0"/>
+              </a:rPr>
+              <a:t>comprehensive</a:t>
+            </a:r>
+            <a:r>
+              <a:rPr lang="de-DE" sz="2000" dirty="0">
+                <a:effectLst/>
+                <a:latin typeface="Times New Roman" panose="02020603050405020304" pitchFamily="18" charset="0"/>
+                <a:ea typeface="Calibri" panose="020F0502020204030204" pitchFamily="34" charset="0"/>
+              </a:rPr>
+              <a:t> </a:t>
+            </a:r>
+            <a:r>
+              <a:rPr lang="de-DE" sz="2000" dirty="0" err="1">
+                <a:effectLst/>
+                <a:latin typeface="Times New Roman" panose="02020603050405020304" pitchFamily="18" charset="0"/>
+                <a:ea typeface="Calibri" panose="020F0502020204030204" pitchFamily="34" charset="0"/>
+              </a:rPr>
+              <a:t>text</a:t>
+            </a:r>
+            <a:r>
+              <a:rPr lang="de-DE" sz="2000" dirty="0">
+                <a:effectLst/>
+                <a:latin typeface="Times New Roman" panose="02020603050405020304" pitchFamily="18" charset="0"/>
+                <a:ea typeface="Calibri" panose="020F0502020204030204" pitchFamily="34" charset="0"/>
+              </a:rPr>
+              <a:t> </a:t>
+            </a:r>
+            <a:r>
+              <a:rPr lang="de-DE" sz="2000" dirty="0" err="1">
+                <a:effectLst/>
+                <a:latin typeface="Times New Roman" panose="02020603050405020304" pitchFamily="18" charset="0"/>
+                <a:ea typeface="Calibri" panose="020F0502020204030204" pitchFamily="34" charset="0"/>
+              </a:rPr>
+              <a:t>analysis</a:t>
+            </a:r>
+            <a:r>
+              <a:rPr lang="de-DE" sz="2000" dirty="0">
+                <a:effectLst/>
+                <a:latin typeface="Times New Roman" panose="02020603050405020304" pitchFamily="18" charset="0"/>
+                <a:ea typeface="Calibri" panose="020F0502020204030204" pitchFamily="34" charset="0"/>
+              </a:rPr>
+              <a:t> </a:t>
+            </a:r>
+            <a:r>
+              <a:rPr lang="de-DE" sz="2000" dirty="0" err="1">
+                <a:effectLst/>
+                <a:latin typeface="Times New Roman" panose="02020603050405020304" pitchFamily="18" charset="0"/>
+                <a:ea typeface="Calibri" panose="020F0502020204030204" pitchFamily="34" charset="0"/>
+              </a:rPr>
+              <a:t>of</a:t>
+            </a:r>
+            <a:r>
+              <a:rPr lang="de-DE" sz="2000" dirty="0">
+                <a:effectLst/>
+                <a:latin typeface="Times New Roman" panose="02020603050405020304" pitchFamily="18" charset="0"/>
+                <a:ea typeface="Calibri" panose="020F0502020204030204" pitchFamily="34" charset="0"/>
+              </a:rPr>
+              <a:t> </a:t>
+            </a:r>
+            <a:r>
+              <a:rPr lang="de-DE" sz="2000" dirty="0" err="1">
+                <a:effectLst/>
+                <a:latin typeface="Times New Roman" panose="02020603050405020304" pitchFamily="18" charset="0"/>
+                <a:ea typeface="Calibri" panose="020F0502020204030204" pitchFamily="34" charset="0"/>
+              </a:rPr>
+              <a:t>the</a:t>
+            </a:r>
+            <a:r>
+              <a:rPr lang="de-DE" sz="2000" dirty="0">
+                <a:effectLst/>
+                <a:latin typeface="Times New Roman" panose="02020603050405020304" pitchFamily="18" charset="0"/>
+                <a:ea typeface="Calibri" panose="020F0502020204030204" pitchFamily="34" charset="0"/>
+              </a:rPr>
+              <a:t> </a:t>
+            </a:r>
+            <a:r>
+              <a:rPr lang="de-DE" sz="2000" dirty="0" err="1">
+                <a:effectLst/>
+                <a:latin typeface="Times New Roman" panose="02020603050405020304" pitchFamily="18" charset="0"/>
+                <a:ea typeface="Calibri" panose="020F0502020204030204" pitchFamily="34" charset="0"/>
+              </a:rPr>
+              <a:t>party</a:t>
+            </a:r>
+            <a:r>
+              <a:rPr lang="de-DE" sz="2000" dirty="0">
+                <a:effectLst/>
+                <a:latin typeface="Times New Roman" panose="02020603050405020304" pitchFamily="18" charset="0"/>
+                <a:ea typeface="Calibri" panose="020F0502020204030204" pitchFamily="34" charset="0"/>
+              </a:rPr>
+              <a:t> </a:t>
+            </a:r>
+            <a:r>
+              <a:rPr lang="de-DE" sz="2000" dirty="0" err="1">
+                <a:effectLst/>
+                <a:latin typeface="Times New Roman" panose="02020603050405020304" pitchFamily="18" charset="0"/>
+                <a:ea typeface="Calibri" panose="020F0502020204030204" pitchFamily="34" charset="0"/>
+              </a:rPr>
+              <a:t>activities</a:t>
+            </a:r>
+            <a:r>
+              <a:rPr lang="de-DE" sz="2000" dirty="0">
+                <a:effectLst/>
+                <a:latin typeface="Times New Roman" panose="02020603050405020304" pitchFamily="18" charset="0"/>
+                <a:ea typeface="Calibri" panose="020F0502020204030204" pitchFamily="34" charset="0"/>
+              </a:rPr>
+              <a:t> on Twitter </a:t>
+            </a:r>
+            <a:r>
+              <a:rPr lang="de-DE" sz="2000" dirty="0" err="1">
+                <a:effectLst/>
+                <a:latin typeface="Times New Roman" panose="02020603050405020304" pitchFamily="18" charset="0"/>
+                <a:ea typeface="Calibri" panose="020F0502020204030204" pitchFamily="34" charset="0"/>
+              </a:rPr>
+              <a:t>regarding</a:t>
+            </a:r>
+            <a:r>
+              <a:rPr lang="de-DE" sz="2000" dirty="0">
+                <a:effectLst/>
+                <a:latin typeface="Times New Roman" panose="02020603050405020304" pitchFamily="18" charset="0"/>
+                <a:ea typeface="Calibri" panose="020F0502020204030204" pitchFamily="34" charset="0"/>
+              </a:rPr>
+              <a:t> </a:t>
+            </a:r>
+            <a:r>
+              <a:rPr lang="de-DE" sz="2000" dirty="0" err="1">
+                <a:effectLst/>
+                <a:latin typeface="Times New Roman" panose="02020603050405020304" pitchFamily="18" charset="0"/>
+                <a:ea typeface="Calibri" panose="020F0502020204030204" pitchFamily="34" charset="0"/>
+              </a:rPr>
+              <a:t>the</a:t>
+            </a:r>
+            <a:r>
+              <a:rPr lang="de-DE" sz="2000" dirty="0">
+                <a:effectLst/>
+                <a:latin typeface="Times New Roman" panose="02020603050405020304" pitchFamily="18" charset="0"/>
+                <a:ea typeface="Calibri" panose="020F0502020204030204" pitchFamily="34" charset="0"/>
+              </a:rPr>
+              <a:t> 2021 Federal </a:t>
+            </a:r>
+            <a:r>
+              <a:rPr lang="de-DE" sz="2000" dirty="0" err="1">
+                <a:effectLst/>
+                <a:latin typeface="Times New Roman" panose="02020603050405020304" pitchFamily="18" charset="0"/>
+                <a:ea typeface="Calibri" panose="020F0502020204030204" pitchFamily="34" charset="0"/>
+              </a:rPr>
+              <a:t>Elections</a:t>
+            </a:r>
+            <a:r>
+              <a:rPr lang="de-DE" sz="2000" dirty="0">
+                <a:effectLst/>
+                <a:latin typeface="Times New Roman" panose="02020603050405020304" pitchFamily="18" charset="0"/>
+                <a:ea typeface="Calibri" panose="020F0502020204030204" pitchFamily="34" charset="0"/>
+              </a:rPr>
+              <a:t> in Germany</a:t>
+            </a:r>
+          </a:p>
+          <a:p>
+            <a:pPr>
+              <a:buFont typeface="Wingdings" panose="05000000000000000000" pitchFamily="2" charset="2"/>
+              <a:buChar char="§"/>
+            </a:pPr>
+            <a:r>
+              <a:rPr lang="de-DE" sz="2000" dirty="0" err="1">
+                <a:latin typeface="Times New Roman" panose="02020603050405020304" pitchFamily="18" charset="0"/>
+                <a:ea typeface="Calibri" panose="020F0502020204030204" pitchFamily="34" charset="0"/>
+              </a:rPr>
+              <a:t>d</a:t>
+            </a:r>
+            <a:r>
+              <a:rPr lang="de-DE" sz="2000" dirty="0" err="1">
+                <a:effectLst/>
+                <a:latin typeface="Times New Roman" panose="02020603050405020304" pitchFamily="18" charset="0"/>
+                <a:ea typeface="Calibri" panose="020F0502020204030204" pitchFamily="34" charset="0"/>
+              </a:rPr>
+              <a:t>erived</a:t>
+            </a:r>
+            <a:r>
+              <a:rPr lang="de-DE" sz="2000" dirty="0">
+                <a:effectLst/>
+                <a:latin typeface="Times New Roman" panose="02020603050405020304" pitchFamily="18" charset="0"/>
+                <a:ea typeface="Calibri" panose="020F0502020204030204" pitchFamily="34" charset="0"/>
+              </a:rPr>
+              <a:t> </a:t>
+            </a:r>
+            <a:r>
+              <a:rPr lang="de-DE" sz="2000" dirty="0" err="1">
+                <a:effectLst/>
+                <a:latin typeface="Times New Roman" panose="02020603050405020304" pitchFamily="18" charset="0"/>
+                <a:ea typeface="Calibri" panose="020F0502020204030204" pitchFamily="34" charset="0"/>
+              </a:rPr>
+              <a:t>practical</a:t>
+            </a:r>
+            <a:r>
+              <a:rPr lang="de-DE" sz="2000" dirty="0">
+                <a:effectLst/>
+                <a:latin typeface="Times New Roman" panose="02020603050405020304" pitchFamily="18" charset="0"/>
+                <a:ea typeface="Calibri" panose="020F0502020204030204" pitchFamily="34" charset="0"/>
+              </a:rPr>
+              <a:t>, </a:t>
+            </a:r>
+            <a:r>
+              <a:rPr lang="de-DE" sz="2000" dirty="0" err="1">
+                <a:effectLst/>
+                <a:latin typeface="Times New Roman" panose="02020603050405020304" pitchFamily="18" charset="0"/>
+                <a:ea typeface="Calibri" panose="020F0502020204030204" pitchFamily="34" charset="0"/>
+              </a:rPr>
+              <a:t>data-driven</a:t>
+            </a:r>
+            <a:r>
+              <a:rPr lang="de-DE" sz="2000" dirty="0">
+                <a:effectLst/>
+                <a:latin typeface="Times New Roman" panose="02020603050405020304" pitchFamily="18" charset="0"/>
+                <a:ea typeface="Calibri" panose="020F0502020204030204" pitchFamily="34" charset="0"/>
+              </a:rPr>
+              <a:t> </a:t>
+            </a:r>
+            <a:r>
+              <a:rPr lang="de-DE" sz="2000" dirty="0" err="1">
+                <a:effectLst/>
+                <a:latin typeface="Times New Roman" panose="02020603050405020304" pitchFamily="18" charset="0"/>
+                <a:ea typeface="Calibri" panose="020F0502020204030204" pitchFamily="34" charset="0"/>
+              </a:rPr>
+              <a:t>recommendations</a:t>
+            </a:r>
+            <a:r>
+              <a:rPr lang="de-DE" sz="2000" dirty="0">
+                <a:effectLst/>
+                <a:latin typeface="Times New Roman" panose="02020603050405020304" pitchFamily="18" charset="0"/>
+                <a:ea typeface="Calibri" panose="020F0502020204030204" pitchFamily="34" charset="0"/>
+              </a:rPr>
+              <a:t> </a:t>
+            </a:r>
+            <a:r>
+              <a:rPr lang="de-DE" sz="2000" dirty="0" err="1">
+                <a:effectLst/>
+                <a:latin typeface="Times New Roman" panose="02020603050405020304" pitchFamily="18" charset="0"/>
+                <a:ea typeface="Calibri" panose="020F0502020204030204" pitchFamily="34" charset="0"/>
+              </a:rPr>
+              <a:t>for</a:t>
+            </a:r>
+            <a:r>
+              <a:rPr lang="de-DE" sz="2000" dirty="0">
+                <a:effectLst/>
+                <a:latin typeface="Times New Roman" panose="02020603050405020304" pitchFamily="18" charset="0"/>
+                <a:ea typeface="Calibri" panose="020F0502020204030204" pitchFamily="34" charset="0"/>
+              </a:rPr>
+              <a:t> potential </a:t>
+            </a:r>
+            <a:r>
+              <a:rPr lang="de-DE" sz="2000" dirty="0" err="1">
+                <a:effectLst/>
+                <a:latin typeface="Times New Roman" panose="02020603050405020304" pitchFamily="18" charset="0"/>
+                <a:ea typeface="Calibri" panose="020F0502020204030204" pitchFamily="34" charset="0"/>
+              </a:rPr>
+              <a:t>success</a:t>
+            </a:r>
+            <a:r>
+              <a:rPr lang="de-DE" sz="2000" dirty="0">
+                <a:effectLst/>
+                <a:latin typeface="Times New Roman" panose="02020603050405020304" pitchFamily="18" charset="0"/>
+                <a:ea typeface="Calibri" panose="020F0502020204030204" pitchFamily="34" charset="0"/>
+              </a:rPr>
+              <a:t> </a:t>
+            </a:r>
+            <a:r>
+              <a:rPr lang="de-DE" sz="2000" dirty="0" err="1">
+                <a:effectLst/>
+                <a:latin typeface="Times New Roman" panose="02020603050405020304" pitchFamily="18" charset="0"/>
+                <a:ea typeface="Calibri" panose="020F0502020204030204" pitchFamily="34" charset="0"/>
+              </a:rPr>
+              <a:t>drivers</a:t>
+            </a:r>
+            <a:r>
+              <a:rPr lang="de-DE" sz="2000" dirty="0">
+                <a:effectLst/>
+                <a:latin typeface="Times New Roman" panose="02020603050405020304" pitchFamily="18" charset="0"/>
+                <a:ea typeface="Calibri" panose="020F0502020204030204" pitchFamily="34" charset="0"/>
+              </a:rPr>
+              <a:t> </a:t>
+            </a:r>
+            <a:r>
+              <a:rPr lang="de-DE" sz="2000" dirty="0" err="1">
+                <a:effectLst/>
+                <a:latin typeface="Times New Roman" panose="02020603050405020304" pitchFamily="18" charset="0"/>
+                <a:ea typeface="Calibri" panose="020F0502020204030204" pitchFamily="34" charset="0"/>
+              </a:rPr>
+              <a:t>for</a:t>
+            </a:r>
+            <a:r>
+              <a:rPr lang="de-DE" sz="2000" dirty="0">
+                <a:effectLst/>
+                <a:latin typeface="Times New Roman" panose="02020603050405020304" pitchFamily="18" charset="0"/>
+                <a:ea typeface="Calibri" panose="020F0502020204030204" pitchFamily="34" charset="0"/>
+              </a:rPr>
+              <a:t> </a:t>
+            </a:r>
+            <a:r>
+              <a:rPr lang="de-DE" sz="2000" dirty="0" err="1">
+                <a:effectLst/>
+                <a:latin typeface="Times New Roman" panose="02020603050405020304" pitchFamily="18" charset="0"/>
+                <a:ea typeface="Calibri" panose="020F0502020204030204" pitchFamily="34" charset="0"/>
+              </a:rPr>
+              <a:t>political</a:t>
+            </a:r>
+            <a:r>
+              <a:rPr lang="de-DE" sz="2000" dirty="0">
+                <a:effectLst/>
+                <a:latin typeface="Times New Roman" panose="02020603050405020304" pitchFamily="18" charset="0"/>
+                <a:ea typeface="Calibri" panose="020F0502020204030204" pitchFamily="34" charset="0"/>
+              </a:rPr>
+              <a:t> </a:t>
+            </a:r>
+            <a:r>
+              <a:rPr lang="de-DE" sz="2000" dirty="0" err="1">
+                <a:effectLst/>
+                <a:latin typeface="Times New Roman" panose="02020603050405020304" pitchFamily="18" charset="0"/>
+                <a:ea typeface="Calibri" panose="020F0502020204030204" pitchFamily="34" charset="0"/>
+              </a:rPr>
+              <a:t>marketing</a:t>
+            </a:r>
+            <a:r>
+              <a:rPr lang="de-DE" sz="2000" dirty="0">
+                <a:effectLst/>
+                <a:latin typeface="Times New Roman" panose="02020603050405020304" pitchFamily="18" charset="0"/>
+                <a:ea typeface="Calibri" panose="020F0502020204030204" pitchFamily="34" charset="0"/>
+              </a:rPr>
+              <a:t> </a:t>
+            </a:r>
+            <a:r>
+              <a:rPr lang="de-DE" sz="2000" dirty="0" err="1">
+                <a:effectLst/>
+                <a:latin typeface="Times New Roman" panose="02020603050405020304" pitchFamily="18" charset="0"/>
+                <a:ea typeface="Calibri" panose="020F0502020204030204" pitchFamily="34" charset="0"/>
+              </a:rPr>
+              <a:t>regarding</a:t>
+            </a:r>
+            <a:r>
+              <a:rPr lang="de-DE" sz="2000" dirty="0">
+                <a:effectLst/>
+                <a:latin typeface="Times New Roman" panose="02020603050405020304" pitchFamily="18" charset="0"/>
+                <a:ea typeface="Calibri" panose="020F0502020204030204" pitchFamily="34" charset="0"/>
+              </a:rPr>
+              <a:t> </a:t>
+            </a:r>
+            <a:r>
+              <a:rPr lang="de-DE" sz="2000" dirty="0" err="1">
+                <a:effectLst/>
+                <a:latin typeface="Times New Roman" panose="02020603050405020304" pitchFamily="18" charset="0"/>
+                <a:ea typeface="Calibri" panose="020F0502020204030204" pitchFamily="34" charset="0"/>
+              </a:rPr>
+              <a:t>elections</a:t>
+            </a:r>
+            <a:endParaRPr lang="de-DE" sz="2000" dirty="0"/>
+          </a:p>
+        </p:txBody>
+      </p:sp>
       <p:sp>
         <p:nvSpPr>
           <p:cNvPr id="2" name="Titel 1">
@@ -5527,550 +6890,11 @@
           <a:p>
             <a:r>
               <a:rPr lang="de-DE" b="1" dirty="0" err="1"/>
-              <a:t>Methodology</a:t>
-            </a:r>
-            <a:endParaRPr lang="de-DE" b="1" dirty="0"/>
-          </a:p>
-        </p:txBody>
-      </p:sp>
-      <p:sp>
-        <p:nvSpPr>
-          <p:cNvPr id="3" name="Inhaltsplatzhalter 2">
-            <a:extLst>
-              <a:ext uri="{FF2B5EF4-FFF2-40B4-BE49-F238E27FC236}">
-                <a16:creationId xmlns:a16="http://schemas.microsoft.com/office/drawing/2014/main" id="{757A96DE-6D23-42C4-AB63-4B4FA680A94E}"/>
-              </a:ext>
-            </a:extLst>
-          </p:cNvPr>
-          <p:cNvSpPr>
-            <a:spLocks noGrp="1"/>
-          </p:cNvSpPr>
-          <p:nvPr>
-            <p:ph idx="1"/>
-          </p:nvPr>
-        </p:nvSpPr>
-        <p:spPr/>
-        <p:txBody>
-          <a:bodyPr>
-            <a:normAutofit lnSpcReduction="10000"/>
-          </a:bodyPr>
-          <a:lstStyle/>
-          <a:p>
-            <a:pPr>
-              <a:buFont typeface="Wingdings" panose="05000000000000000000" pitchFamily="2" charset="2"/>
-              <a:buChar char="§"/>
-            </a:pPr>
-            <a:r>
-              <a:rPr lang="de-DE" sz="2000" b="1" dirty="0"/>
-              <a:t>Sentiment &amp; Emotion Analysis</a:t>
-            </a:r>
-          </a:p>
-          <a:p>
-            <a:pPr lvl="1"/>
-            <a:r>
-              <a:rPr lang="de-DE" sz="1600" dirty="0" err="1"/>
-              <a:t>Measures</a:t>
-            </a:r>
-            <a:r>
-              <a:rPr lang="de-DE" sz="1600" dirty="0"/>
-              <a:t>: Sentiment Index, </a:t>
-            </a:r>
-            <a:r>
-              <a:rPr lang="de-DE" sz="1600" dirty="0" err="1"/>
-              <a:t>Intensity</a:t>
-            </a:r>
-            <a:r>
-              <a:rPr lang="de-DE" sz="1600" dirty="0"/>
-              <a:t> Index, </a:t>
-            </a:r>
-            <a:r>
-              <a:rPr lang="de-DE" sz="1600" dirty="0" err="1"/>
-              <a:t>scores</a:t>
-            </a:r>
-            <a:r>
-              <a:rPr lang="de-DE" sz="1600" dirty="0"/>
-              <a:t> </a:t>
-            </a:r>
-            <a:r>
-              <a:rPr lang="de-DE" sz="1600" dirty="0" err="1"/>
-              <a:t>for</a:t>
-            </a:r>
-            <a:r>
-              <a:rPr lang="de-DE" sz="1600" dirty="0"/>
-              <a:t> </a:t>
-            </a:r>
-            <a:r>
-              <a:rPr lang="de-DE" sz="1600" dirty="0" err="1"/>
-              <a:t>sentiments</a:t>
-            </a:r>
-            <a:r>
-              <a:rPr lang="de-DE" sz="1600" dirty="0"/>
-              <a:t> and </a:t>
-            </a:r>
-            <a:r>
-              <a:rPr lang="de-DE" sz="1600" dirty="0" err="1"/>
-              <a:t>emotions</a:t>
-            </a:r>
-            <a:endParaRPr lang="de-DE" sz="1600" dirty="0"/>
-          </a:p>
-          <a:p>
-            <a:pPr lvl="1"/>
-            <a:r>
-              <a:rPr lang="de-DE" sz="1600" dirty="0"/>
-              <a:t>Method: </a:t>
-            </a:r>
-            <a:r>
-              <a:rPr lang="de-DE" sz="1600" dirty="0" err="1"/>
-              <a:t>Four</a:t>
-            </a:r>
-            <a:r>
-              <a:rPr lang="de-DE" sz="1600" dirty="0"/>
-              <a:t> Sentiment </a:t>
-            </a:r>
-            <a:r>
-              <a:rPr lang="de-DE" sz="1600" dirty="0" err="1"/>
-              <a:t>Lexicons</a:t>
-            </a:r>
-            <a:r>
-              <a:rPr lang="de-DE" sz="1600" dirty="0"/>
-              <a:t> (</a:t>
-            </a:r>
-            <a:r>
-              <a:rPr lang="de-DE" sz="1600" dirty="0" err="1"/>
-              <a:t>Syuzhet</a:t>
-            </a:r>
-            <a:r>
-              <a:rPr lang="de-DE" sz="1600" dirty="0"/>
-              <a:t>, Bing, </a:t>
-            </a:r>
-            <a:r>
-              <a:rPr lang="de-DE" sz="1600" dirty="0" err="1"/>
-              <a:t>Afinn</a:t>
-            </a:r>
-            <a:r>
-              <a:rPr lang="de-DE" sz="1600" dirty="0"/>
-              <a:t> &amp; NRC) &amp; </a:t>
-            </a:r>
-            <a:r>
-              <a:rPr lang="de-DE" sz="1600" dirty="0" err="1"/>
-              <a:t>One</a:t>
-            </a:r>
-            <a:r>
-              <a:rPr lang="de-DE" sz="1600" dirty="0"/>
-              <a:t> Emotion </a:t>
-            </a:r>
-            <a:r>
-              <a:rPr lang="de-DE" sz="1600" dirty="0" err="1"/>
-              <a:t>Lexicon</a:t>
-            </a:r>
-            <a:r>
-              <a:rPr lang="de-DE" sz="1600" dirty="0"/>
-              <a:t> (NRC)</a:t>
-            </a:r>
-          </a:p>
-          <a:p>
-            <a:pPr>
-              <a:buFont typeface="Wingdings" panose="05000000000000000000" pitchFamily="2" charset="2"/>
-              <a:buChar char="§"/>
-            </a:pPr>
-            <a:r>
-              <a:rPr lang="de-DE" sz="2000" b="1" dirty="0"/>
-              <a:t>General </a:t>
-            </a:r>
-            <a:r>
-              <a:rPr lang="de-DE" sz="2000" b="1" dirty="0" err="1"/>
-              <a:t>Stance</a:t>
-            </a:r>
-            <a:r>
-              <a:rPr lang="de-DE" sz="2000" b="1" dirty="0"/>
-              <a:t> Analysis I – </a:t>
-            </a:r>
-            <a:r>
-              <a:rPr lang="de-DE" sz="2000" b="1" dirty="0" err="1"/>
-              <a:t>Ideological</a:t>
-            </a:r>
-            <a:r>
-              <a:rPr lang="de-DE" sz="2000" b="1" dirty="0"/>
-              <a:t> </a:t>
-            </a:r>
-            <a:r>
-              <a:rPr lang="de-DE" sz="2000" b="1" dirty="0" err="1"/>
-              <a:t>Positioning</a:t>
-            </a:r>
-            <a:endParaRPr lang="de-DE" sz="1600" b="1" dirty="0"/>
-          </a:p>
-          <a:p>
-            <a:pPr lvl="1"/>
-            <a:r>
-              <a:rPr lang="de-DE" sz="1600" dirty="0"/>
-              <a:t>Relative </a:t>
-            </a:r>
-            <a:r>
-              <a:rPr lang="de-DE" sz="1600" dirty="0" err="1"/>
-              <a:t>positioning</a:t>
-            </a:r>
-            <a:r>
-              <a:rPr lang="de-DE" sz="1600" dirty="0"/>
-              <a:t> </a:t>
-            </a:r>
-            <a:r>
-              <a:rPr lang="de-DE" sz="1600" dirty="0" err="1"/>
-              <a:t>based</a:t>
-            </a:r>
-            <a:r>
-              <a:rPr lang="de-DE" sz="1600" dirty="0"/>
-              <a:t> on expert </a:t>
-            </a:r>
-            <a:r>
-              <a:rPr lang="de-DE" sz="1600" dirty="0" err="1"/>
-              <a:t>evaluations</a:t>
-            </a:r>
-            <a:r>
-              <a:rPr lang="de-DE" sz="1600" dirty="0"/>
-              <a:t> </a:t>
-            </a:r>
-            <a:r>
-              <a:rPr lang="de-DE" sz="1600" dirty="0" err="1"/>
-              <a:t>of</a:t>
-            </a:r>
-            <a:r>
-              <a:rPr lang="de-DE" sz="1600" dirty="0"/>
-              <a:t> </a:t>
-            </a:r>
-            <a:r>
-              <a:rPr lang="de-DE" sz="1600" dirty="0" err="1"/>
-              <a:t>party</a:t>
-            </a:r>
-            <a:r>
-              <a:rPr lang="de-DE" sz="1600" dirty="0"/>
-              <a:t> </a:t>
-            </a:r>
-            <a:r>
-              <a:rPr lang="de-DE" sz="1600" dirty="0" err="1"/>
-              <a:t>program</a:t>
-            </a:r>
-            <a:r>
-              <a:rPr lang="de-DE" sz="1600" dirty="0"/>
-              <a:t> </a:t>
-            </a:r>
-            <a:r>
-              <a:rPr lang="de-DE" sz="1600" dirty="0" err="1"/>
-              <a:t>positioning</a:t>
-            </a:r>
-            <a:r>
-              <a:rPr lang="de-DE" sz="1600" dirty="0"/>
-              <a:t> (</a:t>
-            </a:r>
-            <a:r>
-              <a:rPr lang="de-DE" sz="1600" dirty="0" err="1"/>
-              <a:t>left-to-right</a:t>
-            </a:r>
-            <a:r>
-              <a:rPr lang="de-DE" sz="1600" dirty="0"/>
-              <a:t>)</a:t>
-            </a:r>
-          </a:p>
-          <a:p>
-            <a:pPr lvl="1"/>
-            <a:r>
-              <a:rPr lang="de-DE" sz="1600" dirty="0"/>
-              <a:t>Method: </a:t>
-            </a:r>
-            <a:r>
-              <a:rPr lang="de-DE" sz="1600" dirty="0" err="1"/>
-              <a:t>ManifestoR</a:t>
-            </a:r>
-            <a:r>
-              <a:rPr lang="de-DE" sz="1600" dirty="0"/>
-              <a:t> RILE Index</a:t>
-            </a:r>
-          </a:p>
-          <a:p>
-            <a:pPr>
-              <a:buFont typeface="Wingdings" panose="05000000000000000000" pitchFamily="2" charset="2"/>
-              <a:buChar char="§"/>
-            </a:pPr>
-            <a:r>
-              <a:rPr lang="de-DE" sz="2000" b="1" dirty="0"/>
-              <a:t>General </a:t>
-            </a:r>
-            <a:r>
-              <a:rPr lang="de-DE" sz="2000" b="1" dirty="0" err="1"/>
-              <a:t>Stance</a:t>
-            </a:r>
-            <a:r>
-              <a:rPr lang="de-DE" sz="2000" b="1" dirty="0"/>
-              <a:t> Analysis II – </a:t>
-            </a:r>
-            <a:r>
-              <a:rPr lang="de-DE" sz="2000" b="1" dirty="0" err="1"/>
-              <a:t>Linguistic</a:t>
-            </a:r>
-            <a:r>
-              <a:rPr lang="de-DE" sz="2000" b="1" dirty="0"/>
-              <a:t> </a:t>
-            </a:r>
-            <a:r>
-              <a:rPr lang="de-DE" sz="2000" b="1" dirty="0" err="1"/>
-              <a:t>Positioning</a:t>
-            </a:r>
-            <a:endParaRPr lang="de-DE" sz="1600" b="1" dirty="0"/>
-          </a:p>
-          <a:p>
-            <a:pPr lvl="1"/>
-            <a:r>
-              <a:rPr lang="de-DE" sz="1600" dirty="0"/>
-              <a:t>Relative </a:t>
-            </a:r>
-            <a:r>
-              <a:rPr lang="de-DE" sz="1600" dirty="0" err="1"/>
-              <a:t>positioning</a:t>
-            </a:r>
-            <a:r>
-              <a:rPr lang="de-DE" sz="1600" dirty="0"/>
-              <a:t> </a:t>
-            </a:r>
-            <a:r>
-              <a:rPr lang="de-DE" sz="1600" dirty="0" err="1"/>
-              <a:t>based</a:t>
-            </a:r>
-            <a:r>
-              <a:rPr lang="de-DE" sz="1600" dirty="0"/>
-              <a:t> on </a:t>
-            </a:r>
-            <a:r>
-              <a:rPr lang="de-DE" sz="1600" dirty="0" err="1"/>
-              <a:t>wordscores</a:t>
-            </a:r>
-            <a:endParaRPr lang="de-DE" sz="1600" dirty="0"/>
-          </a:p>
-          <a:p>
-            <a:pPr lvl="1"/>
-            <a:r>
-              <a:rPr lang="de-DE" sz="1600" dirty="0"/>
-              <a:t>Method: </a:t>
-            </a:r>
-            <a:r>
-              <a:rPr lang="de-DE" sz="1600" dirty="0" err="1"/>
-              <a:t>Quanteda</a:t>
-            </a:r>
-            <a:r>
-              <a:rPr lang="de-DE" sz="1600" dirty="0"/>
-              <a:t> </a:t>
-            </a:r>
-            <a:r>
-              <a:rPr lang="de-DE" sz="1600" dirty="0" err="1"/>
-              <a:t>wordscore</a:t>
-            </a:r>
-            <a:r>
-              <a:rPr lang="de-DE" sz="1600" dirty="0"/>
-              <a:t> </a:t>
-            </a:r>
-            <a:r>
-              <a:rPr lang="de-DE" sz="1600" dirty="0" err="1"/>
-              <a:t>algorithm</a:t>
-            </a:r>
-            <a:endParaRPr lang="de-DE" sz="1600" dirty="0"/>
-          </a:p>
-          <a:p>
-            <a:pPr lvl="1"/>
-            <a:r>
-              <a:rPr lang="de-DE" sz="1600" dirty="0"/>
-              <a:t>Reference Texts: 2017 </a:t>
-            </a:r>
-            <a:r>
-              <a:rPr lang="de-DE" sz="1600" dirty="0" err="1"/>
-              <a:t>party</a:t>
-            </a:r>
-            <a:r>
-              <a:rPr lang="de-DE" sz="1600" dirty="0"/>
-              <a:t> </a:t>
-            </a:r>
-            <a:r>
-              <a:rPr lang="de-DE" sz="1600" dirty="0" err="1"/>
-              <a:t>programs</a:t>
-            </a:r>
-            <a:endParaRPr lang="de-DE" sz="1600" dirty="0"/>
-          </a:p>
-          <a:p>
-            <a:pPr lvl="1"/>
-            <a:r>
-              <a:rPr lang="de-DE" sz="1600" dirty="0"/>
-              <a:t>Reference Scores: 2019 Chapel Hill Expert Survey score </a:t>
-            </a:r>
-            <a:r>
-              <a:rPr lang="de-DE" sz="1600" dirty="0" err="1"/>
-              <a:t>for</a:t>
-            </a:r>
-            <a:r>
-              <a:rPr lang="de-DE" sz="1600" dirty="0"/>
-              <a:t> </a:t>
-            </a:r>
-            <a:r>
-              <a:rPr lang="de-DE" sz="1600" dirty="0" err="1"/>
-              <a:t>overall</a:t>
-            </a:r>
-            <a:r>
-              <a:rPr lang="de-DE" sz="1600" dirty="0"/>
-              <a:t> </a:t>
-            </a:r>
-            <a:r>
-              <a:rPr lang="de-DE" sz="1600" dirty="0" err="1"/>
-              <a:t>ideological</a:t>
-            </a:r>
-            <a:r>
-              <a:rPr lang="de-DE" sz="1600" dirty="0"/>
-              <a:t> </a:t>
-            </a:r>
-            <a:r>
-              <a:rPr lang="de-DE" sz="1600" dirty="0" err="1"/>
-              <a:t>position</a:t>
-            </a:r>
-            <a:r>
-              <a:rPr lang="de-DE" sz="1600" dirty="0"/>
-              <a:t> </a:t>
-            </a:r>
-            <a:r>
-              <a:rPr lang="de-DE" sz="1600" dirty="0" err="1"/>
-              <a:t>assigned</a:t>
-            </a:r>
-            <a:r>
-              <a:rPr lang="de-DE" sz="1600" dirty="0"/>
-              <a:t> </a:t>
-            </a:r>
-            <a:r>
-              <a:rPr lang="de-DE" sz="1600" dirty="0" err="1"/>
-              <a:t>to</a:t>
-            </a:r>
-            <a:r>
-              <a:rPr lang="de-DE" sz="1600" dirty="0"/>
-              <a:t> </a:t>
-            </a:r>
-            <a:r>
-              <a:rPr lang="de-DE" sz="1600" dirty="0" err="1"/>
-              <a:t>the</a:t>
-            </a:r>
-            <a:r>
-              <a:rPr lang="de-DE" sz="1600" dirty="0"/>
-              <a:t> </a:t>
-            </a:r>
-            <a:r>
-              <a:rPr lang="de-DE" sz="1600" dirty="0" err="1"/>
-              <a:t>reference</a:t>
-            </a:r>
-            <a:r>
-              <a:rPr lang="de-DE" sz="1600" dirty="0"/>
-              <a:t> </a:t>
-            </a:r>
-            <a:r>
-              <a:rPr lang="de-DE" sz="1600" dirty="0" err="1"/>
-              <a:t>texts</a:t>
-            </a:r>
-            <a:endParaRPr lang="de-DE" sz="1600" dirty="0"/>
-          </a:p>
-          <a:p>
-            <a:pPr>
-              <a:buFont typeface="Wingdings" panose="05000000000000000000" pitchFamily="2" charset="2"/>
-              <a:buChar char="§"/>
-            </a:pPr>
-            <a:r>
-              <a:rPr lang="de-DE" sz="2000" b="1" dirty="0"/>
-              <a:t>Topic-</a:t>
-            </a:r>
-            <a:r>
-              <a:rPr lang="de-DE" sz="2000" b="1" dirty="0" err="1"/>
-              <a:t>Specific</a:t>
-            </a:r>
-            <a:r>
-              <a:rPr lang="de-DE" sz="2000" b="1" dirty="0"/>
-              <a:t> </a:t>
-            </a:r>
-            <a:r>
-              <a:rPr lang="de-DE" sz="2000" b="1" dirty="0" err="1"/>
-              <a:t>Stance</a:t>
-            </a:r>
-            <a:r>
-              <a:rPr lang="de-DE" sz="2000" b="1" dirty="0"/>
-              <a:t> Analysis</a:t>
-            </a:r>
-          </a:p>
-          <a:p>
-            <a:pPr lvl="1"/>
-            <a:r>
-              <a:rPr lang="de-DE" sz="1600" dirty="0"/>
-              <a:t>Relative </a:t>
-            </a:r>
-            <a:r>
-              <a:rPr lang="de-DE" sz="1600" dirty="0" err="1"/>
-              <a:t>positioning</a:t>
-            </a:r>
-            <a:r>
-              <a:rPr lang="de-DE" sz="1600" dirty="0"/>
-              <a:t> </a:t>
-            </a:r>
-            <a:r>
-              <a:rPr lang="de-DE" sz="1600" dirty="0" err="1"/>
-              <a:t>based</a:t>
-            </a:r>
-            <a:r>
-              <a:rPr lang="de-DE" sz="1600" dirty="0"/>
-              <a:t> on </a:t>
-            </a:r>
-            <a:r>
-              <a:rPr lang="de-DE" sz="1600" dirty="0" err="1"/>
-              <a:t>topic-specific</a:t>
-            </a:r>
-            <a:r>
-              <a:rPr lang="de-DE" sz="1600" dirty="0"/>
-              <a:t> </a:t>
-            </a:r>
-            <a:r>
-              <a:rPr lang="de-DE" sz="1600" dirty="0" err="1"/>
-              <a:t>wordscores</a:t>
-            </a:r>
-            <a:endParaRPr lang="de-DE" sz="1600" dirty="0"/>
-          </a:p>
-          <a:p>
-            <a:pPr lvl="1"/>
-            <a:r>
-              <a:rPr lang="de-DE" sz="1600" dirty="0" err="1"/>
-              <a:t>Three</a:t>
-            </a:r>
-            <a:r>
-              <a:rPr lang="de-DE" sz="1600" dirty="0"/>
-              <a:t> </a:t>
-            </a:r>
-            <a:r>
-              <a:rPr lang="de-DE" sz="1600" dirty="0" err="1"/>
-              <a:t>central</a:t>
-            </a:r>
-            <a:r>
-              <a:rPr lang="de-DE" sz="1600" dirty="0"/>
-              <a:t> </a:t>
-            </a:r>
-            <a:r>
-              <a:rPr lang="de-DE" sz="1600" dirty="0" err="1"/>
-              <a:t>election</a:t>
-            </a:r>
-            <a:r>
-              <a:rPr lang="de-DE" sz="1600" dirty="0"/>
-              <a:t> </a:t>
-            </a:r>
-            <a:r>
-              <a:rPr lang="de-DE" sz="1600" dirty="0" err="1"/>
-              <a:t>topics</a:t>
-            </a:r>
-            <a:r>
-              <a:rPr lang="de-DE" sz="1600" dirty="0"/>
-              <a:t>: Corona (1), Environment / Climate Change (2) &amp; </a:t>
-            </a:r>
-            <a:r>
-              <a:rPr lang="de-DE" sz="1600" dirty="0" err="1"/>
-              <a:t>Digitization</a:t>
-            </a:r>
-            <a:r>
-              <a:rPr lang="de-DE" sz="1600" dirty="0"/>
-              <a:t> (3)</a:t>
+              <a:t>Conceptual</a:t>
+            </a:r>
+            <a:r>
+              <a:rPr lang="de-DE" b="1" dirty="0"/>
+              <a:t> Model</a:t>
             </a:r>
           </a:p>
         </p:txBody>
@@ -6080,7 +6904,7 @@
           <p:cNvPr id="4" name="Foliennummernplatzhalter 3">
             <a:extLst>
               <a:ext uri="{FF2B5EF4-FFF2-40B4-BE49-F238E27FC236}">
-                <a16:creationId xmlns:a16="http://schemas.microsoft.com/office/drawing/2014/main" id="{4CCD6512-88AE-4565-9476-1D70FE350E5E}"/>
+                <a16:creationId xmlns:a16="http://schemas.microsoft.com/office/drawing/2014/main" id="{05507030-706E-479E-8CD3-1713AE9A16D3}"/>
               </a:ext>
             </a:extLst>
           </p:cNvPr>
@@ -6104,10 +6928,59 @@
           </a:p>
         </p:txBody>
       </p:sp>
+      <p:sp>
+        <p:nvSpPr>
+          <p:cNvPr id="10" name="Textfeld 9">
+            <a:extLst>
+              <a:ext uri="{FF2B5EF4-FFF2-40B4-BE49-F238E27FC236}">
+                <a16:creationId xmlns:a16="http://schemas.microsoft.com/office/drawing/2014/main" id="{115C1F87-9FF6-45A3-B448-B54A16EC71AD}"/>
+              </a:ext>
+            </a:extLst>
+          </p:cNvPr>
+          <p:cNvSpPr txBox="1"/>
+          <p:nvPr/>
+        </p:nvSpPr>
+        <p:spPr>
+          <a:xfrm>
+            <a:off x="3216001" y="3905246"/>
+            <a:ext cx="5760000" cy="336118"/>
+          </a:xfrm>
+          <a:prstGeom prst="rect">
+            <a:avLst/>
+          </a:prstGeom>
+          <a:noFill/>
+        </p:spPr>
+        <p:txBody>
+          <a:bodyPr wrap="square">
+            <a:spAutoFit/>
+          </a:bodyPr>
+          <a:lstStyle/>
+          <a:p>
+            <a:pPr>
+              <a:lnSpc>
+                <a:spcPct val="150000"/>
+              </a:lnSpc>
+            </a:pPr>
+            <a:r>
+              <a:rPr lang="en-US" sz="1200" i="1" dirty="0">
+                <a:effectLst/>
+                <a:latin typeface="Times New Roman" panose="02020603050405020304" pitchFamily="18" charset="0"/>
+                <a:ea typeface="Times New Roman" panose="02020603050405020304" pitchFamily="18" charset="0"/>
+              </a:rPr>
+              <a:t>Figure 2: Conceptual Model (own rep.)</a:t>
+            </a:r>
+            <a:endParaRPr lang="de-DE" sz="1200" dirty="0">
+              <a:effectLst/>
+              <a:latin typeface="Times New Roman" panose="02020603050405020304" pitchFamily="18" charset="0"/>
+              <a:ea typeface="Times New Roman" panose="02020603050405020304" pitchFamily="18" charset="0"/>
+            </a:endParaRPr>
+          </a:p>
+        </p:txBody>
+      </p:sp>
     </p:spTree>
     <p:extLst>
       <p:ext uri="{BB962C8B-B14F-4D97-AF65-F5344CB8AC3E}">
-        <p14:creationId xmlns:p14="http://schemas.microsoft.com/office/powerpoint/2010/main" val="958644181"/>
+        <p14:creationId xmlns:p14="http://schemas.microsoft.com/office/powerpoint/2010/main" val="2704254890"/>
       </p:ext>
     </p:extLst>
   </p:cSld>
@@ -6168,12 +7041,8 @@
           <a:lstStyle/>
           <a:p>
             <a:r>
-              <a:rPr lang="de-DE" b="1" dirty="0" err="1"/>
-              <a:t>Results</a:t>
-            </a:r>
-            <a:r>
               <a:rPr lang="de-DE" b="1" dirty="0"/>
-              <a:t> (I/II)</a:t>
+              <a:t>Data</a:t>
             </a:r>
           </a:p>
         </p:txBody>
@@ -6197,66 +7066,398 @@
         <p:spPr>
           <a:xfrm>
             <a:off x="838200" y="1825625"/>
-            <a:ext cx="5181600" cy="4745368"/>
+            <a:ext cx="5705056" cy="4351338"/>
           </a:xfrm>
         </p:spPr>
         <p:txBody>
           <a:bodyPr>
-            <a:noAutofit/>
+            <a:normAutofit fontScale="92500"/>
           </a:bodyPr>
           <a:lstStyle/>
           <a:p>
-            <a:pPr>
-              <a:buFont typeface="Wingdings" panose="05000000000000000000" pitchFamily="2" charset="2"/>
-              <a:buChar char="§"/>
+            <a:pPr marL="0" indent="0">
+              <a:buNone/>
             </a:pPr>
             <a:r>
-              <a:rPr lang="en-US" sz="2000" dirty="0">
-                <a:effectLst/>
-                <a:latin typeface="Times New Roman" panose="02020603050405020304" pitchFamily="18" charset="0"/>
-                <a:ea typeface="Calibri" panose="020F0502020204030204" pitchFamily="34" charset="0"/>
-              </a:rPr>
-              <a:t>In line with current research, the two incumbent government parties (CDU/CSU &amp; SPD) have utilized more positive sentiment than the opposition parties</a:t>
-            </a:r>
-          </a:p>
-          <a:p>
-            <a:pPr>
-              <a:buFont typeface="Wingdings" panose="05000000000000000000" pitchFamily="2" charset="2"/>
-              <a:buChar char="§"/>
+              <a:rPr lang="de-DE" sz="2000" b="1" dirty="0"/>
+              <a:t>Data Collection</a:t>
+            </a:r>
+          </a:p>
+          <a:p>
+            <a:pPr lvl="1"/>
+            <a:r>
+              <a:rPr lang="de-DE" sz="2000" dirty="0" err="1"/>
+              <a:t>Means</a:t>
+            </a:r>
+            <a:r>
+              <a:rPr lang="de-DE" sz="2000" dirty="0"/>
+              <a:t>: R </a:t>
+            </a:r>
+            <a:r>
+              <a:rPr lang="de-DE" sz="2000" dirty="0" err="1"/>
+              <a:t>script</a:t>
+            </a:r>
+            <a:r>
+              <a:rPr lang="de-DE" sz="2000" dirty="0"/>
+              <a:t> &amp; Twitter Search API</a:t>
+            </a:r>
+          </a:p>
+          <a:p>
+            <a:pPr lvl="1"/>
+            <a:r>
+              <a:rPr lang="de-DE" sz="2000" dirty="0"/>
+              <a:t>Campaign Term: </a:t>
+            </a:r>
+            <a:r>
+              <a:rPr lang="de-DE" sz="2000" dirty="0" err="1"/>
+              <a:t>Dec</a:t>
+            </a:r>
+            <a:r>
+              <a:rPr lang="de-DE" sz="2000" dirty="0"/>
+              <a:t>. 8th 2020 – Sep. 26th 2021</a:t>
+            </a:r>
+          </a:p>
+          <a:p>
+            <a:pPr lvl="1"/>
+            <a:r>
+              <a:rPr lang="de-DE" sz="2000" dirty="0"/>
+              <a:t>Data: </a:t>
+            </a:r>
+            <a:r>
+              <a:rPr lang="de-DE" sz="2000" dirty="0" err="1"/>
+              <a:t>Two</a:t>
+            </a:r>
+            <a:r>
+              <a:rPr lang="de-DE" sz="2000" dirty="0"/>
+              <a:t> </a:t>
+            </a:r>
+            <a:r>
+              <a:rPr lang="de-DE" sz="2000" dirty="0" err="1"/>
+              <a:t>data</a:t>
+            </a:r>
+            <a:r>
+              <a:rPr lang="de-DE" sz="2000" dirty="0"/>
+              <a:t> </a:t>
+            </a:r>
+            <a:r>
+              <a:rPr lang="de-DE" sz="2000" dirty="0" err="1"/>
+              <a:t>sets</a:t>
+            </a:r>
+            <a:r>
+              <a:rPr lang="de-DE" sz="2000" dirty="0"/>
+              <a:t> </a:t>
+            </a:r>
+            <a:r>
+              <a:rPr lang="de-DE" sz="2000" dirty="0" err="1"/>
+              <a:t>from</a:t>
+            </a:r>
+            <a:r>
+              <a:rPr lang="de-DE" sz="2000" dirty="0"/>
+              <a:t> Twitter + </a:t>
+            </a:r>
+            <a:r>
+              <a:rPr lang="de-DE" sz="2000" dirty="0" err="1"/>
+              <a:t>party</a:t>
+            </a:r>
+            <a:r>
+              <a:rPr lang="de-DE" sz="2000" dirty="0"/>
+              <a:t> </a:t>
+            </a:r>
+            <a:r>
+              <a:rPr lang="de-DE" sz="2000" dirty="0" err="1"/>
+              <a:t>programs</a:t>
+            </a:r>
+            <a:endParaRPr lang="de-DE" sz="2000" dirty="0"/>
+          </a:p>
+          <a:p>
+            <a:pPr lvl="1"/>
+            <a:endParaRPr lang="de-DE" sz="1400" dirty="0"/>
+          </a:p>
+          <a:p>
+            <a:pPr lvl="1"/>
+            <a:endParaRPr lang="de-DE" sz="1400" dirty="0"/>
+          </a:p>
+          <a:p>
+            <a:pPr marL="0" indent="0">
+              <a:buNone/>
             </a:pPr>
             <a:r>
-              <a:rPr lang="en-US" sz="2000" dirty="0">
-                <a:effectLst/>
-                <a:latin typeface="Times New Roman" panose="02020603050405020304" pitchFamily="18" charset="0"/>
-                <a:ea typeface="Calibri" panose="020F0502020204030204" pitchFamily="34" charset="0"/>
-              </a:rPr>
-              <a:t>The </a:t>
-            </a:r>
-            <a:r>
-              <a:rPr lang="en-US" sz="2000" b="1" dirty="0">
-                <a:effectLst/>
-                <a:latin typeface="Times New Roman" panose="02020603050405020304" pitchFamily="18" charset="0"/>
-                <a:ea typeface="Calibri" panose="020F0502020204030204" pitchFamily="34" charset="0"/>
-              </a:rPr>
-              <a:t>text-similarity</a:t>
-            </a:r>
-            <a:r>
-              <a:rPr lang="en-US" sz="2000" dirty="0">
-                <a:effectLst/>
-                <a:latin typeface="Times New Roman" panose="02020603050405020304" pitchFamily="18" charset="0"/>
-                <a:ea typeface="Calibri" panose="020F0502020204030204" pitchFamily="34" charset="0"/>
-              </a:rPr>
-              <a:t> of the six major political parties has continuously and considerably increased between 2017 and 2021 party programs and campaign period tweets - thus resulting in the most similar relative positioning for all parties for the campaign period tweets.</a:t>
+              <a:rPr lang="de-DE" sz="1800" b="1" dirty="0"/>
+              <a:t>1. Political Marketing (65 </a:t>
+            </a:r>
+            <a:r>
+              <a:rPr lang="de-DE" sz="1800" b="1" dirty="0" err="1"/>
+              <a:t>var</a:t>
+            </a:r>
+            <a:r>
+              <a:rPr lang="de-DE" sz="1800" b="1" dirty="0"/>
+              <a:t>. x 218,256 </a:t>
+            </a:r>
+            <a:r>
+              <a:rPr lang="de-DE" sz="1800" b="1" dirty="0" err="1"/>
+              <a:t>obs</a:t>
+            </a:r>
+            <a:r>
+              <a:rPr lang="de-DE" sz="1800" b="1" dirty="0"/>
+              <a:t>)</a:t>
+            </a:r>
+          </a:p>
+          <a:p>
+            <a:pPr lvl="1"/>
+            <a:r>
+              <a:rPr lang="de-DE" sz="1400" dirty="0"/>
+              <a:t>Twitter </a:t>
+            </a:r>
+            <a:r>
+              <a:rPr lang="de-DE" sz="1400" dirty="0" err="1"/>
+              <a:t>timelines</a:t>
+            </a:r>
+            <a:r>
+              <a:rPr lang="de-DE" sz="1400" dirty="0"/>
+              <a:t> </a:t>
+            </a:r>
+            <a:r>
+              <a:rPr lang="de-DE" sz="1400" dirty="0" err="1"/>
+              <a:t>of</a:t>
+            </a:r>
+            <a:r>
+              <a:rPr lang="de-DE" sz="1400" dirty="0"/>
+              <a:t> </a:t>
+            </a:r>
+            <a:r>
+              <a:rPr lang="de-DE" sz="1400" dirty="0" err="1"/>
+              <a:t>candidate</a:t>
+            </a:r>
+            <a:r>
+              <a:rPr lang="de-DE" sz="1400" dirty="0"/>
+              <a:t> </a:t>
+            </a:r>
+            <a:r>
+              <a:rPr lang="de-DE" sz="1400" dirty="0" err="1"/>
+              <a:t>accounts</a:t>
+            </a:r>
+            <a:r>
+              <a:rPr lang="de-DE" sz="1400" dirty="0"/>
+              <a:t> </a:t>
+            </a:r>
+            <a:r>
+              <a:rPr lang="de-DE" sz="1400" dirty="0" err="1"/>
+              <a:t>for</a:t>
+            </a:r>
+            <a:r>
+              <a:rPr lang="de-DE" sz="1400" dirty="0"/>
+              <a:t> </a:t>
+            </a:r>
+            <a:r>
+              <a:rPr lang="de-DE" sz="1400" dirty="0" err="1"/>
+              <a:t>the</a:t>
+            </a:r>
+            <a:r>
+              <a:rPr lang="de-DE" sz="1400" dirty="0"/>
+              <a:t> 2021 </a:t>
+            </a:r>
+            <a:r>
+              <a:rPr lang="de-DE" sz="1400" dirty="0" err="1"/>
+              <a:t>federal</a:t>
+            </a:r>
+            <a:r>
+              <a:rPr lang="de-DE" sz="1400" dirty="0"/>
+              <a:t> </a:t>
+            </a:r>
+            <a:r>
+              <a:rPr lang="de-DE" sz="1400" dirty="0" err="1"/>
+              <a:t>elections</a:t>
+            </a:r>
+            <a:r>
+              <a:rPr lang="de-DE" sz="1400" dirty="0"/>
+              <a:t> (</a:t>
+            </a:r>
+            <a:r>
+              <a:rPr lang="de-DE" sz="1400" dirty="0" err="1"/>
+              <a:t>based</a:t>
+            </a:r>
+            <a:r>
+              <a:rPr lang="de-DE" sz="1400" dirty="0"/>
+              <a:t> on </a:t>
+            </a:r>
+            <a:r>
+              <a:rPr lang="de-DE" sz="1400" dirty="0" err="1"/>
+              <a:t>the</a:t>
+            </a:r>
+            <a:r>
+              <a:rPr lang="de-DE" sz="1400" dirty="0"/>
+              <a:t> </a:t>
+            </a:r>
+            <a:r>
+              <a:rPr lang="de-DE" sz="1400" dirty="0" err="1"/>
+              <a:t>official</a:t>
+            </a:r>
+            <a:r>
+              <a:rPr lang="de-DE" sz="1400" dirty="0"/>
+              <a:t> </a:t>
+            </a:r>
+            <a:r>
+              <a:rPr lang="de-DE" sz="1400" dirty="0" err="1"/>
+              <a:t>candidate</a:t>
+            </a:r>
+            <a:r>
+              <a:rPr lang="de-DE" sz="1400" dirty="0"/>
+              <a:t> </a:t>
+            </a:r>
+            <a:r>
+              <a:rPr lang="de-DE" sz="1400" dirty="0" err="1"/>
+              <a:t>list</a:t>
+            </a:r>
+            <a:r>
+              <a:rPr lang="de-DE" sz="1400" dirty="0"/>
+              <a:t>)</a:t>
+            </a:r>
+          </a:p>
+          <a:p>
+            <a:pPr marL="0" indent="0">
+              <a:buNone/>
+            </a:pPr>
+            <a:r>
+              <a:rPr lang="de-DE" sz="1800" b="1" dirty="0"/>
+              <a:t>2. User-</a:t>
+            </a:r>
+            <a:r>
+              <a:rPr lang="de-DE" sz="1800" b="1" dirty="0" err="1"/>
+              <a:t>Generated</a:t>
+            </a:r>
+            <a:r>
+              <a:rPr lang="de-DE" sz="1800" b="1" dirty="0"/>
+              <a:t> </a:t>
+            </a:r>
+            <a:r>
+              <a:rPr lang="de-DE" sz="1800" b="1" dirty="0" err="1"/>
+              <a:t>Discussions</a:t>
+            </a:r>
+            <a:r>
+              <a:rPr lang="de-DE" sz="1800" b="1" dirty="0"/>
+              <a:t> (70 </a:t>
+            </a:r>
+            <a:r>
+              <a:rPr lang="de-DE" sz="1800" b="1" dirty="0" err="1"/>
+              <a:t>var</a:t>
+            </a:r>
+            <a:r>
+              <a:rPr lang="de-DE" sz="1800" b="1" dirty="0"/>
+              <a:t>. x 297,775 </a:t>
+            </a:r>
+            <a:r>
+              <a:rPr lang="de-DE" sz="1800" b="1" dirty="0" err="1"/>
+              <a:t>obs</a:t>
+            </a:r>
+            <a:r>
+              <a:rPr lang="de-DE" sz="1800" b="1" dirty="0"/>
+              <a:t>.)</a:t>
+            </a:r>
+          </a:p>
+          <a:p>
+            <a:pPr lvl="1"/>
+            <a:r>
+              <a:rPr lang="de-DE" sz="1400" dirty="0" err="1"/>
+              <a:t>Election-related</a:t>
+            </a:r>
+            <a:r>
+              <a:rPr lang="de-DE" sz="1400" dirty="0"/>
+              <a:t> </a:t>
+            </a:r>
+            <a:r>
+              <a:rPr lang="de-DE" sz="1400" dirty="0" err="1"/>
+              <a:t>search</a:t>
+            </a:r>
+            <a:r>
+              <a:rPr lang="de-DE" sz="1400" dirty="0"/>
+              <a:t> </a:t>
+            </a:r>
+            <a:r>
+              <a:rPr lang="de-DE" sz="1400" dirty="0" err="1"/>
+              <a:t>queries</a:t>
+            </a:r>
+            <a:r>
+              <a:rPr lang="de-DE" sz="1400" dirty="0"/>
+              <a:t> on Twitter</a:t>
+            </a:r>
+          </a:p>
+          <a:p>
+            <a:pPr marL="0" indent="0">
+              <a:buNone/>
+            </a:pPr>
+            <a:r>
+              <a:rPr lang="de-DE" sz="1800" b="1" dirty="0"/>
+              <a:t>3. Party </a:t>
+            </a:r>
+            <a:r>
+              <a:rPr lang="de-DE" sz="1800" b="1" dirty="0" err="1"/>
+              <a:t>Programs</a:t>
+            </a:r>
+            <a:r>
+              <a:rPr lang="de-DE" sz="1800" b="1" dirty="0"/>
+              <a:t> (2017 &amp; 2021)</a:t>
+            </a:r>
+          </a:p>
+          <a:p>
+            <a:pPr lvl="1"/>
+            <a:r>
+              <a:rPr lang="de-DE" sz="1400" dirty="0" err="1"/>
+              <a:t>six</a:t>
+            </a:r>
+            <a:r>
+              <a:rPr lang="de-DE" sz="1400" dirty="0"/>
+              <a:t> </a:t>
+            </a:r>
+            <a:r>
+              <a:rPr lang="de-DE" sz="1400" dirty="0" err="1"/>
+              <a:t>major</a:t>
+            </a:r>
+            <a:r>
+              <a:rPr lang="de-DE" sz="1400" dirty="0"/>
+              <a:t> </a:t>
+            </a:r>
+            <a:r>
+              <a:rPr lang="de-DE" sz="1400" dirty="0" err="1"/>
+              <a:t>political</a:t>
+            </a:r>
+            <a:r>
+              <a:rPr lang="de-DE" sz="1400" dirty="0"/>
+              <a:t> </a:t>
+            </a:r>
+            <a:r>
+              <a:rPr lang="de-DE" sz="1400" dirty="0" err="1"/>
+              <a:t>parties</a:t>
+            </a:r>
+            <a:r>
+              <a:rPr lang="de-DE" sz="1400" dirty="0"/>
+              <a:t> in Germany</a:t>
+            </a:r>
+          </a:p>
+          <a:p>
+            <a:pPr marL="457200" lvl="1" indent="0">
+              <a:buNone/>
+            </a:pPr>
+            <a:r>
+              <a:rPr lang="de-DE" sz="1400" dirty="0"/>
+              <a:t>(AfD, CDU/CSU, FDP, Greens, The </a:t>
+            </a:r>
+            <a:r>
+              <a:rPr lang="de-DE" sz="1400" dirty="0" err="1"/>
+              <a:t>Left</a:t>
+            </a:r>
+            <a:r>
+              <a:rPr lang="de-DE" sz="1400" dirty="0"/>
+              <a:t> &amp; SPD)</a:t>
             </a:r>
           </a:p>
         </p:txBody>
       </p:sp>
       <p:pic>
         <p:nvPicPr>
-          <p:cNvPr id="6" name="Picture 38">
-            <a:extLst>
-              <a:ext uri="{FF2B5EF4-FFF2-40B4-BE49-F238E27FC236}">
-                <a16:creationId xmlns:a16="http://schemas.microsoft.com/office/drawing/2014/main" id="{AA38D900-35FB-49C6-B722-DA80C25C7E96}"/>
+          <p:cNvPr id="5" name="Picture 37">
+            <a:extLst>
+              <a:ext uri="{FF2B5EF4-FFF2-40B4-BE49-F238E27FC236}">
+                <a16:creationId xmlns:a16="http://schemas.microsoft.com/office/drawing/2014/main" id="{A6D51D2B-457D-4F77-A2D9-FAF9FB4CB6B5}"/>
               </a:ext>
             </a:extLst>
           </p:cNvPr>
@@ -6282,8 +7483,8 @@
         </p:blipFill>
         <p:spPr bwMode="auto">
           <a:xfrm>
-            <a:off x="7032009" y="303426"/>
-            <a:ext cx="3960000" cy="2443885"/>
+            <a:off x="6543256" y="1381983"/>
+            <a:ext cx="5181600" cy="3197786"/>
           </a:xfrm>
           <a:prstGeom prst="rect">
             <a:avLst/>
@@ -6294,53 +7495,12 @@
           </a:ln>
         </p:spPr>
       </p:pic>
-      <p:pic>
-        <p:nvPicPr>
-          <p:cNvPr id="7" name="Picture 28">
-            <a:extLst>
-              <a:ext uri="{FF2B5EF4-FFF2-40B4-BE49-F238E27FC236}">
-                <a16:creationId xmlns:a16="http://schemas.microsoft.com/office/drawing/2014/main" id="{7593DBA3-140F-4CF5-96B7-693DFDE860BF}"/>
-              </a:ext>
-            </a:extLst>
-          </p:cNvPr>
-          <p:cNvPicPr>
-            <a:picLocks noChangeAspect="1"/>
-          </p:cNvPicPr>
-          <p:nvPr/>
-        </p:nvPicPr>
-        <p:blipFill>
-          <a:blip r:embed="rId3">
-            <a:extLst>
-              <a:ext uri="{28A0092B-C50C-407E-A947-70E740481C1C}">
-                <a14:useLocalDpi xmlns:a14="http://schemas.microsoft.com/office/drawing/2010/main" val="0"/>
-              </a:ext>
-            </a:extLst>
-          </a:blip>
-          <a:srcRect/>
-          <a:stretch>
-            <a:fillRect/>
-          </a:stretch>
-        </p:blipFill>
-        <p:spPr bwMode="auto">
-          <a:xfrm>
-            <a:off x="7032009" y="3510178"/>
-            <a:ext cx="3960000" cy="2446095"/>
-          </a:xfrm>
-          <a:prstGeom prst="rect">
-            <a:avLst/>
-          </a:prstGeom>
-          <a:noFill/>
-          <a:ln>
-            <a:noFill/>
-          </a:ln>
-        </p:spPr>
-      </p:pic>
-      <p:sp>
-        <p:nvSpPr>
-          <p:cNvPr id="9" name="Textfeld 8">
-            <a:extLst>
-              <a:ext uri="{FF2B5EF4-FFF2-40B4-BE49-F238E27FC236}">
-                <a16:creationId xmlns:a16="http://schemas.microsoft.com/office/drawing/2014/main" id="{AA9F0057-6A69-4457-ADC7-0782E4D61440}"/>
+      <p:sp>
+        <p:nvSpPr>
+          <p:cNvPr id="7" name="Textfeld 6">
+            <a:extLst>
+              <a:ext uri="{FF2B5EF4-FFF2-40B4-BE49-F238E27FC236}">
+                <a16:creationId xmlns:a16="http://schemas.microsoft.com/office/drawing/2014/main" id="{3E0212EF-E80B-4612-9EA8-2AD084AA7C5C}"/>
               </a:ext>
             </a:extLst>
           </p:cNvPr>
@@ -6349,8 +7509,8 @@
         </p:nvSpPr>
         <p:spPr>
           <a:xfrm>
-            <a:off x="7032009" y="2682885"/>
-            <a:ext cx="3960000" cy="613117"/>
+            <a:off x="6543257" y="4579769"/>
+            <a:ext cx="5181600" cy="614720"/>
           </a:xfrm>
           <a:prstGeom prst="rect">
             <a:avLst/>
@@ -6363,7 +7523,7 @@
           </a:bodyPr>
           <a:lstStyle/>
           <a:p>
-            <a:pPr algn="ctr">
+            <a:pPr marL="914400" indent="-914400">
               <a:lnSpc>
                 <a:spcPct val="150000"/>
               </a:lnSpc>
@@ -6375,58 +7535,11 @@
                 <a:ea typeface="Calibri" panose="020F0502020204030204" pitchFamily="34" charset="0"/>
                 <a:cs typeface="Arial" panose="020B0604020202020204" pitchFamily="34" charset="0"/>
               </a:rPr>
-              <a:t>Figure 2: Relative Positioning of Major German Parties based on their </a:t>
-            </a:r>
-            <a:r>
-              <a:rPr lang="en-US" sz="1200" b="1" i="1" dirty="0">
-                <a:effectLst/>
-                <a:latin typeface="Times New Roman" panose="02020603050405020304" pitchFamily="18" charset="0"/>
-                <a:ea typeface="Calibri" panose="020F0502020204030204" pitchFamily="34" charset="0"/>
-                <a:cs typeface="Arial" panose="020B0604020202020204" pitchFamily="34" charset="0"/>
-              </a:rPr>
-              <a:t>overall ideological position </a:t>
-            </a:r>
-            <a:r>
-              <a:rPr lang="en-US" sz="1200" i="1" dirty="0">
-                <a:effectLst/>
-                <a:latin typeface="Times New Roman" panose="02020603050405020304" pitchFamily="18" charset="0"/>
-                <a:ea typeface="Calibri" panose="020F0502020204030204" pitchFamily="34" charset="0"/>
-                <a:cs typeface="Arial" panose="020B0604020202020204" pitchFamily="34" charset="0"/>
-              </a:rPr>
-              <a:t>(1990-2021)</a:t>
-            </a:r>
-          </a:p>
-        </p:txBody>
-      </p:sp>
-      <p:sp>
-        <p:nvSpPr>
-          <p:cNvPr id="10" name="Textfeld 9">
-            <a:extLst>
-              <a:ext uri="{FF2B5EF4-FFF2-40B4-BE49-F238E27FC236}">
-                <a16:creationId xmlns:a16="http://schemas.microsoft.com/office/drawing/2014/main" id="{858D7A0F-9C2B-48A7-8D3F-540894EB33B9}"/>
-              </a:ext>
-            </a:extLst>
-          </p:cNvPr>
-          <p:cNvSpPr txBox="1"/>
-          <p:nvPr/>
-        </p:nvSpPr>
-        <p:spPr>
-          <a:xfrm>
-            <a:off x="7032009" y="5956273"/>
-            <a:ext cx="3960000" cy="614720"/>
-          </a:xfrm>
-          <a:prstGeom prst="rect">
-            <a:avLst/>
-          </a:prstGeom>
-          <a:noFill/>
-        </p:spPr>
-        <p:txBody>
-          <a:bodyPr wrap="square">
-            <a:spAutoFit/>
-          </a:bodyPr>
-          <a:lstStyle/>
-          <a:p>
-            <a:pPr algn="ctr">
+              <a:t>Figure 3: Total volume of tweets by the political marketing</a:t>
+            </a:r>
+          </a:p>
+          <a:p>
+            <a:pPr marL="914400" indent="-914400">
               <a:lnSpc>
                 <a:spcPct val="150000"/>
               </a:lnSpc>
@@ -6438,36 +7551,9 @@
                 <a:ea typeface="Calibri" panose="020F0502020204030204" pitchFamily="34" charset="0"/>
                 <a:cs typeface="Arial" panose="020B0604020202020204" pitchFamily="34" charset="0"/>
               </a:rPr>
-              <a:t>Figure 3: Relative Positioning of Major German Parties based on their </a:t>
-            </a:r>
-            <a:r>
-              <a:rPr lang="en-US" sz="1200" b="1" i="1" dirty="0" err="1">
-                <a:effectLst/>
-                <a:latin typeface="Times New Roman" panose="02020603050405020304" pitchFamily="18" charset="0"/>
-                <a:ea typeface="Calibri" panose="020F0502020204030204" pitchFamily="34" charset="0"/>
-                <a:cs typeface="Arial" panose="020B0604020202020204" pitchFamily="34" charset="0"/>
-              </a:rPr>
-              <a:t>wordscores</a:t>
-            </a:r>
-            <a:r>
-              <a:rPr lang="en-US" sz="1200" b="1" i="1" dirty="0">
-                <a:effectLst/>
-                <a:latin typeface="Times New Roman" panose="02020603050405020304" pitchFamily="18" charset="0"/>
-                <a:ea typeface="Calibri" panose="020F0502020204030204" pitchFamily="34" charset="0"/>
-                <a:cs typeface="Arial" panose="020B0604020202020204" pitchFamily="34" charset="0"/>
-              </a:rPr>
-              <a:t> </a:t>
-            </a:r>
-            <a:r>
-              <a:rPr lang="en-US" sz="1200" i="1" dirty="0">
-                <a:effectLst/>
-                <a:latin typeface="Times New Roman" panose="02020603050405020304" pitchFamily="18" charset="0"/>
-                <a:ea typeface="Calibri" panose="020F0502020204030204" pitchFamily="34" charset="0"/>
-                <a:cs typeface="Arial" panose="020B0604020202020204" pitchFamily="34" charset="0"/>
-              </a:rPr>
-              <a:t>(2017 &amp; 2021)</a:t>
-            </a:r>
-            <a:endParaRPr lang="de-DE" sz="1600" dirty="0">
+              <a:t>accounts in the campaign period (own rep.)</a:t>
+            </a:r>
+            <a:endParaRPr lang="de-DE" sz="1200" dirty="0">
               <a:effectLst/>
               <a:latin typeface="Montserrat" panose="00000500000000000000" pitchFamily="2" charset="0"/>
               <a:ea typeface="Calibri" panose="020F0502020204030204" pitchFamily="34" charset="0"/>
@@ -6478,10 +7564,10 @@
       </p:sp>
       <p:sp>
         <p:nvSpPr>
-          <p:cNvPr id="11" name="Foliennummernplatzhalter 10">
-            <a:extLst>
-              <a:ext uri="{FF2B5EF4-FFF2-40B4-BE49-F238E27FC236}">
-                <a16:creationId xmlns:a16="http://schemas.microsoft.com/office/drawing/2014/main" id="{48538789-C0A8-4AAE-A968-43AB89EB48FE}"/>
+          <p:cNvPr id="8" name="Foliennummernplatzhalter 7">
+            <a:extLst>
+              <a:ext uri="{FF2B5EF4-FFF2-40B4-BE49-F238E27FC236}">
+                <a16:creationId xmlns:a16="http://schemas.microsoft.com/office/drawing/2014/main" id="{5AD846A7-044C-4F76-8780-D47A0AE59455}"/>
               </a:ext>
             </a:extLst>
           </p:cNvPr>
@@ -6505,115 +7591,23 @@
           </a:p>
         </p:txBody>
       </p:sp>
-      <p:sp>
-        <p:nvSpPr>
-          <p:cNvPr id="13" name="Textfeld 12">
-            <a:extLst>
-              <a:ext uri="{FF2B5EF4-FFF2-40B4-BE49-F238E27FC236}">
-                <a16:creationId xmlns:a16="http://schemas.microsoft.com/office/drawing/2014/main" id="{C0045249-6584-4B4D-B547-862D646A46AB}"/>
-              </a:ext>
-            </a:extLst>
-          </p:cNvPr>
-          <p:cNvSpPr txBox="1"/>
-          <p:nvPr/>
-        </p:nvSpPr>
-        <p:spPr>
-          <a:xfrm>
-            <a:off x="10752587" y="2255404"/>
-            <a:ext cx="1202425" cy="276999"/>
-          </a:xfrm>
-          <a:prstGeom prst="rect">
-            <a:avLst/>
-          </a:prstGeom>
-          <a:noFill/>
-        </p:spPr>
-        <p:txBody>
-          <a:bodyPr wrap="square">
-            <a:spAutoFit/>
-          </a:bodyPr>
-          <a:lstStyle/>
-          <a:p>
-            <a:pPr algn="ctr"/>
-            <a:r>
-              <a:rPr lang="en-US" sz="1200" i="1" dirty="0">
-                <a:effectLst/>
-                <a:latin typeface="Times New Roman" panose="02020603050405020304" pitchFamily="18" charset="0"/>
-                <a:ea typeface="Calibri" panose="020F0502020204030204" pitchFamily="34" charset="0"/>
-                <a:cs typeface="Arial" panose="020B0604020202020204" pitchFamily="34" charset="0"/>
-              </a:rPr>
-              <a:t>left-wing</a:t>
-            </a:r>
-            <a:endParaRPr lang="de-DE" dirty="0"/>
-          </a:p>
-        </p:txBody>
-      </p:sp>
-      <p:sp>
-        <p:nvSpPr>
-          <p:cNvPr id="14" name="Textfeld 13">
-            <a:extLst>
-              <a:ext uri="{FF2B5EF4-FFF2-40B4-BE49-F238E27FC236}">
-                <a16:creationId xmlns:a16="http://schemas.microsoft.com/office/drawing/2014/main" id="{E6B617E4-2DAC-46AD-8F9F-C8A4568663F0}"/>
-              </a:ext>
-            </a:extLst>
-          </p:cNvPr>
-          <p:cNvSpPr txBox="1"/>
-          <p:nvPr/>
-        </p:nvSpPr>
-        <p:spPr>
-          <a:xfrm>
-            <a:off x="10752586" y="297702"/>
-            <a:ext cx="1202425" cy="276999"/>
-          </a:xfrm>
-          <a:prstGeom prst="rect">
-            <a:avLst/>
-          </a:prstGeom>
-          <a:noFill/>
-        </p:spPr>
-        <p:txBody>
-          <a:bodyPr wrap="square">
-            <a:spAutoFit/>
-          </a:bodyPr>
-          <a:lstStyle/>
-          <a:p>
-            <a:pPr algn="ctr"/>
-            <a:r>
-              <a:rPr lang="en-US" sz="1200" i="1" dirty="0">
-                <a:latin typeface="Times New Roman" panose="02020603050405020304" pitchFamily="18" charset="0"/>
-                <a:ea typeface="Calibri" panose="020F0502020204030204" pitchFamily="34" charset="0"/>
-                <a:cs typeface="Arial" panose="020B0604020202020204" pitchFamily="34" charset="0"/>
-              </a:rPr>
-              <a:t>r</a:t>
-            </a:r>
-            <a:r>
-              <a:rPr lang="en-US" sz="1200" i="1" dirty="0">
-                <a:effectLst/>
-                <a:latin typeface="Times New Roman" panose="02020603050405020304" pitchFamily="18" charset="0"/>
-                <a:ea typeface="Calibri" panose="020F0502020204030204" pitchFamily="34" charset="0"/>
-                <a:cs typeface="Arial" panose="020B0604020202020204" pitchFamily="34" charset="0"/>
-              </a:rPr>
-              <a:t>ight-wing</a:t>
-            </a:r>
-            <a:endParaRPr lang="de-DE" dirty="0"/>
-          </a:p>
-        </p:txBody>
-      </p:sp>
     </p:spTree>
     <p:extLst>
       <p:ext uri="{BB962C8B-B14F-4D97-AF65-F5344CB8AC3E}">
-        <p14:creationId xmlns:p14="http://schemas.microsoft.com/office/powerpoint/2010/main" val="4214201691"/>
+        <p14:creationId xmlns:p14="http://schemas.microsoft.com/office/powerpoint/2010/main" val="1702930057"/>
       </p:ext>
     </p:extLst>
   </p:cSld>
   <p:clrMapOvr>
     <a:masterClrMapping/>
   </p:clrMapOvr>
-  <mc:AlternateContent xmlns:mc="http://schemas.openxmlformats.org/markup-compatibility/2006">
-    <mc:Choice xmlns:p159="http://schemas.microsoft.com/office/powerpoint/2015/09/main" Requires="p159">
+  <mc:AlternateContent xmlns:mc="http://schemas.openxmlformats.org/markup-compatibility/2006" xmlns:p159="http://schemas.microsoft.com/office/powerpoint/2015/09/main">
+    <mc:Choice Requires="p159">
       <p:transition xmlns:p14="http://schemas.microsoft.com/office/powerpoint/2010/main" spd="slow" p14:dur="2000">
         <p159:morph option="byObject"/>
       </p:transition>
     </mc:Choice>
-    <mc:Fallback>
+    <mc:Fallback xmlns="">
       <p:transition spd="slow">
         <p:fade/>
       </p:transition>
@@ -6662,12 +7656,9 @@
           <a:p>
             <a:r>
               <a:rPr lang="de-DE" b="1" dirty="0" err="1"/>
-              <a:t>Results</a:t>
-            </a:r>
-            <a:r>
-              <a:rPr lang="de-DE" b="1" dirty="0"/>
-              <a:t> (II/II)</a:t>
-            </a:r>
+              <a:t>Methodology</a:t>
+            </a:r>
+            <a:endParaRPr lang="de-DE" b="1" dirty="0"/>
           </a:p>
         </p:txBody>
       </p:sp>
@@ -6684,17 +7675,14 @@
             <a:spLocks noGrp="1"/>
           </p:cNvSpPr>
           <p:nvPr>
-            <p:ph sz="half" idx="1"/>
+            <p:ph idx="1"/>
           </p:nvPr>
         </p:nvSpPr>
-        <p:spPr>
-          <a:xfrm>
-            <a:off x="838200" y="1501254"/>
-            <a:ext cx="5181600" cy="4675709"/>
-          </a:xfrm>
-        </p:spPr>
-        <p:txBody>
-          <a:bodyPr/>
+        <p:spPr/>
+        <p:txBody>
+          <a:bodyPr>
+            <a:normAutofit lnSpcReduction="10000"/>
+          </a:bodyPr>
           <a:lstStyle/>
           <a:p>
             <a:pPr>
@@ -6702,20 +7690,111 @@
               <a:buChar char="§"/>
             </a:pPr>
             <a:r>
-              <a:rPr lang="en-US" sz="1800" b="1" dirty="0">
-                <a:effectLst/>
-                <a:latin typeface="Times New Roman" panose="02020603050405020304" pitchFamily="18" charset="0"/>
-                <a:ea typeface="Calibri" panose="020F0502020204030204" pitchFamily="34" charset="0"/>
-              </a:rPr>
-              <a:t>Several shifts in language by the parties: </a:t>
-            </a:r>
-            <a:r>
-              <a:rPr lang="en-US" sz="1800" dirty="0">
-                <a:effectLst/>
-                <a:latin typeface="Times New Roman" panose="02020603050405020304" pitchFamily="18" charset="0"/>
-                <a:ea typeface="Calibri" panose="020F0502020204030204" pitchFamily="34" charset="0"/>
-              </a:rPr>
-              <a:t>Corona (all parties more right-wing), Environment (all parties more left-wing) &amp; Digitization (two shifts)</a:t>
+              <a:rPr lang="de-DE" sz="2000" b="1" dirty="0"/>
+              <a:t>Sentiment &amp; Emotion Analysis</a:t>
+            </a:r>
+          </a:p>
+          <a:p>
+            <a:pPr lvl="1"/>
+            <a:r>
+              <a:rPr lang="de-DE" sz="1600" dirty="0" err="1"/>
+              <a:t>Measures</a:t>
+            </a:r>
+            <a:r>
+              <a:rPr lang="de-DE" sz="1600" dirty="0"/>
+              <a:t>: Sentiment Index, </a:t>
+            </a:r>
+            <a:r>
+              <a:rPr lang="de-DE" sz="1600" dirty="0" err="1"/>
+              <a:t>Intensity</a:t>
+            </a:r>
+            <a:r>
+              <a:rPr lang="de-DE" sz="1600" dirty="0"/>
+              <a:t> Index, </a:t>
+            </a:r>
+            <a:r>
+              <a:rPr lang="de-DE" sz="1600" dirty="0" err="1"/>
+              <a:t>scores</a:t>
+            </a:r>
+            <a:r>
+              <a:rPr lang="de-DE" sz="1600" dirty="0"/>
+              <a:t> </a:t>
+            </a:r>
+            <a:r>
+              <a:rPr lang="de-DE" sz="1600" dirty="0" err="1"/>
+              <a:t>for</a:t>
+            </a:r>
+            <a:r>
+              <a:rPr lang="de-DE" sz="1600" dirty="0"/>
+              <a:t> </a:t>
+            </a:r>
+            <a:r>
+              <a:rPr lang="de-DE" sz="1600" dirty="0" err="1"/>
+              <a:t>sentiments</a:t>
+            </a:r>
+            <a:r>
+              <a:rPr lang="de-DE" sz="1600" dirty="0"/>
+              <a:t> and </a:t>
+            </a:r>
+            <a:r>
+              <a:rPr lang="de-DE" sz="1600" dirty="0" err="1"/>
+              <a:t>emotions</a:t>
+            </a:r>
+            <a:endParaRPr lang="de-DE" sz="1600" dirty="0"/>
+          </a:p>
+          <a:p>
+            <a:pPr lvl="1"/>
+            <a:r>
+              <a:rPr lang="de-DE" sz="1600" dirty="0"/>
+              <a:t>Method: </a:t>
+            </a:r>
+            <a:r>
+              <a:rPr lang="de-DE" sz="1600" dirty="0" err="1"/>
+              <a:t>Four</a:t>
+            </a:r>
+            <a:r>
+              <a:rPr lang="de-DE" sz="1600" dirty="0"/>
+              <a:t> Sentiment </a:t>
+            </a:r>
+            <a:r>
+              <a:rPr lang="de-DE" sz="1600" dirty="0" err="1"/>
+              <a:t>Lexicons</a:t>
+            </a:r>
+            <a:r>
+              <a:rPr lang="de-DE" sz="1600" dirty="0"/>
+              <a:t> (</a:t>
+            </a:r>
+            <a:r>
+              <a:rPr lang="de-DE" sz="1600" dirty="0" err="1"/>
+              <a:t>Syuzhet</a:t>
+            </a:r>
+            <a:r>
+              <a:rPr lang="de-DE" sz="1600" dirty="0"/>
+              <a:t>, Bing, </a:t>
+            </a:r>
+            <a:r>
+              <a:rPr lang="de-DE" sz="1600" dirty="0" err="1"/>
+              <a:t>Afinn</a:t>
+            </a:r>
+            <a:r>
+              <a:rPr lang="de-DE" sz="1600" dirty="0"/>
+              <a:t> &amp; NRC) &amp; </a:t>
+            </a:r>
+            <a:r>
+              <a:rPr lang="de-DE" sz="1600" dirty="0" err="1"/>
+              <a:t>One</a:t>
+            </a:r>
+            <a:r>
+              <a:rPr lang="de-DE" sz="1600" dirty="0"/>
+              <a:t> Emotion </a:t>
+            </a:r>
+            <a:r>
+              <a:rPr lang="de-DE" sz="1600" dirty="0" err="1"/>
+              <a:t>Lexicon</a:t>
+            </a:r>
+            <a:r>
+              <a:rPr lang="de-DE" sz="1600" dirty="0"/>
+              <a:t> (NRC)</a:t>
             </a:r>
           </a:p>
           <a:p>
@@ -6724,425 +7803,413 @@
               <a:buChar char="§"/>
             </a:pPr>
             <a:r>
-              <a:rPr lang="en-US" sz="1800" b="1" dirty="0">
-                <a:latin typeface="Times New Roman" panose="02020603050405020304" pitchFamily="18" charset="0"/>
-              </a:rPr>
-              <a:t>Three Campaign Phases:</a:t>
-            </a:r>
+              <a:rPr lang="de-DE" sz="2000" b="1" dirty="0"/>
+              <a:t>General </a:t>
+            </a:r>
+            <a:r>
+              <a:rPr lang="de-DE" sz="2000" b="1" dirty="0" err="1"/>
+              <a:t>Stance</a:t>
+            </a:r>
+            <a:r>
+              <a:rPr lang="de-DE" sz="2000" b="1" dirty="0"/>
+              <a:t> Analysis I – </a:t>
+            </a:r>
+            <a:r>
+              <a:rPr lang="de-DE" sz="2000" b="1" dirty="0" err="1"/>
+              <a:t>Ideological</a:t>
+            </a:r>
+            <a:r>
+              <a:rPr lang="de-DE" sz="2000" b="1" dirty="0"/>
+              <a:t> </a:t>
+            </a:r>
+            <a:r>
+              <a:rPr lang="de-DE" sz="2000" b="1" dirty="0" err="1"/>
+              <a:t>Positioning</a:t>
+            </a:r>
+            <a:endParaRPr lang="de-DE" sz="1600" b="1" dirty="0"/>
           </a:p>
           <a:p>
             <a:pPr lvl="1"/>
             <a:r>
-              <a:rPr lang="en-US" sz="1400" dirty="0">
-                <a:latin typeface="Times New Roman" panose="02020603050405020304" pitchFamily="18" charset="0"/>
-              </a:rPr>
-              <a:t>Phase 1 – Corona (Dec. 20 – Apr. 21)</a:t>
+              <a:rPr lang="de-DE" sz="1600" dirty="0"/>
+              <a:t>Relative </a:t>
+            </a:r>
+            <a:r>
+              <a:rPr lang="de-DE" sz="1600" dirty="0" err="1"/>
+              <a:t>positioning</a:t>
+            </a:r>
+            <a:r>
+              <a:rPr lang="de-DE" sz="1600" dirty="0"/>
+              <a:t> </a:t>
+            </a:r>
+            <a:r>
+              <a:rPr lang="de-DE" sz="1600" dirty="0" err="1"/>
+              <a:t>based</a:t>
+            </a:r>
+            <a:r>
+              <a:rPr lang="de-DE" sz="1600" dirty="0"/>
+              <a:t> on expert </a:t>
+            </a:r>
+            <a:r>
+              <a:rPr lang="de-DE" sz="1600" dirty="0" err="1"/>
+              <a:t>evaluations</a:t>
+            </a:r>
+            <a:r>
+              <a:rPr lang="de-DE" sz="1600" dirty="0"/>
+              <a:t> </a:t>
+            </a:r>
+            <a:r>
+              <a:rPr lang="de-DE" sz="1600" dirty="0" err="1"/>
+              <a:t>of</a:t>
+            </a:r>
+            <a:r>
+              <a:rPr lang="de-DE" sz="1600" dirty="0"/>
+              <a:t> </a:t>
+            </a:r>
+            <a:r>
+              <a:rPr lang="de-DE" sz="1600" dirty="0" err="1"/>
+              <a:t>party</a:t>
+            </a:r>
+            <a:r>
+              <a:rPr lang="de-DE" sz="1600" dirty="0"/>
+              <a:t> </a:t>
+            </a:r>
+            <a:r>
+              <a:rPr lang="de-DE" sz="1600" dirty="0" err="1"/>
+              <a:t>program</a:t>
+            </a:r>
+            <a:r>
+              <a:rPr lang="de-DE" sz="1600" dirty="0"/>
+              <a:t> </a:t>
+            </a:r>
+            <a:r>
+              <a:rPr lang="de-DE" sz="1600" dirty="0" err="1"/>
+              <a:t>positioning</a:t>
+            </a:r>
+            <a:r>
+              <a:rPr lang="de-DE" sz="1600" dirty="0"/>
+              <a:t> (</a:t>
+            </a:r>
+            <a:r>
+              <a:rPr lang="de-DE" sz="1600" dirty="0" err="1"/>
+              <a:t>left-to-right</a:t>
+            </a:r>
+            <a:r>
+              <a:rPr lang="de-DE" sz="1600" dirty="0"/>
+              <a:t>)</a:t>
             </a:r>
           </a:p>
           <a:p>
             <a:pPr lvl="1"/>
             <a:r>
-              <a:rPr lang="en-US" sz="1400" dirty="0">
-                <a:latin typeface="Times New Roman" panose="02020603050405020304" pitchFamily="18" charset="0"/>
-              </a:rPr>
-              <a:t>Phase 2 – Environment (May 21 – Aug. 21)</a:t>
-            </a:r>
+              <a:rPr lang="de-DE" sz="1600" dirty="0"/>
+              <a:t>Method: </a:t>
+            </a:r>
+            <a:r>
+              <a:rPr lang="de-DE" sz="1600" dirty="0" err="1"/>
+              <a:t>ManifestoR</a:t>
+            </a:r>
+            <a:r>
+              <a:rPr lang="de-DE" sz="1600" dirty="0"/>
+              <a:t> RILE Index</a:t>
+            </a:r>
+          </a:p>
+          <a:p>
+            <a:pPr>
+              <a:buFont typeface="Wingdings" panose="05000000000000000000" pitchFamily="2" charset="2"/>
+              <a:buChar char="§"/>
+            </a:pPr>
+            <a:r>
+              <a:rPr lang="de-DE" sz="2000" b="1" dirty="0"/>
+              <a:t>General </a:t>
+            </a:r>
+            <a:r>
+              <a:rPr lang="de-DE" sz="2000" b="1" dirty="0" err="1"/>
+              <a:t>Stance</a:t>
+            </a:r>
+            <a:r>
+              <a:rPr lang="de-DE" sz="2000" b="1" dirty="0"/>
+              <a:t> Analysis II – </a:t>
+            </a:r>
+            <a:r>
+              <a:rPr lang="de-DE" sz="2000" b="1" dirty="0" err="1"/>
+              <a:t>Linguistic</a:t>
+            </a:r>
+            <a:r>
+              <a:rPr lang="de-DE" sz="2000" b="1" dirty="0"/>
+              <a:t> </a:t>
+            </a:r>
+            <a:r>
+              <a:rPr lang="de-DE" sz="2000" b="1" dirty="0" err="1"/>
+              <a:t>Positioning</a:t>
+            </a:r>
+            <a:endParaRPr lang="de-DE" sz="1600" b="1" dirty="0"/>
           </a:p>
           <a:p>
             <a:pPr lvl="1"/>
             <a:r>
-              <a:rPr lang="en-US" sz="1400" dirty="0">
-                <a:latin typeface="Times New Roman" panose="02020603050405020304" pitchFamily="18" charset="0"/>
-              </a:rPr>
-              <a:t>Phase 3 – Digitization (Sep. 21)</a:t>
-            </a:r>
-            <a:endParaRPr lang="de-DE" dirty="0"/>
-          </a:p>
-        </p:txBody>
-      </p:sp>
-      <p:pic>
-        <p:nvPicPr>
-          <p:cNvPr id="5" name="Picture 36">
-            <a:extLst>
-              <a:ext uri="{FF2B5EF4-FFF2-40B4-BE49-F238E27FC236}">
-                <a16:creationId xmlns:a16="http://schemas.microsoft.com/office/drawing/2014/main" id="{1A00240E-8C45-4652-9A7E-0DFE01196537}"/>
-              </a:ext>
-            </a:extLst>
-          </p:cNvPr>
-          <p:cNvPicPr>
-            <a:picLocks noChangeAspect="1"/>
-          </p:cNvPicPr>
-          <p:nvPr/>
-        </p:nvPicPr>
-        <p:blipFill>
-          <a:blip r:embed="rId2">
-            <a:extLst>
-              <a:ext uri="{28A0092B-C50C-407E-A947-70E740481C1C}">
-                <a14:useLocalDpi xmlns:a14="http://schemas.microsoft.com/office/drawing/2010/main" val="0"/>
-              </a:ext>
-            </a:extLst>
-          </a:blip>
-          <a:srcRect/>
-          <a:stretch>
-            <a:fillRect/>
-          </a:stretch>
-        </p:blipFill>
-        <p:spPr bwMode="auto">
-          <a:xfrm>
-            <a:off x="7032009" y="546100"/>
-            <a:ext cx="4500000" cy="2779650"/>
-          </a:xfrm>
-          <a:prstGeom prst="rect">
-            <a:avLst/>
-          </a:prstGeom>
-          <a:noFill/>
-          <a:ln>
-            <a:noFill/>
-          </a:ln>
-        </p:spPr>
-      </p:pic>
-      <p:pic>
-        <p:nvPicPr>
-          <p:cNvPr id="9" name="Picture 39">
-            <a:extLst>
-              <a:ext uri="{FF2B5EF4-FFF2-40B4-BE49-F238E27FC236}">
-                <a16:creationId xmlns:a16="http://schemas.microsoft.com/office/drawing/2014/main" id="{37D781DE-DE48-4615-978B-7844B51B026F}"/>
-              </a:ext>
-            </a:extLst>
-          </p:cNvPr>
-          <p:cNvPicPr>
-            <a:picLocks noChangeAspect="1"/>
-          </p:cNvPicPr>
-          <p:nvPr/>
-        </p:nvPicPr>
-        <p:blipFill>
-          <a:blip r:embed="rId3">
-            <a:extLst>
-              <a:ext uri="{28A0092B-C50C-407E-A947-70E740481C1C}">
-                <a14:useLocalDpi xmlns:a14="http://schemas.microsoft.com/office/drawing/2010/main" val="0"/>
-              </a:ext>
-            </a:extLst>
-          </a:blip>
-          <a:srcRect/>
-          <a:stretch>
-            <a:fillRect/>
-          </a:stretch>
-        </p:blipFill>
-        <p:spPr bwMode="auto">
-          <a:xfrm>
-            <a:off x="841612" y="3992641"/>
-            <a:ext cx="3600000" cy="2223723"/>
-          </a:xfrm>
-          <a:prstGeom prst="rect">
-            <a:avLst/>
-          </a:prstGeom>
-          <a:noFill/>
-          <a:ln>
-            <a:noFill/>
-          </a:ln>
-        </p:spPr>
-      </p:pic>
-      <p:pic>
-        <p:nvPicPr>
-          <p:cNvPr id="10" name="Picture 40">
-            <a:extLst>
-              <a:ext uri="{FF2B5EF4-FFF2-40B4-BE49-F238E27FC236}">
-                <a16:creationId xmlns:a16="http://schemas.microsoft.com/office/drawing/2014/main" id="{9D575634-EDB6-44E1-A078-8A12013AD04D}"/>
-              </a:ext>
-            </a:extLst>
-          </p:cNvPr>
-          <p:cNvPicPr>
-            <a:picLocks noChangeAspect="1"/>
-          </p:cNvPicPr>
-          <p:nvPr/>
-        </p:nvPicPr>
-        <p:blipFill>
-          <a:blip r:embed="rId4">
-            <a:extLst>
-              <a:ext uri="{28A0092B-C50C-407E-A947-70E740481C1C}">
-                <a14:useLocalDpi xmlns:a14="http://schemas.microsoft.com/office/drawing/2010/main" val="0"/>
-              </a:ext>
-            </a:extLst>
-          </a:blip>
-          <a:srcRect/>
-          <a:stretch>
-            <a:fillRect/>
-          </a:stretch>
-        </p:blipFill>
-        <p:spPr bwMode="auto">
-          <a:xfrm>
-            <a:off x="4441612" y="3992641"/>
-            <a:ext cx="3600000" cy="2223723"/>
-          </a:xfrm>
-          <a:prstGeom prst="rect">
-            <a:avLst/>
-          </a:prstGeom>
-          <a:noFill/>
-          <a:ln>
-            <a:noFill/>
-          </a:ln>
-        </p:spPr>
-      </p:pic>
-      <p:pic>
-        <p:nvPicPr>
-          <p:cNvPr id="11" name="Picture 41">
-            <a:extLst>
-              <a:ext uri="{FF2B5EF4-FFF2-40B4-BE49-F238E27FC236}">
-                <a16:creationId xmlns:a16="http://schemas.microsoft.com/office/drawing/2014/main" id="{5FBC2F77-BBB7-46DA-8D5C-2CB2F6834D87}"/>
-              </a:ext>
-            </a:extLst>
-          </p:cNvPr>
-          <p:cNvPicPr>
-            <a:picLocks noChangeAspect="1"/>
-          </p:cNvPicPr>
-          <p:nvPr/>
-        </p:nvPicPr>
-        <p:blipFill>
-          <a:blip r:embed="rId5">
-            <a:extLst>
-              <a:ext uri="{28A0092B-C50C-407E-A947-70E740481C1C}">
-                <a14:useLocalDpi xmlns:a14="http://schemas.microsoft.com/office/drawing/2010/main" val="0"/>
-              </a:ext>
-            </a:extLst>
-          </a:blip>
-          <a:srcRect/>
-          <a:stretch>
-            <a:fillRect/>
-          </a:stretch>
-        </p:blipFill>
-        <p:spPr bwMode="auto">
-          <a:xfrm>
-            <a:off x="8041612" y="3992641"/>
-            <a:ext cx="3600000" cy="2223723"/>
-          </a:xfrm>
-          <a:prstGeom prst="rect">
-            <a:avLst/>
-          </a:prstGeom>
-          <a:noFill/>
-          <a:ln>
-            <a:noFill/>
-          </a:ln>
-        </p:spPr>
-      </p:pic>
-      <p:sp>
-        <p:nvSpPr>
-          <p:cNvPr id="12" name="Textfeld 11">
-            <a:extLst>
-              <a:ext uri="{FF2B5EF4-FFF2-40B4-BE49-F238E27FC236}">
-                <a16:creationId xmlns:a16="http://schemas.microsoft.com/office/drawing/2014/main" id="{3BE4D83B-C764-43C3-9380-6EF860B2914A}"/>
-              </a:ext>
-            </a:extLst>
-          </p:cNvPr>
-          <p:cNvSpPr txBox="1"/>
-          <p:nvPr/>
-        </p:nvSpPr>
-        <p:spPr>
-          <a:xfrm>
-            <a:off x="7302009" y="3267700"/>
-            <a:ext cx="3960000" cy="614720"/>
-          </a:xfrm>
-          <a:prstGeom prst="rect">
-            <a:avLst/>
-          </a:prstGeom>
-          <a:noFill/>
-        </p:spPr>
-        <p:txBody>
-          <a:bodyPr wrap="square">
-            <a:spAutoFit/>
-          </a:bodyPr>
-          <a:lstStyle/>
-          <a:p>
-            <a:pPr algn="ctr">
-              <a:lnSpc>
-                <a:spcPct val="150000"/>
-              </a:lnSpc>
+              <a:rPr lang="de-DE" sz="1600" dirty="0"/>
+              <a:t>Relative </a:t>
+            </a:r>
+            <a:r>
+              <a:rPr lang="de-DE" sz="1600" dirty="0" err="1"/>
+              <a:t>positioning</a:t>
+            </a:r>
+            <a:r>
+              <a:rPr lang="de-DE" sz="1600" dirty="0"/>
+              <a:t> </a:t>
+            </a:r>
+            <a:r>
+              <a:rPr lang="de-DE" sz="1600" dirty="0" err="1"/>
+              <a:t>based</a:t>
+            </a:r>
+            <a:r>
+              <a:rPr lang="de-DE" sz="1600" dirty="0"/>
+              <a:t> on </a:t>
+            </a:r>
+            <a:r>
+              <a:rPr lang="de-DE" sz="1600" dirty="0" err="1"/>
+              <a:t>wordscores</a:t>
+            </a:r>
+            <a:endParaRPr lang="de-DE" sz="1600" dirty="0"/>
+          </a:p>
+          <a:p>
+            <a:pPr lvl="1"/>
+            <a:r>
+              <a:rPr lang="de-DE" sz="1600" dirty="0"/>
+              <a:t>Method: </a:t>
+            </a:r>
+            <a:r>
+              <a:rPr lang="de-DE" sz="1600" dirty="0" err="1"/>
+              <a:t>Quanteda</a:t>
+            </a:r>
+            <a:r>
+              <a:rPr lang="de-DE" sz="1600" dirty="0"/>
+              <a:t> </a:t>
+            </a:r>
+            <a:r>
+              <a:rPr lang="de-DE" sz="1600" dirty="0" err="1"/>
+              <a:t>wordscore</a:t>
+            </a:r>
+            <a:r>
+              <a:rPr lang="de-DE" sz="1600" dirty="0"/>
+              <a:t> </a:t>
+            </a:r>
+            <a:r>
+              <a:rPr lang="de-DE" sz="1600" dirty="0" err="1"/>
+              <a:t>algorithm</a:t>
+            </a:r>
+            <a:endParaRPr lang="de-DE" sz="1600" dirty="0"/>
+          </a:p>
+          <a:p>
+            <a:pPr lvl="1"/>
+            <a:r>
+              <a:rPr lang="de-DE" sz="1600" dirty="0"/>
+              <a:t>Reference Texts: 2017 </a:t>
+            </a:r>
+            <a:r>
+              <a:rPr lang="de-DE" sz="1600" dirty="0" err="1"/>
+              <a:t>party</a:t>
+            </a:r>
+            <a:r>
+              <a:rPr lang="de-DE" sz="1600" dirty="0"/>
+              <a:t> </a:t>
+            </a:r>
+            <a:r>
+              <a:rPr lang="de-DE" sz="1600" dirty="0" err="1"/>
+              <a:t>programs</a:t>
+            </a:r>
+            <a:endParaRPr lang="de-DE" sz="1600" dirty="0"/>
+          </a:p>
+          <a:p>
+            <a:pPr lvl="1"/>
+            <a:r>
+              <a:rPr lang="de-DE" sz="1600" dirty="0"/>
+              <a:t>Reference Scores: 2019 Chapel Hill Expert Survey score </a:t>
+            </a:r>
+            <a:r>
+              <a:rPr lang="de-DE" sz="1600" dirty="0" err="1"/>
+              <a:t>for</a:t>
+            </a:r>
+            <a:r>
+              <a:rPr lang="de-DE" sz="1600" dirty="0"/>
+              <a:t> </a:t>
+            </a:r>
+            <a:r>
+              <a:rPr lang="de-DE" sz="1600" dirty="0" err="1"/>
+              <a:t>overall</a:t>
+            </a:r>
+            <a:r>
+              <a:rPr lang="de-DE" sz="1600" dirty="0"/>
+              <a:t> </a:t>
+            </a:r>
+            <a:r>
+              <a:rPr lang="de-DE" sz="1600" dirty="0" err="1"/>
+              <a:t>ideological</a:t>
+            </a:r>
+            <a:r>
+              <a:rPr lang="de-DE" sz="1600" dirty="0"/>
+              <a:t> </a:t>
+            </a:r>
+            <a:r>
+              <a:rPr lang="de-DE" sz="1600" dirty="0" err="1"/>
+              <a:t>position</a:t>
+            </a:r>
+            <a:r>
+              <a:rPr lang="de-DE" sz="1600" dirty="0"/>
+              <a:t> </a:t>
+            </a:r>
+            <a:r>
+              <a:rPr lang="de-DE" sz="1600" dirty="0" err="1"/>
+              <a:t>assigned</a:t>
+            </a:r>
+            <a:r>
+              <a:rPr lang="de-DE" sz="1600" dirty="0"/>
+              <a:t> </a:t>
+            </a:r>
+            <a:r>
+              <a:rPr lang="de-DE" sz="1600" dirty="0" err="1"/>
+              <a:t>to</a:t>
+            </a:r>
+            <a:r>
+              <a:rPr lang="de-DE" sz="1600" dirty="0"/>
+              <a:t> </a:t>
+            </a:r>
+            <a:r>
+              <a:rPr lang="de-DE" sz="1600" dirty="0" err="1"/>
+              <a:t>the</a:t>
+            </a:r>
+            <a:r>
+              <a:rPr lang="de-DE" sz="1600" dirty="0"/>
+              <a:t> </a:t>
+            </a:r>
+            <a:r>
+              <a:rPr lang="de-DE" sz="1600" dirty="0" err="1"/>
+              <a:t>reference</a:t>
+            </a:r>
+            <a:r>
+              <a:rPr lang="de-DE" sz="1600" dirty="0"/>
+              <a:t> </a:t>
+            </a:r>
+            <a:r>
+              <a:rPr lang="de-DE" sz="1600" dirty="0" err="1"/>
+              <a:t>texts</a:t>
+            </a:r>
+            <a:endParaRPr lang="de-DE" sz="1600" dirty="0"/>
+          </a:p>
+          <a:p>
+            <a:pPr>
+              <a:buFont typeface="Wingdings" panose="05000000000000000000" pitchFamily="2" charset="2"/>
+              <a:buChar char="§"/>
             </a:pPr>
             <a:r>
-              <a:rPr lang="en-US" sz="1200" i="1" dirty="0">
-                <a:effectLst/>
-                <a:latin typeface="Times New Roman" panose="02020603050405020304" pitchFamily="18" charset="0"/>
-                <a:ea typeface="Calibri" panose="020F0502020204030204" pitchFamily="34" charset="0"/>
-                <a:cs typeface="Arial" panose="020B0604020202020204" pitchFamily="34" charset="0"/>
-              </a:rPr>
-              <a:t>Figure 4: Relative Positioning of Major German Parties based on their </a:t>
-            </a:r>
-            <a:r>
-              <a:rPr lang="en-US" sz="1200" b="1" i="1" dirty="0">
-                <a:effectLst/>
-                <a:latin typeface="Times New Roman" panose="02020603050405020304" pitchFamily="18" charset="0"/>
-                <a:ea typeface="Calibri" panose="020F0502020204030204" pitchFamily="34" charset="0"/>
-                <a:cs typeface="Arial" panose="020B0604020202020204" pitchFamily="34" charset="0"/>
-              </a:rPr>
-              <a:t>topic-specific stances.</a:t>
-            </a:r>
-            <a:endParaRPr lang="de-DE" sz="1600" dirty="0">
-              <a:effectLst/>
-              <a:latin typeface="Montserrat" panose="00000500000000000000" pitchFamily="2" charset="0"/>
-              <a:ea typeface="Calibri" panose="020F0502020204030204" pitchFamily="34" charset="0"/>
-              <a:cs typeface="Arial" panose="020B0604020202020204" pitchFamily="34" charset="0"/>
-            </a:endParaRPr>
-          </a:p>
-        </p:txBody>
-      </p:sp>
-      <p:sp>
-        <p:nvSpPr>
-          <p:cNvPr id="13" name="Textfeld 12">
-            <a:extLst>
-              <a:ext uri="{FF2B5EF4-FFF2-40B4-BE49-F238E27FC236}">
-                <a16:creationId xmlns:a16="http://schemas.microsoft.com/office/drawing/2014/main" id="{BA72FA23-567F-4CB8-BA53-C0E7A1926CC8}"/>
-              </a:ext>
-            </a:extLst>
-          </p:cNvPr>
-          <p:cNvSpPr txBox="1"/>
-          <p:nvPr/>
-        </p:nvSpPr>
-        <p:spPr>
-          <a:xfrm>
-            <a:off x="439800" y="6115359"/>
-            <a:ext cx="3960000" cy="337721"/>
-          </a:xfrm>
-          <a:prstGeom prst="rect">
-            <a:avLst/>
-          </a:prstGeom>
-          <a:noFill/>
-        </p:spPr>
-        <p:txBody>
-          <a:bodyPr wrap="square">
-            <a:spAutoFit/>
-          </a:bodyPr>
-          <a:lstStyle/>
-          <a:p>
-            <a:pPr algn="ctr">
-              <a:lnSpc>
-                <a:spcPct val="150000"/>
-              </a:lnSpc>
-            </a:pPr>
-            <a:r>
-              <a:rPr lang="en-US" sz="1200" i="1" dirty="0">
-                <a:effectLst/>
-                <a:latin typeface="Times New Roman" panose="02020603050405020304" pitchFamily="18" charset="0"/>
-                <a:ea typeface="Calibri" panose="020F0502020204030204" pitchFamily="34" charset="0"/>
-                <a:cs typeface="Arial" panose="020B0604020202020204" pitchFamily="34" charset="0"/>
-              </a:rPr>
-              <a:t>Figure 5: Corona-specific Tweets</a:t>
-            </a:r>
-            <a:endParaRPr lang="de-DE" sz="1600" dirty="0">
-              <a:effectLst/>
-              <a:latin typeface="Montserrat" panose="00000500000000000000" pitchFamily="2" charset="0"/>
-              <a:ea typeface="Calibri" panose="020F0502020204030204" pitchFamily="34" charset="0"/>
-              <a:cs typeface="Arial" panose="020B0604020202020204" pitchFamily="34" charset="0"/>
-            </a:endParaRPr>
-          </a:p>
-        </p:txBody>
-      </p:sp>
-      <p:sp>
-        <p:nvSpPr>
-          <p:cNvPr id="14" name="Textfeld 13">
-            <a:extLst>
-              <a:ext uri="{FF2B5EF4-FFF2-40B4-BE49-F238E27FC236}">
-                <a16:creationId xmlns:a16="http://schemas.microsoft.com/office/drawing/2014/main" id="{D86C3C74-3535-4BF1-B428-D54168656CF3}"/>
-              </a:ext>
-            </a:extLst>
-          </p:cNvPr>
-          <p:cNvSpPr txBox="1"/>
-          <p:nvPr/>
-        </p:nvSpPr>
-        <p:spPr>
-          <a:xfrm>
-            <a:off x="4116000" y="6115358"/>
-            <a:ext cx="3960000" cy="337721"/>
-          </a:xfrm>
-          <a:prstGeom prst="rect">
-            <a:avLst/>
-          </a:prstGeom>
-          <a:noFill/>
-        </p:spPr>
-        <p:txBody>
-          <a:bodyPr wrap="square">
-            <a:spAutoFit/>
-          </a:bodyPr>
-          <a:lstStyle/>
-          <a:p>
-            <a:pPr algn="ctr">
-              <a:lnSpc>
-                <a:spcPct val="150000"/>
-              </a:lnSpc>
-            </a:pPr>
-            <a:r>
-              <a:rPr lang="en-US" sz="1200" i="1" dirty="0">
-                <a:effectLst/>
-                <a:latin typeface="Times New Roman" panose="02020603050405020304" pitchFamily="18" charset="0"/>
-                <a:ea typeface="Calibri" panose="020F0502020204030204" pitchFamily="34" charset="0"/>
-                <a:cs typeface="Arial" panose="020B0604020202020204" pitchFamily="34" charset="0"/>
-              </a:rPr>
-              <a:t>Figure 6: Environment-specific Tweets</a:t>
-            </a:r>
-            <a:endParaRPr lang="de-DE" sz="1600" dirty="0">
-              <a:effectLst/>
-              <a:latin typeface="Montserrat" panose="00000500000000000000" pitchFamily="2" charset="0"/>
-              <a:ea typeface="Calibri" panose="020F0502020204030204" pitchFamily="34" charset="0"/>
-              <a:cs typeface="Arial" panose="020B0604020202020204" pitchFamily="34" charset="0"/>
-            </a:endParaRPr>
-          </a:p>
-        </p:txBody>
-      </p:sp>
-      <p:sp>
-        <p:nvSpPr>
-          <p:cNvPr id="15" name="Textfeld 14">
-            <a:extLst>
-              <a:ext uri="{FF2B5EF4-FFF2-40B4-BE49-F238E27FC236}">
-                <a16:creationId xmlns:a16="http://schemas.microsoft.com/office/drawing/2014/main" id="{3ABB802F-A2ED-436E-ADF0-2BAA4FA0E09C}"/>
-              </a:ext>
-            </a:extLst>
-          </p:cNvPr>
-          <p:cNvSpPr txBox="1"/>
-          <p:nvPr/>
-        </p:nvSpPr>
-        <p:spPr>
-          <a:xfrm>
-            <a:off x="7792200" y="6115357"/>
-            <a:ext cx="3960000" cy="337721"/>
-          </a:xfrm>
-          <a:prstGeom prst="rect">
-            <a:avLst/>
-          </a:prstGeom>
-          <a:noFill/>
-        </p:spPr>
-        <p:txBody>
-          <a:bodyPr wrap="square">
-            <a:spAutoFit/>
-          </a:bodyPr>
-          <a:lstStyle/>
-          <a:p>
-            <a:pPr algn="ctr">
-              <a:lnSpc>
-                <a:spcPct val="150000"/>
-              </a:lnSpc>
-            </a:pPr>
-            <a:r>
-              <a:rPr lang="en-US" sz="1200" i="1" dirty="0">
-                <a:effectLst/>
-                <a:latin typeface="Times New Roman" panose="02020603050405020304" pitchFamily="18" charset="0"/>
-                <a:ea typeface="Calibri" panose="020F0502020204030204" pitchFamily="34" charset="0"/>
-                <a:cs typeface="Arial" panose="020B0604020202020204" pitchFamily="34" charset="0"/>
-              </a:rPr>
-              <a:t>Figure 7: Digitization-specific Tweets</a:t>
-            </a:r>
-            <a:endParaRPr lang="de-DE" sz="1600" dirty="0">
-              <a:effectLst/>
-              <a:latin typeface="Montserrat" panose="00000500000000000000" pitchFamily="2" charset="0"/>
-              <a:ea typeface="Calibri" panose="020F0502020204030204" pitchFamily="34" charset="0"/>
-              <a:cs typeface="Arial" panose="020B0604020202020204" pitchFamily="34" charset="0"/>
-            </a:endParaRPr>
-          </a:p>
-        </p:txBody>
-      </p:sp>
-      <p:sp>
-        <p:nvSpPr>
-          <p:cNvPr id="16" name="Foliennummernplatzhalter 15">
-            <a:extLst>
-              <a:ext uri="{FF2B5EF4-FFF2-40B4-BE49-F238E27FC236}">
-                <a16:creationId xmlns:a16="http://schemas.microsoft.com/office/drawing/2014/main" id="{54301BF6-FE78-427B-A477-62B1EC9DCA26}"/>
+              <a:rPr lang="de-DE" sz="2000" b="1" dirty="0"/>
+              <a:t>Topic-</a:t>
+            </a:r>
+            <a:r>
+              <a:rPr lang="de-DE" sz="2000" b="1" dirty="0" err="1"/>
+              <a:t>Specific</a:t>
+            </a:r>
+            <a:r>
+              <a:rPr lang="de-DE" sz="2000" b="1" dirty="0"/>
+              <a:t> </a:t>
+            </a:r>
+            <a:r>
+              <a:rPr lang="de-DE" sz="2000" b="1" dirty="0" err="1"/>
+              <a:t>Stance</a:t>
+            </a:r>
+            <a:r>
+              <a:rPr lang="de-DE" sz="2000" b="1" dirty="0"/>
+              <a:t> Analysis</a:t>
+            </a:r>
+          </a:p>
+          <a:p>
+            <a:pPr lvl="1"/>
+            <a:r>
+              <a:rPr lang="de-DE" sz="1600" dirty="0"/>
+              <a:t>Relative </a:t>
+            </a:r>
+            <a:r>
+              <a:rPr lang="de-DE" sz="1600" dirty="0" err="1"/>
+              <a:t>positioning</a:t>
+            </a:r>
+            <a:r>
+              <a:rPr lang="de-DE" sz="1600" dirty="0"/>
+              <a:t> </a:t>
+            </a:r>
+            <a:r>
+              <a:rPr lang="de-DE" sz="1600" dirty="0" err="1"/>
+              <a:t>based</a:t>
+            </a:r>
+            <a:r>
+              <a:rPr lang="de-DE" sz="1600" dirty="0"/>
+              <a:t> on </a:t>
+            </a:r>
+            <a:r>
+              <a:rPr lang="de-DE" sz="1600" dirty="0" err="1"/>
+              <a:t>topic-specific</a:t>
+            </a:r>
+            <a:r>
+              <a:rPr lang="de-DE" sz="1600" dirty="0"/>
+              <a:t> </a:t>
+            </a:r>
+            <a:r>
+              <a:rPr lang="de-DE" sz="1600" dirty="0" err="1"/>
+              <a:t>wordscores</a:t>
+            </a:r>
+            <a:endParaRPr lang="de-DE" sz="1600" dirty="0"/>
+          </a:p>
+          <a:p>
+            <a:pPr lvl="1"/>
+            <a:r>
+              <a:rPr lang="de-DE" sz="1600" dirty="0" err="1"/>
+              <a:t>Three</a:t>
+            </a:r>
+            <a:r>
+              <a:rPr lang="de-DE" sz="1600" dirty="0"/>
+              <a:t> </a:t>
+            </a:r>
+            <a:r>
+              <a:rPr lang="de-DE" sz="1600" dirty="0" err="1"/>
+              <a:t>central</a:t>
+            </a:r>
+            <a:r>
+              <a:rPr lang="de-DE" sz="1600" dirty="0"/>
+              <a:t> </a:t>
+            </a:r>
+            <a:r>
+              <a:rPr lang="de-DE" sz="1600" dirty="0" err="1"/>
+              <a:t>election</a:t>
+            </a:r>
+            <a:r>
+              <a:rPr lang="de-DE" sz="1600" dirty="0"/>
+              <a:t> </a:t>
+            </a:r>
+            <a:r>
+              <a:rPr lang="de-DE" sz="1600" dirty="0" err="1"/>
+              <a:t>topics</a:t>
+            </a:r>
+            <a:r>
+              <a:rPr lang="de-DE" sz="1600" dirty="0"/>
+              <a:t>: Corona (1), Environment / Climate Change (2) &amp; </a:t>
+            </a:r>
+            <a:r>
+              <a:rPr lang="de-DE" sz="1600" dirty="0" err="1"/>
+              <a:t>Digitization</a:t>
+            </a:r>
+            <a:r>
+              <a:rPr lang="de-DE" sz="1600" dirty="0"/>
+              <a:t> (3)</a:t>
+            </a:r>
+          </a:p>
+        </p:txBody>
+      </p:sp>
+      <p:sp>
+        <p:nvSpPr>
+          <p:cNvPr id="4" name="Foliennummernplatzhalter 3">
+            <a:extLst>
+              <a:ext uri="{FF2B5EF4-FFF2-40B4-BE49-F238E27FC236}">
+                <a16:creationId xmlns:a16="http://schemas.microsoft.com/office/drawing/2014/main" id="{4CCD6512-88AE-4565-9476-1D70FE350E5E}"/>
               </a:ext>
             </a:extLst>
           </p:cNvPr>
@@ -7169,20 +8236,20 @@
     </p:spTree>
     <p:extLst>
       <p:ext uri="{BB962C8B-B14F-4D97-AF65-F5344CB8AC3E}">
-        <p14:creationId xmlns:p14="http://schemas.microsoft.com/office/powerpoint/2010/main" val="1648286049"/>
+        <p14:creationId xmlns:p14="http://schemas.microsoft.com/office/powerpoint/2010/main" val="958644181"/>
       </p:ext>
     </p:extLst>
   </p:cSld>
   <p:clrMapOvr>
     <a:masterClrMapping/>
   </p:clrMapOvr>
-  <mc:AlternateContent xmlns:mc="http://schemas.openxmlformats.org/markup-compatibility/2006">
-    <mc:Choice xmlns:p159="http://schemas.microsoft.com/office/powerpoint/2015/09/main" Requires="p159">
+  <mc:AlternateContent xmlns:mc="http://schemas.openxmlformats.org/markup-compatibility/2006" xmlns:p159="http://schemas.microsoft.com/office/powerpoint/2015/09/main">
+    <mc:Choice Requires="p159">
       <p:transition xmlns:p14="http://schemas.microsoft.com/office/powerpoint/2010/main" spd="slow" p14:dur="2000">
         <p159:morph option="byObject"/>
       </p:transition>
     </mc:Choice>
-    <mc:Fallback>
+    <mc:Fallback xmlns="">
       <p:transition spd="slow">
         <p:fade/>
       </p:transition>
@@ -7231,17 +8298,12 @@
           <a:p>
             <a:r>
               <a:rPr lang="de-DE" b="1" dirty="0" err="1"/>
-              <a:t>Conclusions</a:t>
+              <a:t>Results</a:t>
             </a:r>
             <a:r>
               <a:rPr lang="de-DE" b="1" dirty="0"/>
-              <a:t> &amp; Marketing </a:t>
-            </a:r>
-            <a:r>
-              <a:rPr lang="de-DE" b="1" dirty="0" err="1"/>
-              <a:t>Implications</a:t>
-            </a:r>
-            <a:endParaRPr lang="de-DE" b="1" dirty="0"/>
+              <a:t> (I/II)</a:t>
+            </a:r>
           </a:p>
         </p:txBody>
       </p:sp>
@@ -7261,6 +8323,1082 @@
             <p:ph sz="half" idx="1"/>
           </p:nvPr>
         </p:nvSpPr>
+        <p:spPr>
+          <a:xfrm>
+            <a:off x="838200" y="1825625"/>
+            <a:ext cx="5181600" cy="4745368"/>
+          </a:xfrm>
+        </p:spPr>
+        <p:txBody>
+          <a:bodyPr>
+            <a:noAutofit/>
+          </a:bodyPr>
+          <a:lstStyle/>
+          <a:p>
+            <a:pPr>
+              <a:buFont typeface="Wingdings" panose="05000000000000000000" pitchFamily="2" charset="2"/>
+              <a:buChar char="§"/>
+            </a:pPr>
+            <a:r>
+              <a:rPr lang="en-US" sz="2000" dirty="0">
+                <a:effectLst/>
+                <a:latin typeface="Times New Roman" panose="02020603050405020304" pitchFamily="18" charset="0"/>
+                <a:ea typeface="Calibri" panose="020F0502020204030204" pitchFamily="34" charset="0"/>
+              </a:rPr>
+              <a:t>In line with current research, the two incumbent government parties (CDU/CSU &amp; SPD) have utilized more positive sentiment than the opposition parties</a:t>
+            </a:r>
+          </a:p>
+          <a:p>
+            <a:pPr>
+              <a:buFont typeface="Wingdings" panose="05000000000000000000" pitchFamily="2" charset="2"/>
+              <a:buChar char="§"/>
+            </a:pPr>
+            <a:r>
+              <a:rPr lang="en-US" sz="2000" dirty="0">
+                <a:effectLst/>
+                <a:latin typeface="Times New Roman" panose="02020603050405020304" pitchFamily="18" charset="0"/>
+                <a:ea typeface="Calibri" panose="020F0502020204030204" pitchFamily="34" charset="0"/>
+              </a:rPr>
+              <a:t>The </a:t>
+            </a:r>
+            <a:r>
+              <a:rPr lang="en-US" sz="2000" b="1" dirty="0">
+                <a:effectLst/>
+                <a:latin typeface="Times New Roman" panose="02020603050405020304" pitchFamily="18" charset="0"/>
+                <a:ea typeface="Calibri" panose="020F0502020204030204" pitchFamily="34" charset="0"/>
+              </a:rPr>
+              <a:t>text-similarity</a:t>
+            </a:r>
+            <a:r>
+              <a:rPr lang="en-US" sz="2000" dirty="0">
+                <a:effectLst/>
+                <a:latin typeface="Times New Roman" panose="02020603050405020304" pitchFamily="18" charset="0"/>
+                <a:ea typeface="Calibri" panose="020F0502020204030204" pitchFamily="34" charset="0"/>
+              </a:rPr>
+              <a:t> of the six major political parties has continuously and considerably increased between 2017 and 2021 party programs and campaign period tweets - thus resulting in the most similar relative positioning for all parties for the campaign period tweets.</a:t>
+            </a:r>
+          </a:p>
+        </p:txBody>
+      </p:sp>
+      <p:pic>
+        <p:nvPicPr>
+          <p:cNvPr id="6" name="Picture 38">
+            <a:extLst>
+              <a:ext uri="{FF2B5EF4-FFF2-40B4-BE49-F238E27FC236}">
+                <a16:creationId xmlns:a16="http://schemas.microsoft.com/office/drawing/2014/main" id="{AA38D900-35FB-49C6-B722-DA80C25C7E96}"/>
+              </a:ext>
+            </a:extLst>
+          </p:cNvPr>
+          <p:cNvPicPr>
+            <a:picLocks noGrp="1" noChangeAspect="1"/>
+          </p:cNvPicPr>
+          <p:nvPr>
+            <p:ph sz="half" idx="2"/>
+          </p:nvPr>
+        </p:nvPicPr>
+        <p:blipFill>
+          <a:blip r:embed="rId2">
+            <a:extLst>
+              <a:ext uri="{28A0092B-C50C-407E-A947-70E740481C1C}">
+                <a14:useLocalDpi xmlns:a14="http://schemas.microsoft.com/office/drawing/2010/main" val="0"/>
+              </a:ext>
+            </a:extLst>
+          </a:blip>
+          <a:srcRect/>
+          <a:stretch>
+            <a:fillRect/>
+          </a:stretch>
+        </p:blipFill>
+        <p:spPr bwMode="auto">
+          <a:xfrm>
+            <a:off x="7032009" y="303426"/>
+            <a:ext cx="3960000" cy="2443885"/>
+          </a:xfrm>
+          <a:prstGeom prst="rect">
+            <a:avLst/>
+          </a:prstGeom>
+          <a:noFill/>
+          <a:ln>
+            <a:noFill/>
+          </a:ln>
+        </p:spPr>
+      </p:pic>
+      <p:pic>
+        <p:nvPicPr>
+          <p:cNvPr id="7" name="Picture 28">
+            <a:extLst>
+              <a:ext uri="{FF2B5EF4-FFF2-40B4-BE49-F238E27FC236}">
+                <a16:creationId xmlns:a16="http://schemas.microsoft.com/office/drawing/2014/main" id="{7593DBA3-140F-4CF5-96B7-693DFDE860BF}"/>
+              </a:ext>
+            </a:extLst>
+          </p:cNvPr>
+          <p:cNvPicPr>
+            <a:picLocks noChangeAspect="1"/>
+          </p:cNvPicPr>
+          <p:nvPr/>
+        </p:nvPicPr>
+        <p:blipFill>
+          <a:blip r:embed="rId3">
+            <a:extLst>
+              <a:ext uri="{28A0092B-C50C-407E-A947-70E740481C1C}">
+                <a14:useLocalDpi xmlns:a14="http://schemas.microsoft.com/office/drawing/2010/main" val="0"/>
+              </a:ext>
+            </a:extLst>
+          </a:blip>
+          <a:srcRect/>
+          <a:stretch>
+            <a:fillRect/>
+          </a:stretch>
+        </p:blipFill>
+        <p:spPr bwMode="auto">
+          <a:xfrm>
+            <a:off x="7032009" y="3510178"/>
+            <a:ext cx="3960000" cy="2446095"/>
+          </a:xfrm>
+          <a:prstGeom prst="rect">
+            <a:avLst/>
+          </a:prstGeom>
+          <a:noFill/>
+          <a:ln>
+            <a:noFill/>
+          </a:ln>
+        </p:spPr>
+      </p:pic>
+      <p:sp>
+        <p:nvSpPr>
+          <p:cNvPr id="9" name="Textfeld 8">
+            <a:extLst>
+              <a:ext uri="{FF2B5EF4-FFF2-40B4-BE49-F238E27FC236}">
+                <a16:creationId xmlns:a16="http://schemas.microsoft.com/office/drawing/2014/main" id="{AA9F0057-6A69-4457-ADC7-0782E4D61440}"/>
+              </a:ext>
+            </a:extLst>
+          </p:cNvPr>
+          <p:cNvSpPr txBox="1"/>
+          <p:nvPr/>
+        </p:nvSpPr>
+        <p:spPr>
+          <a:xfrm>
+            <a:off x="7032009" y="2682885"/>
+            <a:ext cx="4923002" cy="613117"/>
+          </a:xfrm>
+          <a:prstGeom prst="rect">
+            <a:avLst/>
+          </a:prstGeom>
+          <a:noFill/>
+        </p:spPr>
+        <p:txBody>
+          <a:bodyPr wrap="square">
+            <a:spAutoFit/>
+          </a:bodyPr>
+          <a:lstStyle/>
+          <a:p>
+            <a:pPr>
+              <a:lnSpc>
+                <a:spcPct val="150000"/>
+              </a:lnSpc>
+            </a:pPr>
+            <a:r>
+              <a:rPr lang="en-US" sz="1200" i="1" dirty="0">
+                <a:effectLst/>
+                <a:latin typeface="Times New Roman" panose="02020603050405020304" pitchFamily="18" charset="0"/>
+                <a:ea typeface="Calibri" panose="020F0502020204030204" pitchFamily="34" charset="0"/>
+                <a:cs typeface="Arial" panose="020B0604020202020204" pitchFamily="34" charset="0"/>
+              </a:rPr>
+              <a:t>Figure 4: Relative Positioning of Major German Parties based on their </a:t>
+            </a:r>
+            <a:r>
+              <a:rPr lang="en-US" sz="1200" b="1" i="1" dirty="0">
+                <a:effectLst/>
+                <a:latin typeface="Times New Roman" panose="02020603050405020304" pitchFamily="18" charset="0"/>
+                <a:ea typeface="Calibri" panose="020F0502020204030204" pitchFamily="34" charset="0"/>
+                <a:cs typeface="Arial" panose="020B0604020202020204" pitchFamily="34" charset="0"/>
+              </a:rPr>
+              <a:t>overall ideological position </a:t>
+            </a:r>
+            <a:r>
+              <a:rPr lang="en-US" sz="1200" i="1" dirty="0">
+                <a:effectLst/>
+                <a:latin typeface="Times New Roman" panose="02020603050405020304" pitchFamily="18" charset="0"/>
+                <a:ea typeface="Calibri" panose="020F0502020204030204" pitchFamily="34" charset="0"/>
+                <a:cs typeface="Arial" panose="020B0604020202020204" pitchFamily="34" charset="0"/>
+              </a:rPr>
+              <a:t>(1990-2021) (own rep.)</a:t>
+            </a:r>
+          </a:p>
+        </p:txBody>
+      </p:sp>
+      <p:sp>
+        <p:nvSpPr>
+          <p:cNvPr id="10" name="Textfeld 9">
+            <a:extLst>
+              <a:ext uri="{FF2B5EF4-FFF2-40B4-BE49-F238E27FC236}">
+                <a16:creationId xmlns:a16="http://schemas.microsoft.com/office/drawing/2014/main" id="{858D7A0F-9C2B-48A7-8D3F-540894EB33B9}"/>
+              </a:ext>
+            </a:extLst>
+          </p:cNvPr>
+          <p:cNvSpPr txBox="1"/>
+          <p:nvPr/>
+        </p:nvSpPr>
+        <p:spPr>
+          <a:xfrm>
+            <a:off x="7032008" y="5956273"/>
+            <a:ext cx="4923001" cy="614720"/>
+          </a:xfrm>
+          <a:prstGeom prst="rect">
+            <a:avLst/>
+          </a:prstGeom>
+          <a:noFill/>
+        </p:spPr>
+        <p:txBody>
+          <a:bodyPr wrap="square">
+            <a:spAutoFit/>
+          </a:bodyPr>
+          <a:lstStyle/>
+          <a:p>
+            <a:pPr>
+              <a:lnSpc>
+                <a:spcPct val="150000"/>
+              </a:lnSpc>
+            </a:pPr>
+            <a:r>
+              <a:rPr lang="en-US" sz="1200" i="1" dirty="0">
+                <a:effectLst/>
+                <a:latin typeface="Times New Roman" panose="02020603050405020304" pitchFamily="18" charset="0"/>
+                <a:ea typeface="Calibri" panose="020F0502020204030204" pitchFamily="34" charset="0"/>
+                <a:cs typeface="Arial" panose="020B0604020202020204" pitchFamily="34" charset="0"/>
+              </a:rPr>
+              <a:t>Figure 5: Relative Positioning of Major German Parties based on their </a:t>
+            </a:r>
+            <a:r>
+              <a:rPr lang="en-US" sz="1200" b="1" i="1" dirty="0" err="1">
+                <a:effectLst/>
+                <a:latin typeface="Times New Roman" panose="02020603050405020304" pitchFamily="18" charset="0"/>
+                <a:ea typeface="Calibri" panose="020F0502020204030204" pitchFamily="34" charset="0"/>
+                <a:cs typeface="Arial" panose="020B0604020202020204" pitchFamily="34" charset="0"/>
+              </a:rPr>
+              <a:t>wordscores</a:t>
+            </a:r>
+            <a:r>
+              <a:rPr lang="en-US" sz="1200" b="1" i="1" dirty="0">
+                <a:effectLst/>
+                <a:latin typeface="Times New Roman" panose="02020603050405020304" pitchFamily="18" charset="0"/>
+                <a:ea typeface="Calibri" panose="020F0502020204030204" pitchFamily="34" charset="0"/>
+                <a:cs typeface="Arial" panose="020B0604020202020204" pitchFamily="34" charset="0"/>
+              </a:rPr>
+              <a:t> </a:t>
+            </a:r>
+            <a:r>
+              <a:rPr lang="en-US" sz="1200" i="1" dirty="0">
+                <a:effectLst/>
+                <a:latin typeface="Times New Roman" panose="02020603050405020304" pitchFamily="18" charset="0"/>
+                <a:ea typeface="Calibri" panose="020F0502020204030204" pitchFamily="34" charset="0"/>
+                <a:cs typeface="Arial" panose="020B0604020202020204" pitchFamily="34" charset="0"/>
+              </a:rPr>
+              <a:t>(2017 &amp; 2021) (own rep.)</a:t>
+            </a:r>
+            <a:endParaRPr lang="de-DE" sz="1600" dirty="0">
+              <a:effectLst/>
+              <a:latin typeface="Montserrat" panose="00000500000000000000" pitchFamily="2" charset="0"/>
+              <a:ea typeface="Calibri" panose="020F0502020204030204" pitchFamily="34" charset="0"/>
+              <a:cs typeface="Arial" panose="020B0604020202020204" pitchFamily="34" charset="0"/>
+            </a:endParaRPr>
+          </a:p>
+        </p:txBody>
+      </p:sp>
+      <p:sp>
+        <p:nvSpPr>
+          <p:cNvPr id="11" name="Foliennummernplatzhalter 10">
+            <a:extLst>
+              <a:ext uri="{FF2B5EF4-FFF2-40B4-BE49-F238E27FC236}">
+                <a16:creationId xmlns:a16="http://schemas.microsoft.com/office/drawing/2014/main" id="{48538789-C0A8-4AAE-A968-43AB89EB48FE}"/>
+              </a:ext>
+            </a:extLst>
+          </p:cNvPr>
+          <p:cNvSpPr>
+            <a:spLocks noGrp="1"/>
+          </p:cNvSpPr>
+          <p:nvPr>
+            <p:ph type="sldNum" sz="quarter" idx="12"/>
+          </p:nvPr>
+        </p:nvSpPr>
+        <p:spPr/>
+        <p:txBody>
+          <a:bodyPr/>
+          <a:lstStyle/>
+          <a:p>
+            <a:fld id="{7791C37A-9F0F-4FE1-BBD5-516FDD76FEAE}" type="slidenum">
+              <a:rPr lang="de-DE" smtClean="0"/>
+              <a:t>7</a:t>
+            </a:fld>
+            <a:endParaRPr lang="de-DE" dirty="0"/>
+          </a:p>
+        </p:txBody>
+      </p:sp>
+      <p:sp>
+        <p:nvSpPr>
+          <p:cNvPr id="13" name="Textfeld 12">
+            <a:extLst>
+              <a:ext uri="{FF2B5EF4-FFF2-40B4-BE49-F238E27FC236}">
+                <a16:creationId xmlns:a16="http://schemas.microsoft.com/office/drawing/2014/main" id="{C0045249-6584-4B4D-B547-862D646A46AB}"/>
+              </a:ext>
+            </a:extLst>
+          </p:cNvPr>
+          <p:cNvSpPr txBox="1"/>
+          <p:nvPr/>
+        </p:nvSpPr>
+        <p:spPr>
+          <a:xfrm>
+            <a:off x="10752587" y="2255404"/>
+            <a:ext cx="1202425" cy="276999"/>
+          </a:xfrm>
+          <a:prstGeom prst="rect">
+            <a:avLst/>
+          </a:prstGeom>
+          <a:noFill/>
+        </p:spPr>
+        <p:txBody>
+          <a:bodyPr wrap="square">
+            <a:spAutoFit/>
+          </a:bodyPr>
+          <a:lstStyle/>
+          <a:p>
+            <a:pPr algn="ctr"/>
+            <a:r>
+              <a:rPr lang="en-US" sz="1200" i="1" dirty="0">
+                <a:effectLst/>
+                <a:latin typeface="Times New Roman" panose="02020603050405020304" pitchFamily="18" charset="0"/>
+                <a:ea typeface="Calibri" panose="020F0502020204030204" pitchFamily="34" charset="0"/>
+                <a:cs typeface="Arial" panose="020B0604020202020204" pitchFamily="34" charset="0"/>
+              </a:rPr>
+              <a:t>left-wing</a:t>
+            </a:r>
+            <a:endParaRPr lang="de-DE" dirty="0"/>
+          </a:p>
+        </p:txBody>
+      </p:sp>
+      <p:sp>
+        <p:nvSpPr>
+          <p:cNvPr id="14" name="Textfeld 13">
+            <a:extLst>
+              <a:ext uri="{FF2B5EF4-FFF2-40B4-BE49-F238E27FC236}">
+                <a16:creationId xmlns:a16="http://schemas.microsoft.com/office/drawing/2014/main" id="{E6B617E4-2DAC-46AD-8F9F-C8A4568663F0}"/>
+              </a:ext>
+            </a:extLst>
+          </p:cNvPr>
+          <p:cNvSpPr txBox="1"/>
+          <p:nvPr/>
+        </p:nvSpPr>
+        <p:spPr>
+          <a:xfrm>
+            <a:off x="10752586" y="297702"/>
+            <a:ext cx="1202425" cy="276999"/>
+          </a:xfrm>
+          <a:prstGeom prst="rect">
+            <a:avLst/>
+          </a:prstGeom>
+          <a:noFill/>
+        </p:spPr>
+        <p:txBody>
+          <a:bodyPr wrap="square">
+            <a:spAutoFit/>
+          </a:bodyPr>
+          <a:lstStyle/>
+          <a:p>
+            <a:pPr algn="ctr"/>
+            <a:r>
+              <a:rPr lang="en-US" sz="1200" i="1" dirty="0">
+                <a:latin typeface="Times New Roman" panose="02020603050405020304" pitchFamily="18" charset="0"/>
+                <a:ea typeface="Calibri" panose="020F0502020204030204" pitchFamily="34" charset="0"/>
+                <a:cs typeface="Arial" panose="020B0604020202020204" pitchFamily="34" charset="0"/>
+              </a:rPr>
+              <a:t>r</a:t>
+            </a:r>
+            <a:r>
+              <a:rPr lang="en-US" sz="1200" i="1" dirty="0">
+                <a:effectLst/>
+                <a:latin typeface="Times New Roman" panose="02020603050405020304" pitchFamily="18" charset="0"/>
+                <a:ea typeface="Calibri" panose="020F0502020204030204" pitchFamily="34" charset="0"/>
+                <a:cs typeface="Arial" panose="020B0604020202020204" pitchFamily="34" charset="0"/>
+              </a:rPr>
+              <a:t>ight-wing</a:t>
+            </a:r>
+            <a:endParaRPr lang="de-DE" dirty="0"/>
+          </a:p>
+        </p:txBody>
+      </p:sp>
+    </p:spTree>
+    <p:extLst>
+      <p:ext uri="{BB962C8B-B14F-4D97-AF65-F5344CB8AC3E}">
+        <p14:creationId xmlns:p14="http://schemas.microsoft.com/office/powerpoint/2010/main" val="4214201691"/>
+      </p:ext>
+    </p:extLst>
+  </p:cSld>
+  <p:clrMapOvr>
+    <a:masterClrMapping/>
+  </p:clrMapOvr>
+  <mc:AlternateContent xmlns:mc="http://schemas.openxmlformats.org/markup-compatibility/2006" xmlns:p159="http://schemas.microsoft.com/office/powerpoint/2015/09/main">
+    <mc:Choice Requires="p159">
+      <p:transition xmlns:p14="http://schemas.microsoft.com/office/powerpoint/2010/main" spd="slow" p14:dur="2000">
+        <p159:morph option="byObject"/>
+      </p:transition>
+    </mc:Choice>
+    <mc:Fallback xmlns="">
+      <p:transition spd="slow">
+        <p:fade/>
+      </p:transition>
+    </mc:Fallback>
+  </mc:AlternateContent>
+</p:sld>
+</file>
+
+<file path=ppt/slides/slide8.xml><?xml version="1.0" encoding="utf-8"?>
+<p:sld xmlns:a="http://schemas.openxmlformats.org/drawingml/2006/main" xmlns:r="http://schemas.openxmlformats.org/officeDocument/2006/relationships" xmlns:p="http://schemas.openxmlformats.org/presentationml/2006/main">
+  <p:cSld>
+    <p:spTree>
+      <p:nvGrpSpPr>
+        <p:cNvPr id="1" name=""/>
+        <p:cNvGrpSpPr/>
+        <p:nvPr/>
+      </p:nvGrpSpPr>
+      <p:grpSpPr>
+        <a:xfrm>
+          <a:off x="0" y="0"/>
+          <a:ext cx="0" cy="0"/>
+          <a:chOff x="0" y="0"/>
+          <a:chExt cx="0" cy="0"/>
+        </a:xfrm>
+      </p:grpSpPr>
+      <p:sp>
+        <p:nvSpPr>
+          <p:cNvPr id="2" name="Titel 1">
+            <a:extLst>
+              <a:ext uri="{FF2B5EF4-FFF2-40B4-BE49-F238E27FC236}">
+                <a16:creationId xmlns:a16="http://schemas.microsoft.com/office/drawing/2014/main" id="{91624A50-60CF-434F-ADD3-31BD2C369B14}"/>
+              </a:ext>
+            </a:extLst>
+          </p:cNvPr>
+          <p:cNvSpPr>
+            <a:spLocks noGrp="1"/>
+          </p:cNvSpPr>
+          <p:nvPr>
+            <p:ph type="title"/>
+          </p:nvPr>
+        </p:nvSpPr>
+        <p:spPr/>
+        <p:txBody>
+          <a:bodyPr/>
+          <a:lstStyle/>
+          <a:p>
+            <a:r>
+              <a:rPr lang="de-DE" b="1" dirty="0" err="1"/>
+              <a:t>Results</a:t>
+            </a:r>
+            <a:r>
+              <a:rPr lang="de-DE" b="1" dirty="0"/>
+              <a:t> (II/II)</a:t>
+            </a:r>
+          </a:p>
+        </p:txBody>
+      </p:sp>
+      <p:sp>
+        <p:nvSpPr>
+          <p:cNvPr id="3" name="Inhaltsplatzhalter 2">
+            <a:extLst>
+              <a:ext uri="{FF2B5EF4-FFF2-40B4-BE49-F238E27FC236}">
+                <a16:creationId xmlns:a16="http://schemas.microsoft.com/office/drawing/2014/main" id="{757A96DE-6D23-42C4-AB63-4B4FA680A94E}"/>
+              </a:ext>
+            </a:extLst>
+          </p:cNvPr>
+          <p:cNvSpPr>
+            <a:spLocks noGrp="1"/>
+          </p:cNvSpPr>
+          <p:nvPr>
+            <p:ph sz="half" idx="1"/>
+          </p:nvPr>
+        </p:nvSpPr>
+        <p:spPr>
+          <a:xfrm>
+            <a:off x="838200" y="1501254"/>
+            <a:ext cx="5181600" cy="4675709"/>
+          </a:xfrm>
+        </p:spPr>
+        <p:txBody>
+          <a:bodyPr/>
+          <a:lstStyle/>
+          <a:p>
+            <a:pPr>
+              <a:buFont typeface="Wingdings" panose="05000000000000000000" pitchFamily="2" charset="2"/>
+              <a:buChar char="§"/>
+            </a:pPr>
+            <a:r>
+              <a:rPr lang="en-US" sz="1800" b="1" dirty="0">
+                <a:effectLst/>
+                <a:latin typeface="Times New Roman" panose="02020603050405020304" pitchFamily="18" charset="0"/>
+                <a:ea typeface="Calibri" panose="020F0502020204030204" pitchFamily="34" charset="0"/>
+              </a:rPr>
+              <a:t>Several shifts in language by the parties: </a:t>
+            </a:r>
+            <a:r>
+              <a:rPr lang="en-US" sz="1800" dirty="0">
+                <a:effectLst/>
+                <a:latin typeface="Times New Roman" panose="02020603050405020304" pitchFamily="18" charset="0"/>
+                <a:ea typeface="Calibri" panose="020F0502020204030204" pitchFamily="34" charset="0"/>
+              </a:rPr>
+              <a:t>Corona (all parties more right-wing), Environment (all parties more left-wing) &amp; Digitization (two shifts)</a:t>
+            </a:r>
+          </a:p>
+          <a:p>
+            <a:pPr>
+              <a:buFont typeface="Wingdings" panose="05000000000000000000" pitchFamily="2" charset="2"/>
+              <a:buChar char="§"/>
+            </a:pPr>
+            <a:r>
+              <a:rPr lang="en-US" sz="1800" b="1" dirty="0">
+                <a:latin typeface="Times New Roman" panose="02020603050405020304" pitchFamily="18" charset="0"/>
+              </a:rPr>
+              <a:t>Three Campaign Phases:</a:t>
+            </a:r>
+          </a:p>
+          <a:p>
+            <a:pPr lvl="1"/>
+            <a:r>
+              <a:rPr lang="en-US" sz="1400" dirty="0">
+                <a:latin typeface="Times New Roman" panose="02020603050405020304" pitchFamily="18" charset="0"/>
+              </a:rPr>
+              <a:t>Phase 1 – Corona (Dec. 20 – Apr. 21)</a:t>
+            </a:r>
+          </a:p>
+          <a:p>
+            <a:pPr lvl="1"/>
+            <a:r>
+              <a:rPr lang="en-US" sz="1400" dirty="0">
+                <a:latin typeface="Times New Roman" panose="02020603050405020304" pitchFamily="18" charset="0"/>
+              </a:rPr>
+              <a:t>Phase 2 – Environment (May 21 – Aug. 21)</a:t>
+            </a:r>
+          </a:p>
+          <a:p>
+            <a:pPr lvl="1"/>
+            <a:r>
+              <a:rPr lang="en-US" sz="1400" dirty="0">
+                <a:latin typeface="Times New Roman" panose="02020603050405020304" pitchFamily="18" charset="0"/>
+              </a:rPr>
+              <a:t>Phase 3 – Digitization (Sep. 21)</a:t>
+            </a:r>
+            <a:endParaRPr lang="de-DE" dirty="0"/>
+          </a:p>
+        </p:txBody>
+      </p:sp>
+      <p:pic>
+        <p:nvPicPr>
+          <p:cNvPr id="5" name="Picture 36">
+            <a:extLst>
+              <a:ext uri="{FF2B5EF4-FFF2-40B4-BE49-F238E27FC236}">
+                <a16:creationId xmlns:a16="http://schemas.microsoft.com/office/drawing/2014/main" id="{1A00240E-8C45-4652-9A7E-0DFE01196537}"/>
+              </a:ext>
+            </a:extLst>
+          </p:cNvPr>
+          <p:cNvPicPr>
+            <a:picLocks noChangeAspect="1"/>
+          </p:cNvPicPr>
+          <p:nvPr/>
+        </p:nvPicPr>
+        <p:blipFill>
+          <a:blip r:embed="rId2">
+            <a:extLst>
+              <a:ext uri="{28A0092B-C50C-407E-A947-70E740481C1C}">
+                <a14:useLocalDpi xmlns:a14="http://schemas.microsoft.com/office/drawing/2010/main" val="0"/>
+              </a:ext>
+            </a:extLst>
+          </a:blip>
+          <a:srcRect/>
+          <a:stretch>
+            <a:fillRect/>
+          </a:stretch>
+        </p:blipFill>
+        <p:spPr bwMode="auto">
+          <a:xfrm>
+            <a:off x="7032009" y="546100"/>
+            <a:ext cx="4500000" cy="2779650"/>
+          </a:xfrm>
+          <a:prstGeom prst="rect">
+            <a:avLst/>
+          </a:prstGeom>
+          <a:noFill/>
+          <a:ln>
+            <a:noFill/>
+          </a:ln>
+        </p:spPr>
+      </p:pic>
+      <p:pic>
+        <p:nvPicPr>
+          <p:cNvPr id="9" name="Picture 39">
+            <a:extLst>
+              <a:ext uri="{FF2B5EF4-FFF2-40B4-BE49-F238E27FC236}">
+                <a16:creationId xmlns:a16="http://schemas.microsoft.com/office/drawing/2014/main" id="{37D781DE-DE48-4615-978B-7844B51B026F}"/>
+              </a:ext>
+            </a:extLst>
+          </p:cNvPr>
+          <p:cNvPicPr>
+            <a:picLocks noChangeAspect="1"/>
+          </p:cNvPicPr>
+          <p:nvPr/>
+        </p:nvPicPr>
+        <p:blipFill>
+          <a:blip r:embed="rId3">
+            <a:extLst>
+              <a:ext uri="{28A0092B-C50C-407E-A947-70E740481C1C}">
+                <a14:useLocalDpi xmlns:a14="http://schemas.microsoft.com/office/drawing/2010/main" val="0"/>
+              </a:ext>
+            </a:extLst>
+          </a:blip>
+          <a:srcRect/>
+          <a:stretch>
+            <a:fillRect/>
+          </a:stretch>
+        </p:blipFill>
+        <p:spPr bwMode="auto">
+          <a:xfrm>
+            <a:off x="841612" y="3992641"/>
+            <a:ext cx="3600000" cy="2223723"/>
+          </a:xfrm>
+          <a:prstGeom prst="rect">
+            <a:avLst/>
+          </a:prstGeom>
+          <a:noFill/>
+          <a:ln>
+            <a:noFill/>
+          </a:ln>
+        </p:spPr>
+      </p:pic>
+      <p:pic>
+        <p:nvPicPr>
+          <p:cNvPr id="10" name="Picture 40">
+            <a:extLst>
+              <a:ext uri="{FF2B5EF4-FFF2-40B4-BE49-F238E27FC236}">
+                <a16:creationId xmlns:a16="http://schemas.microsoft.com/office/drawing/2014/main" id="{9D575634-EDB6-44E1-A078-8A12013AD04D}"/>
+              </a:ext>
+            </a:extLst>
+          </p:cNvPr>
+          <p:cNvPicPr>
+            <a:picLocks noChangeAspect="1"/>
+          </p:cNvPicPr>
+          <p:nvPr/>
+        </p:nvPicPr>
+        <p:blipFill>
+          <a:blip r:embed="rId4">
+            <a:extLst>
+              <a:ext uri="{28A0092B-C50C-407E-A947-70E740481C1C}">
+                <a14:useLocalDpi xmlns:a14="http://schemas.microsoft.com/office/drawing/2010/main" val="0"/>
+              </a:ext>
+            </a:extLst>
+          </a:blip>
+          <a:srcRect/>
+          <a:stretch>
+            <a:fillRect/>
+          </a:stretch>
+        </p:blipFill>
+        <p:spPr bwMode="auto">
+          <a:xfrm>
+            <a:off x="4441612" y="3992641"/>
+            <a:ext cx="3600000" cy="2223723"/>
+          </a:xfrm>
+          <a:prstGeom prst="rect">
+            <a:avLst/>
+          </a:prstGeom>
+          <a:noFill/>
+          <a:ln>
+            <a:noFill/>
+          </a:ln>
+        </p:spPr>
+      </p:pic>
+      <p:pic>
+        <p:nvPicPr>
+          <p:cNvPr id="11" name="Picture 41">
+            <a:extLst>
+              <a:ext uri="{FF2B5EF4-FFF2-40B4-BE49-F238E27FC236}">
+                <a16:creationId xmlns:a16="http://schemas.microsoft.com/office/drawing/2014/main" id="{5FBC2F77-BBB7-46DA-8D5C-2CB2F6834D87}"/>
+              </a:ext>
+            </a:extLst>
+          </p:cNvPr>
+          <p:cNvPicPr>
+            <a:picLocks noChangeAspect="1"/>
+          </p:cNvPicPr>
+          <p:nvPr/>
+        </p:nvPicPr>
+        <p:blipFill>
+          <a:blip r:embed="rId5">
+            <a:extLst>
+              <a:ext uri="{28A0092B-C50C-407E-A947-70E740481C1C}">
+                <a14:useLocalDpi xmlns:a14="http://schemas.microsoft.com/office/drawing/2010/main" val="0"/>
+              </a:ext>
+            </a:extLst>
+          </a:blip>
+          <a:srcRect/>
+          <a:stretch>
+            <a:fillRect/>
+          </a:stretch>
+        </p:blipFill>
+        <p:spPr bwMode="auto">
+          <a:xfrm>
+            <a:off x="8041612" y="3992641"/>
+            <a:ext cx="3600000" cy="2223723"/>
+          </a:xfrm>
+          <a:prstGeom prst="rect">
+            <a:avLst/>
+          </a:prstGeom>
+          <a:noFill/>
+          <a:ln>
+            <a:noFill/>
+          </a:ln>
+        </p:spPr>
+      </p:pic>
+      <p:sp>
+        <p:nvSpPr>
+          <p:cNvPr id="12" name="Textfeld 11">
+            <a:extLst>
+              <a:ext uri="{FF2B5EF4-FFF2-40B4-BE49-F238E27FC236}">
+                <a16:creationId xmlns:a16="http://schemas.microsoft.com/office/drawing/2014/main" id="{3BE4D83B-C764-43C3-9380-6EF860B2914A}"/>
+              </a:ext>
+            </a:extLst>
+          </p:cNvPr>
+          <p:cNvSpPr txBox="1"/>
+          <p:nvPr/>
+        </p:nvSpPr>
+        <p:spPr>
+          <a:xfrm>
+            <a:off x="7032008" y="3267700"/>
+            <a:ext cx="4499999" cy="614720"/>
+          </a:xfrm>
+          <a:prstGeom prst="rect">
+            <a:avLst/>
+          </a:prstGeom>
+          <a:noFill/>
+        </p:spPr>
+        <p:txBody>
+          <a:bodyPr wrap="square">
+            <a:spAutoFit/>
+          </a:bodyPr>
+          <a:lstStyle/>
+          <a:p>
+            <a:pPr>
+              <a:lnSpc>
+                <a:spcPct val="150000"/>
+              </a:lnSpc>
+            </a:pPr>
+            <a:r>
+              <a:rPr lang="en-US" sz="1200" i="1" dirty="0">
+                <a:effectLst/>
+                <a:latin typeface="Times New Roman" panose="02020603050405020304" pitchFamily="18" charset="0"/>
+                <a:ea typeface="Calibri" panose="020F0502020204030204" pitchFamily="34" charset="0"/>
+                <a:cs typeface="Arial" panose="020B0604020202020204" pitchFamily="34" charset="0"/>
+              </a:rPr>
+              <a:t>Figure 6: Relative Positioning of Major German Parties based on their </a:t>
+            </a:r>
+            <a:r>
+              <a:rPr lang="en-US" sz="1200" b="1" i="1" dirty="0">
+                <a:effectLst/>
+                <a:latin typeface="Times New Roman" panose="02020603050405020304" pitchFamily="18" charset="0"/>
+                <a:ea typeface="Calibri" panose="020F0502020204030204" pitchFamily="34" charset="0"/>
+                <a:cs typeface="Arial" panose="020B0604020202020204" pitchFamily="34" charset="0"/>
+              </a:rPr>
+              <a:t>topic-specific stances </a:t>
+            </a:r>
+            <a:r>
+              <a:rPr lang="en-US" sz="1200" i="1" dirty="0">
+                <a:effectLst/>
+                <a:latin typeface="Times New Roman" panose="02020603050405020304" pitchFamily="18" charset="0"/>
+                <a:ea typeface="Calibri" panose="020F0502020204030204" pitchFamily="34" charset="0"/>
+                <a:cs typeface="Arial" panose="020B0604020202020204" pitchFamily="34" charset="0"/>
+              </a:rPr>
+              <a:t>(own rep.)</a:t>
+            </a:r>
+            <a:endParaRPr lang="de-DE" sz="1600" i="1" dirty="0">
+              <a:effectLst/>
+              <a:latin typeface="Montserrat" panose="00000500000000000000" pitchFamily="2" charset="0"/>
+              <a:ea typeface="Calibri" panose="020F0502020204030204" pitchFamily="34" charset="0"/>
+              <a:cs typeface="Arial" panose="020B0604020202020204" pitchFamily="34" charset="0"/>
+            </a:endParaRPr>
+          </a:p>
+        </p:txBody>
+      </p:sp>
+      <p:sp>
+        <p:nvSpPr>
+          <p:cNvPr id="13" name="Textfeld 12">
+            <a:extLst>
+              <a:ext uri="{FF2B5EF4-FFF2-40B4-BE49-F238E27FC236}">
+                <a16:creationId xmlns:a16="http://schemas.microsoft.com/office/drawing/2014/main" id="{BA72FA23-567F-4CB8-BA53-C0E7A1926CC8}"/>
+              </a:ext>
+            </a:extLst>
+          </p:cNvPr>
+          <p:cNvSpPr txBox="1"/>
+          <p:nvPr/>
+        </p:nvSpPr>
+        <p:spPr>
+          <a:xfrm>
+            <a:off x="838200" y="6115359"/>
+            <a:ext cx="3600000" cy="337721"/>
+          </a:xfrm>
+          <a:prstGeom prst="rect">
+            <a:avLst/>
+          </a:prstGeom>
+          <a:noFill/>
+        </p:spPr>
+        <p:txBody>
+          <a:bodyPr wrap="square">
+            <a:spAutoFit/>
+          </a:bodyPr>
+          <a:lstStyle/>
+          <a:p>
+            <a:pPr>
+              <a:lnSpc>
+                <a:spcPct val="150000"/>
+              </a:lnSpc>
+            </a:pPr>
+            <a:r>
+              <a:rPr lang="en-US" sz="1200" i="1" dirty="0">
+                <a:effectLst/>
+                <a:latin typeface="Times New Roman" panose="02020603050405020304" pitchFamily="18" charset="0"/>
+                <a:ea typeface="Calibri" panose="020F0502020204030204" pitchFamily="34" charset="0"/>
+                <a:cs typeface="Arial" panose="020B0604020202020204" pitchFamily="34" charset="0"/>
+              </a:rPr>
+              <a:t>Figure 7: Corona-specific Tweets (own rep.)</a:t>
+            </a:r>
+            <a:endParaRPr lang="de-DE" sz="1600" dirty="0">
+              <a:effectLst/>
+              <a:latin typeface="Montserrat" panose="00000500000000000000" pitchFamily="2" charset="0"/>
+              <a:ea typeface="Calibri" panose="020F0502020204030204" pitchFamily="34" charset="0"/>
+              <a:cs typeface="Arial" panose="020B0604020202020204" pitchFamily="34" charset="0"/>
+            </a:endParaRPr>
+          </a:p>
+        </p:txBody>
+      </p:sp>
+      <p:sp>
+        <p:nvSpPr>
+          <p:cNvPr id="14" name="Textfeld 13">
+            <a:extLst>
+              <a:ext uri="{FF2B5EF4-FFF2-40B4-BE49-F238E27FC236}">
+                <a16:creationId xmlns:a16="http://schemas.microsoft.com/office/drawing/2014/main" id="{D86C3C74-3535-4BF1-B428-D54168656CF3}"/>
+              </a:ext>
+            </a:extLst>
+          </p:cNvPr>
+          <p:cNvSpPr txBox="1"/>
+          <p:nvPr/>
+        </p:nvSpPr>
+        <p:spPr>
+          <a:xfrm>
+            <a:off x="4438200" y="6115358"/>
+            <a:ext cx="3600000" cy="337721"/>
+          </a:xfrm>
+          <a:prstGeom prst="rect">
+            <a:avLst/>
+          </a:prstGeom>
+          <a:noFill/>
+        </p:spPr>
+        <p:txBody>
+          <a:bodyPr wrap="square">
+            <a:spAutoFit/>
+          </a:bodyPr>
+          <a:lstStyle/>
+          <a:p>
+            <a:pPr>
+              <a:lnSpc>
+                <a:spcPct val="150000"/>
+              </a:lnSpc>
+            </a:pPr>
+            <a:r>
+              <a:rPr lang="en-US" sz="1200" i="1" dirty="0">
+                <a:effectLst/>
+                <a:latin typeface="Times New Roman" panose="02020603050405020304" pitchFamily="18" charset="0"/>
+                <a:ea typeface="Calibri" panose="020F0502020204030204" pitchFamily="34" charset="0"/>
+                <a:cs typeface="Arial" panose="020B0604020202020204" pitchFamily="34" charset="0"/>
+              </a:rPr>
+              <a:t>Figure 8: Environment-specific Tweets (own rep.)</a:t>
+            </a:r>
+            <a:endParaRPr lang="de-DE" sz="1600" dirty="0">
+              <a:effectLst/>
+              <a:latin typeface="Montserrat" panose="00000500000000000000" pitchFamily="2" charset="0"/>
+              <a:ea typeface="Calibri" panose="020F0502020204030204" pitchFamily="34" charset="0"/>
+              <a:cs typeface="Arial" panose="020B0604020202020204" pitchFamily="34" charset="0"/>
+            </a:endParaRPr>
+          </a:p>
+        </p:txBody>
+      </p:sp>
+      <p:sp>
+        <p:nvSpPr>
+          <p:cNvPr id="15" name="Textfeld 14">
+            <a:extLst>
+              <a:ext uri="{FF2B5EF4-FFF2-40B4-BE49-F238E27FC236}">
+                <a16:creationId xmlns:a16="http://schemas.microsoft.com/office/drawing/2014/main" id="{3ABB802F-A2ED-436E-ADF0-2BAA4FA0E09C}"/>
+              </a:ext>
+            </a:extLst>
+          </p:cNvPr>
+          <p:cNvSpPr txBox="1"/>
+          <p:nvPr/>
+        </p:nvSpPr>
+        <p:spPr>
+          <a:xfrm>
+            <a:off x="8041612" y="6115357"/>
+            <a:ext cx="3490395" cy="337721"/>
+          </a:xfrm>
+          <a:prstGeom prst="rect">
+            <a:avLst/>
+          </a:prstGeom>
+          <a:noFill/>
+        </p:spPr>
+        <p:txBody>
+          <a:bodyPr wrap="square">
+            <a:spAutoFit/>
+          </a:bodyPr>
+          <a:lstStyle/>
+          <a:p>
+            <a:pPr>
+              <a:lnSpc>
+                <a:spcPct val="150000"/>
+              </a:lnSpc>
+            </a:pPr>
+            <a:r>
+              <a:rPr lang="en-US" sz="1200" i="1" dirty="0">
+                <a:effectLst/>
+                <a:latin typeface="Times New Roman" panose="02020603050405020304" pitchFamily="18" charset="0"/>
+                <a:ea typeface="Calibri" panose="020F0502020204030204" pitchFamily="34" charset="0"/>
+                <a:cs typeface="Arial" panose="020B0604020202020204" pitchFamily="34" charset="0"/>
+              </a:rPr>
+              <a:t>Figure 9: Digitization-specific Tweets (own rep.)</a:t>
+            </a:r>
+            <a:endParaRPr lang="de-DE" sz="1600" dirty="0">
+              <a:effectLst/>
+              <a:latin typeface="Montserrat" panose="00000500000000000000" pitchFamily="2" charset="0"/>
+              <a:ea typeface="Calibri" panose="020F0502020204030204" pitchFamily="34" charset="0"/>
+              <a:cs typeface="Arial" panose="020B0604020202020204" pitchFamily="34" charset="0"/>
+            </a:endParaRPr>
+          </a:p>
+        </p:txBody>
+      </p:sp>
+      <p:sp>
+        <p:nvSpPr>
+          <p:cNvPr id="16" name="Foliennummernplatzhalter 15">
+            <a:extLst>
+              <a:ext uri="{FF2B5EF4-FFF2-40B4-BE49-F238E27FC236}">
+                <a16:creationId xmlns:a16="http://schemas.microsoft.com/office/drawing/2014/main" id="{54301BF6-FE78-427B-A477-62B1EC9DCA26}"/>
+              </a:ext>
+            </a:extLst>
+          </p:cNvPr>
+          <p:cNvSpPr>
+            <a:spLocks noGrp="1"/>
+          </p:cNvSpPr>
+          <p:nvPr>
+            <p:ph type="sldNum" sz="quarter" idx="12"/>
+          </p:nvPr>
+        </p:nvSpPr>
+        <p:spPr/>
+        <p:txBody>
+          <a:bodyPr/>
+          <a:lstStyle/>
+          <a:p>
+            <a:fld id="{7791C37A-9F0F-4FE1-BBD5-516FDD76FEAE}" type="slidenum">
+              <a:rPr lang="de-DE" smtClean="0"/>
+              <a:t>8</a:t>
+            </a:fld>
+            <a:endParaRPr lang="de-DE"/>
+          </a:p>
+        </p:txBody>
+      </p:sp>
+    </p:spTree>
+    <p:extLst>
+      <p:ext uri="{BB962C8B-B14F-4D97-AF65-F5344CB8AC3E}">
+        <p14:creationId xmlns:p14="http://schemas.microsoft.com/office/powerpoint/2010/main" val="1648286049"/>
+      </p:ext>
+    </p:extLst>
+  </p:cSld>
+  <p:clrMapOvr>
+    <a:masterClrMapping/>
+  </p:clrMapOvr>
+  <mc:AlternateContent xmlns:mc="http://schemas.openxmlformats.org/markup-compatibility/2006" xmlns:p159="http://schemas.microsoft.com/office/powerpoint/2015/09/main">
+    <mc:Choice Requires="p159">
+      <p:transition xmlns:p14="http://schemas.microsoft.com/office/powerpoint/2010/main" spd="slow" p14:dur="2000">
+        <p159:morph option="byObject"/>
+      </p:transition>
+    </mc:Choice>
+    <mc:Fallback xmlns="">
+      <p:transition spd="slow">
+        <p:fade/>
+      </p:transition>
+    </mc:Fallback>
+  </mc:AlternateContent>
+</p:sld>
+</file>
+
+<file path=ppt/slides/slide9.xml><?xml version="1.0" encoding="utf-8"?>
+<p:sld xmlns:a="http://schemas.openxmlformats.org/drawingml/2006/main" xmlns:r="http://schemas.openxmlformats.org/officeDocument/2006/relationships" xmlns:p="http://schemas.openxmlformats.org/presentationml/2006/main">
+  <p:cSld>
+    <p:spTree>
+      <p:nvGrpSpPr>
+        <p:cNvPr id="1" name=""/>
+        <p:cNvGrpSpPr/>
+        <p:nvPr/>
+      </p:nvGrpSpPr>
+      <p:grpSpPr>
+        <a:xfrm>
+          <a:off x="0" y="0"/>
+          <a:ext cx="0" cy="0"/>
+          <a:chOff x="0" y="0"/>
+          <a:chExt cx="0" cy="0"/>
+        </a:xfrm>
+      </p:grpSpPr>
+      <p:sp>
+        <p:nvSpPr>
+          <p:cNvPr id="2" name="Titel 1">
+            <a:extLst>
+              <a:ext uri="{FF2B5EF4-FFF2-40B4-BE49-F238E27FC236}">
+                <a16:creationId xmlns:a16="http://schemas.microsoft.com/office/drawing/2014/main" id="{91624A50-60CF-434F-ADD3-31BD2C369B14}"/>
+              </a:ext>
+            </a:extLst>
+          </p:cNvPr>
+          <p:cNvSpPr>
+            <a:spLocks noGrp="1"/>
+          </p:cNvSpPr>
+          <p:nvPr>
+            <p:ph type="title"/>
+          </p:nvPr>
+        </p:nvSpPr>
+        <p:spPr/>
+        <p:txBody>
+          <a:bodyPr/>
+          <a:lstStyle/>
+          <a:p>
+            <a:r>
+              <a:rPr lang="de-DE" b="1" dirty="0" err="1"/>
+              <a:t>Conclusions</a:t>
+            </a:r>
+            <a:r>
+              <a:rPr lang="de-DE" b="1" dirty="0"/>
+              <a:t> &amp; Marketing </a:t>
+            </a:r>
+            <a:r>
+              <a:rPr lang="de-DE" b="1" dirty="0" err="1"/>
+              <a:t>Implications</a:t>
+            </a:r>
+            <a:endParaRPr lang="de-DE" b="1" dirty="0"/>
+          </a:p>
+        </p:txBody>
+      </p:sp>
+      <p:sp>
+        <p:nvSpPr>
+          <p:cNvPr id="3" name="Inhaltsplatzhalter 2">
+            <a:extLst>
+              <a:ext uri="{FF2B5EF4-FFF2-40B4-BE49-F238E27FC236}">
+                <a16:creationId xmlns:a16="http://schemas.microsoft.com/office/drawing/2014/main" id="{757A96DE-6D23-42C4-AB63-4B4FA680A94E}"/>
+              </a:ext>
+            </a:extLst>
+          </p:cNvPr>
+          <p:cNvSpPr>
+            <a:spLocks noGrp="1"/>
+          </p:cNvSpPr>
+          <p:nvPr>
+            <p:ph sz="half" idx="1"/>
+          </p:nvPr>
+        </p:nvSpPr>
         <p:spPr/>
         <p:txBody>
           <a:bodyPr>
@@ -7339,28 +9477,20 @@
           </a:p>
           <a:p>
             <a:r>
+              <a:rPr lang="en-US" sz="2000" b="1" dirty="0">
+                <a:effectLst/>
+                <a:latin typeface="Times New Roman" panose="02020603050405020304" pitchFamily="18" charset="0"/>
+                <a:ea typeface="Calibri" panose="020F0502020204030204" pitchFamily="34" charset="0"/>
+              </a:rPr>
+              <a:t>Social imagery: </a:t>
+            </a:r>
+            <a:r>
               <a:rPr lang="en-US" sz="2000" dirty="0">
                 <a:effectLst/>
                 <a:latin typeface="Times New Roman" panose="02020603050405020304" pitchFamily="18" charset="0"/>
                 <a:ea typeface="Calibri" panose="020F0502020204030204" pitchFamily="34" charset="0"/>
               </a:rPr>
-              <a:t>The </a:t>
-            </a:r>
-            <a:r>
-              <a:rPr lang="en-US" sz="2000" b="1" dirty="0">
-                <a:effectLst/>
-                <a:latin typeface="Times New Roman" panose="02020603050405020304" pitchFamily="18" charset="0"/>
-                <a:ea typeface="Calibri" panose="020F0502020204030204" pitchFamily="34" charset="0"/>
-              </a:rPr>
-              <a:t>public image of the lead candidate </a:t>
-            </a:r>
-            <a:r>
-              <a:rPr lang="en-US" sz="2000" dirty="0">
-                <a:effectLst/>
-                <a:latin typeface="Times New Roman" panose="02020603050405020304" pitchFamily="18" charset="0"/>
-                <a:ea typeface="Calibri" panose="020F0502020204030204" pitchFamily="34" charset="0"/>
-              </a:rPr>
-              <a:t>seems to be one of the central drivers for voter behavior. </a:t>
+              <a:t>public image of the lead candidate seems to be one of the central drivers for voter behavior. </a:t>
             </a:r>
           </a:p>
           <a:p>
@@ -7436,7 +9566,7 @@
           <a:p>
             <a:fld id="{7791C37A-9F0F-4FE1-BBD5-516FDD76FEAE}" type="slidenum">
               <a:rPr lang="de-DE" smtClean="0"/>
-              <a:t>7</a:t>
+              <a:t>9</a:t>
             </a:fld>
             <a:endParaRPr lang="de-DE"/>
           </a:p>
@@ -7476,70 +9606,47 @@
                 <a:latin typeface="Times New Roman" panose="02020603050405020304" pitchFamily="18" charset="0"/>
                 <a:ea typeface="Calibri" panose="020F0502020204030204" pitchFamily="34" charset="0"/>
               </a:rPr>
-              <a:t>Figure </a:t>
+              <a:t>Figure 10: </a:t>
             </a:r>
             <a:r>
               <a:rPr lang="en-US" sz="1200" i="1" dirty="0">
-                <a:latin typeface="Times New Roman" panose="02020603050405020304" pitchFamily="18" charset="0"/>
-                <a:ea typeface="Calibri" panose="020F0502020204030204" pitchFamily="34" charset="0"/>
-              </a:rPr>
-              <a:t>8</a:t>
+                <a:effectLst/>
+                <a:latin typeface="Times New Roman" panose="02020603050405020304" pitchFamily="18" charset="0"/>
+                <a:ea typeface="Times New Roman" panose="02020603050405020304" pitchFamily="18" charset="0"/>
+              </a:rPr>
+              <a:t>Polled preferences for the chancellor position in a comparison between lead candidates (Sources: Eckstein et. al. 2021, </a:t>
+            </a:r>
+            <a:r>
+              <a:rPr lang="en-US" sz="1200" i="1" dirty="0" err="1">
+                <a:effectLst/>
+                <a:latin typeface="Times New Roman" panose="02020603050405020304" pitchFamily="18" charset="0"/>
+                <a:ea typeface="Times New Roman" panose="02020603050405020304" pitchFamily="18" charset="0"/>
+              </a:rPr>
+              <a:t>Wahlen</a:t>
             </a:r>
             <a:r>
               <a:rPr lang="en-US" sz="1200" i="1" dirty="0">
                 <a:effectLst/>
                 <a:latin typeface="Times New Roman" panose="02020603050405020304" pitchFamily="18" charset="0"/>
-                <a:ea typeface="Calibri" panose="020F0502020204030204" pitchFamily="34" charset="0"/>
-              </a:rPr>
-              <a:t>: Polled preferences for the chancellor position in a comparison between lead candidates Armin </a:t>
+                <a:ea typeface="Times New Roman" panose="02020603050405020304" pitchFamily="18" charset="0"/>
+              </a:rPr>
+              <a:t> 2021, </a:t>
             </a:r>
             <a:r>
               <a:rPr lang="en-US" sz="1200" i="1" dirty="0" err="1">
                 <a:effectLst/>
                 <a:latin typeface="Times New Roman" panose="02020603050405020304" pitchFamily="18" charset="0"/>
-                <a:ea typeface="Calibri" panose="020F0502020204030204" pitchFamily="34" charset="0"/>
-              </a:rPr>
-              <a:t>Laschet</a:t>
+                <a:ea typeface="Times New Roman" panose="02020603050405020304" pitchFamily="18" charset="0"/>
+              </a:rPr>
+              <a:t>bpb</a:t>
             </a:r>
             <a:r>
               <a:rPr lang="en-US" sz="1200" i="1" dirty="0">
                 <a:effectLst/>
                 <a:latin typeface="Times New Roman" panose="02020603050405020304" pitchFamily="18" charset="0"/>
-                <a:ea typeface="Calibri" panose="020F0502020204030204" pitchFamily="34" charset="0"/>
-              </a:rPr>
-              <a:t> (CDU), </a:t>
-            </a:r>
-            <a:r>
-              <a:rPr lang="en-US" sz="1200" i="1" dirty="0" err="1">
-                <a:effectLst/>
-                <a:latin typeface="Times New Roman" panose="02020603050405020304" pitchFamily="18" charset="0"/>
-                <a:ea typeface="Calibri" panose="020F0502020204030204" pitchFamily="34" charset="0"/>
-              </a:rPr>
-              <a:t>Annalena</a:t>
-            </a:r>
-            <a:r>
-              <a:rPr lang="en-US" sz="1200" i="1" dirty="0">
-                <a:effectLst/>
-                <a:latin typeface="Times New Roman" panose="02020603050405020304" pitchFamily="18" charset="0"/>
-                <a:ea typeface="Calibri" panose="020F0502020204030204" pitchFamily="34" charset="0"/>
-              </a:rPr>
-              <a:t> </a:t>
-            </a:r>
-            <a:r>
-              <a:rPr lang="en-US" sz="1200" i="1" dirty="0" err="1">
-                <a:effectLst/>
-                <a:latin typeface="Times New Roman" panose="02020603050405020304" pitchFamily="18" charset="0"/>
-                <a:ea typeface="Calibri" panose="020F0502020204030204" pitchFamily="34" charset="0"/>
-              </a:rPr>
-              <a:t>Baerbock</a:t>
-            </a:r>
-            <a:r>
-              <a:rPr lang="en-US" sz="1200" i="1" dirty="0">
-                <a:effectLst/>
-                <a:latin typeface="Times New Roman" panose="02020603050405020304" pitchFamily="18" charset="0"/>
-                <a:ea typeface="Calibri" panose="020F0502020204030204" pitchFamily="34" charset="0"/>
-              </a:rPr>
-              <a:t> (Greens) and Olaf Scholz (SPD). </a:t>
+                <a:ea typeface="Times New Roman" panose="02020603050405020304" pitchFamily="18" charset="0"/>
+              </a:rPr>
+              <a:t> 2021c)</a:t>
             </a:r>
             <a:endParaRPr lang="de-DE" sz="1200" dirty="0"/>
           </a:p>
@@ -7555,13 +9662,13 @@
   <p:clrMapOvr>
     <a:masterClrMapping/>
   </p:clrMapOvr>
-  <mc:AlternateContent xmlns:mc="http://schemas.openxmlformats.org/markup-compatibility/2006">
-    <mc:Choice xmlns:p159="http://schemas.microsoft.com/office/powerpoint/2015/09/main" Requires="p159">
+  <mc:AlternateContent xmlns:mc="http://schemas.openxmlformats.org/markup-compatibility/2006" xmlns:p159="http://schemas.microsoft.com/office/powerpoint/2015/09/main">
+    <mc:Choice Requires="p159">
       <p:transition xmlns:p14="http://schemas.microsoft.com/office/powerpoint/2010/main" spd="slow" p14:dur="2000">
         <p159:morph option="byObject"/>
       </p:transition>
     </mc:Choice>
-    <mc:Fallback>
+    <mc:Fallback xmlns="">
       <p:transition spd="slow">
         <p:fade/>
       </p:transition>

--- a/thesis/Short Presentation.pptx
+++ b/thesis/Short Presentation.pptx
@@ -3883,13 +3883,13 @@
   <p:clrMapOvr>
     <a:masterClrMapping/>
   </p:clrMapOvr>
-  <mc:AlternateContent xmlns:mc="http://schemas.openxmlformats.org/markup-compatibility/2006" xmlns:p14="http://schemas.microsoft.com/office/powerpoint/2010/main">
-    <mc:Choice Requires="p14">
+  <mc:AlternateContent xmlns:mc="http://schemas.openxmlformats.org/markup-compatibility/2006">
+    <mc:Choice xmlns:p14="http://schemas.microsoft.com/office/powerpoint/2010/main" Requires="p14">
       <p:transition spd="slow" p14:dur="800">
         <p14:flythrough/>
       </p:transition>
     </mc:Choice>
-    <mc:Fallback xmlns="">
+    <mc:Fallback>
       <p:transition spd="slow">
         <p:fade/>
       </p:transition>
@@ -6255,45 +6255,6 @@
             </a:r>
             <a:endParaRPr lang="de-DE" sz="2000" dirty="0"/>
           </a:p>
-          <a:p>
-            <a:pPr>
-              <a:buFont typeface="Wingdings" panose="05000000000000000000" pitchFamily="2" charset="2"/>
-              <a:buChar char="§"/>
-            </a:pPr>
-            <a:r>
-              <a:rPr lang="en-US" sz="2000" dirty="0">
-                <a:effectLst/>
-                <a:latin typeface="Times New Roman" panose="02020603050405020304" pitchFamily="18" charset="0"/>
-                <a:ea typeface="Times New Roman" panose="02020603050405020304" pitchFamily="18" charset="0"/>
-              </a:rPr>
-              <a:t>Based on the work of </a:t>
-            </a:r>
-            <a:r>
-              <a:rPr lang="en-US" sz="2000" b="1" dirty="0" err="1">
-                <a:effectLst/>
-                <a:latin typeface="Times New Roman" panose="02020603050405020304" pitchFamily="18" charset="0"/>
-                <a:ea typeface="Times New Roman" panose="02020603050405020304" pitchFamily="18" charset="0"/>
-              </a:rPr>
-              <a:t>Giavazzi</a:t>
-            </a:r>
-            <a:r>
-              <a:rPr lang="en-US" sz="2000" b="1" dirty="0">
-                <a:effectLst/>
-                <a:latin typeface="Times New Roman" panose="02020603050405020304" pitchFamily="18" charset="0"/>
-                <a:ea typeface="Times New Roman" panose="02020603050405020304" pitchFamily="18" charset="0"/>
-              </a:rPr>
-              <a:t> et al. (2020), </a:t>
-            </a:r>
-            <a:r>
-              <a:rPr lang="en-US" sz="2000" dirty="0">
-                <a:effectLst/>
-                <a:latin typeface="Times New Roman" panose="02020603050405020304" pitchFamily="18" charset="0"/>
-                <a:ea typeface="Times New Roman" panose="02020603050405020304" pitchFamily="18" charset="0"/>
-              </a:rPr>
-              <a:t>which identified a shift in text similarity between German political parties following terror attacks, this research conducted a topic-specific analysis to identify similar shifts in central election topics. </a:t>
-            </a:r>
-            <a:endParaRPr lang="de-DE" sz="2000" dirty="0"/>
-          </a:p>
         </p:txBody>
       </p:sp>
       <p:sp>
@@ -6335,13 +6296,13 @@
   <p:clrMapOvr>
     <a:masterClrMapping/>
   </p:clrMapOvr>
-  <mc:AlternateContent xmlns:mc="http://schemas.openxmlformats.org/markup-compatibility/2006" xmlns:p159="http://schemas.microsoft.com/office/powerpoint/2015/09/main">
-    <mc:Choice Requires="p159">
+  <mc:AlternateContent xmlns:mc="http://schemas.openxmlformats.org/markup-compatibility/2006">
+    <mc:Choice xmlns:p159="http://schemas.microsoft.com/office/powerpoint/2015/09/main" Requires="p159">
       <p:transition xmlns:p14="http://schemas.microsoft.com/office/powerpoint/2010/main" spd="slow" p14:dur="2000">
         <p159:morph option="byObject"/>
       </p:transition>
     </mc:Choice>
-    <mc:Fallback xmlns="">
+    <mc:Fallback>
       <p:transition spd="slow">
         <p:fade/>
       </p:transition>
@@ -6761,107 +6722,38 @@
             </a:r>
             <a:r>
               <a:rPr lang="de-DE" sz="2000" dirty="0" err="1">
-                <a:effectLst/>
                 <a:latin typeface="Times New Roman" panose="02020603050405020304" pitchFamily="18" charset="0"/>
                 <a:ea typeface="Calibri" panose="020F0502020204030204" pitchFamily="34" charset="0"/>
               </a:rPr>
+              <a:t>drivers</a:t>
+            </a:r>
+            <a:r>
+              <a:rPr lang="de-DE" sz="2000" dirty="0">
+                <a:latin typeface="Times New Roman" panose="02020603050405020304" pitchFamily="18" charset="0"/>
+                <a:ea typeface="Calibri" panose="020F0502020204030204" pitchFamily="34" charset="0"/>
+              </a:rPr>
+              <a:t> </a:t>
+            </a:r>
+            <a:r>
+              <a:rPr lang="de-DE" sz="2000" dirty="0" err="1">
+                <a:latin typeface="Times New Roman" panose="02020603050405020304" pitchFamily="18" charset="0"/>
+                <a:ea typeface="Calibri" panose="020F0502020204030204" pitchFamily="34" charset="0"/>
+              </a:rPr>
+              <a:t>of</a:t>
+            </a:r>
+            <a:r>
+              <a:rPr lang="de-DE" sz="2000" dirty="0">
+                <a:latin typeface="Times New Roman" panose="02020603050405020304" pitchFamily="18" charset="0"/>
+                <a:ea typeface="Calibri" panose="020F0502020204030204" pitchFamily="34" charset="0"/>
+              </a:rPr>
+              <a:t> </a:t>
+            </a:r>
+            <a:r>
+              <a:rPr lang="de-DE" sz="2000" dirty="0" err="1">
+                <a:latin typeface="Times New Roman" panose="02020603050405020304" pitchFamily="18" charset="0"/>
+                <a:ea typeface="Calibri" panose="020F0502020204030204" pitchFamily="34" charset="0"/>
+              </a:rPr>
               <a:t>success</a:t>
-            </a:r>
-            <a:r>
-              <a:rPr lang="de-DE" sz="2000" dirty="0">
-                <a:effectLst/>
-                <a:latin typeface="Times New Roman" panose="02020603050405020304" pitchFamily="18" charset="0"/>
-                <a:ea typeface="Calibri" panose="020F0502020204030204" pitchFamily="34" charset="0"/>
-              </a:rPr>
-              <a:t> </a:t>
-            </a:r>
-            <a:r>
-              <a:rPr lang="de-DE" sz="2000" dirty="0" err="1">
-                <a:effectLst/>
-                <a:latin typeface="Times New Roman" panose="02020603050405020304" pitchFamily="18" charset="0"/>
-                <a:ea typeface="Calibri" panose="020F0502020204030204" pitchFamily="34" charset="0"/>
-              </a:rPr>
-              <a:t>drivers</a:t>
-            </a:r>
-            <a:r>
-              <a:rPr lang="de-DE" sz="2000" dirty="0">
-                <a:effectLst/>
-                <a:latin typeface="Times New Roman" panose="02020603050405020304" pitchFamily="18" charset="0"/>
-                <a:ea typeface="Calibri" panose="020F0502020204030204" pitchFamily="34" charset="0"/>
-              </a:rPr>
-              <a:t> </a:t>
-            </a:r>
-            <a:r>
-              <a:rPr lang="de-DE" sz="2000" dirty="0" err="1">
-                <a:effectLst/>
-                <a:latin typeface="Times New Roman" panose="02020603050405020304" pitchFamily="18" charset="0"/>
-                <a:ea typeface="Calibri" panose="020F0502020204030204" pitchFamily="34" charset="0"/>
-              </a:rPr>
-              <a:t>for</a:t>
-            </a:r>
-            <a:r>
-              <a:rPr lang="de-DE" sz="2000" dirty="0">
-                <a:effectLst/>
-                <a:latin typeface="Times New Roman" panose="02020603050405020304" pitchFamily="18" charset="0"/>
-                <a:ea typeface="Calibri" panose="020F0502020204030204" pitchFamily="34" charset="0"/>
-              </a:rPr>
-              <a:t> </a:t>
-            </a:r>
-            <a:r>
-              <a:rPr lang="de-DE" sz="2000" dirty="0" err="1">
-                <a:effectLst/>
-                <a:latin typeface="Times New Roman" panose="02020603050405020304" pitchFamily="18" charset="0"/>
-                <a:ea typeface="Calibri" panose="020F0502020204030204" pitchFamily="34" charset="0"/>
-              </a:rPr>
-              <a:t>political</a:t>
-            </a:r>
-            <a:r>
-              <a:rPr lang="de-DE" sz="2000" dirty="0">
-                <a:effectLst/>
-                <a:latin typeface="Times New Roman" panose="02020603050405020304" pitchFamily="18" charset="0"/>
-                <a:ea typeface="Calibri" panose="020F0502020204030204" pitchFamily="34" charset="0"/>
-              </a:rPr>
-              <a:t> </a:t>
-            </a:r>
-            <a:r>
-              <a:rPr lang="de-DE" sz="2000" dirty="0" err="1">
-                <a:effectLst/>
-                <a:latin typeface="Times New Roman" panose="02020603050405020304" pitchFamily="18" charset="0"/>
-                <a:ea typeface="Calibri" panose="020F0502020204030204" pitchFamily="34" charset="0"/>
-              </a:rPr>
-              <a:t>marketing</a:t>
-            </a:r>
-            <a:r>
-              <a:rPr lang="de-DE" sz="2000" dirty="0">
-                <a:effectLst/>
-                <a:latin typeface="Times New Roman" panose="02020603050405020304" pitchFamily="18" charset="0"/>
-                <a:ea typeface="Calibri" panose="020F0502020204030204" pitchFamily="34" charset="0"/>
-              </a:rPr>
-              <a:t> </a:t>
-            </a:r>
-            <a:r>
-              <a:rPr lang="de-DE" sz="2000" dirty="0" err="1">
-                <a:effectLst/>
-                <a:latin typeface="Times New Roman" panose="02020603050405020304" pitchFamily="18" charset="0"/>
-                <a:ea typeface="Calibri" panose="020F0502020204030204" pitchFamily="34" charset="0"/>
-              </a:rPr>
-              <a:t>regarding</a:t>
-            </a:r>
-            <a:r>
-              <a:rPr lang="de-DE" sz="2000" dirty="0">
-                <a:effectLst/>
-                <a:latin typeface="Times New Roman" panose="02020603050405020304" pitchFamily="18" charset="0"/>
-                <a:ea typeface="Calibri" panose="020F0502020204030204" pitchFamily="34" charset="0"/>
-              </a:rPr>
-              <a:t> </a:t>
-            </a:r>
-            <a:r>
-              <a:rPr lang="de-DE" sz="2000" dirty="0" err="1">
-                <a:effectLst/>
-                <a:latin typeface="Times New Roman" panose="02020603050405020304" pitchFamily="18" charset="0"/>
-                <a:ea typeface="Calibri" panose="020F0502020204030204" pitchFamily="34" charset="0"/>
-              </a:rPr>
-              <a:t>elections</a:t>
             </a:r>
             <a:endParaRPr lang="de-DE" sz="2000" dirty="0"/>
           </a:p>
@@ -7601,13 +7493,13 @@
   <p:clrMapOvr>
     <a:masterClrMapping/>
   </p:clrMapOvr>
-  <mc:AlternateContent xmlns:mc="http://schemas.openxmlformats.org/markup-compatibility/2006" xmlns:p159="http://schemas.microsoft.com/office/powerpoint/2015/09/main">
-    <mc:Choice Requires="p159">
+  <mc:AlternateContent xmlns:mc="http://schemas.openxmlformats.org/markup-compatibility/2006">
+    <mc:Choice xmlns:p159="http://schemas.microsoft.com/office/powerpoint/2015/09/main" Requires="p159">
       <p:transition xmlns:p14="http://schemas.microsoft.com/office/powerpoint/2010/main" spd="slow" p14:dur="2000">
         <p159:morph option="byObject"/>
       </p:transition>
     </mc:Choice>
-    <mc:Fallback xmlns="">
+    <mc:Fallback>
       <p:transition spd="slow">
         <p:fade/>
       </p:transition>
@@ -8243,13 +8135,13 @@
   <p:clrMapOvr>
     <a:masterClrMapping/>
   </p:clrMapOvr>
-  <mc:AlternateContent xmlns:mc="http://schemas.openxmlformats.org/markup-compatibility/2006" xmlns:p159="http://schemas.microsoft.com/office/powerpoint/2015/09/main">
-    <mc:Choice Requires="p159">
+  <mc:AlternateContent xmlns:mc="http://schemas.openxmlformats.org/markup-compatibility/2006">
+    <mc:Choice xmlns:p159="http://schemas.microsoft.com/office/powerpoint/2015/09/main" Requires="p159">
       <p:transition xmlns:p14="http://schemas.microsoft.com/office/powerpoint/2010/main" spd="slow" p14:dur="2000">
         <p159:morph option="byObject"/>
       </p:transition>
     </mc:Choice>
-    <mc:Fallback xmlns="">
+    <mc:Fallback>
       <p:transition spd="slow">
         <p:fade/>
       </p:transition>
@@ -8736,13 +8628,13 @@
   <p:clrMapOvr>
     <a:masterClrMapping/>
   </p:clrMapOvr>
-  <mc:AlternateContent xmlns:mc="http://schemas.openxmlformats.org/markup-compatibility/2006" xmlns:p159="http://schemas.microsoft.com/office/powerpoint/2015/09/main">
-    <mc:Choice Requires="p159">
+  <mc:AlternateContent xmlns:mc="http://schemas.openxmlformats.org/markup-compatibility/2006">
+    <mc:Choice xmlns:p159="http://schemas.microsoft.com/office/powerpoint/2015/09/main" Requires="p159">
       <p:transition xmlns:p14="http://schemas.microsoft.com/office/powerpoint/2010/main" spd="slow" p14:dur="2000">
         <p159:morph option="byObject"/>
       </p:transition>
     </mc:Choice>
-    <mc:Fallback xmlns="">
+    <mc:Fallback>
       <p:transition spd="slow">
         <p:fade/>
       </p:transition>
@@ -9314,13 +9206,13 @@
   <p:clrMapOvr>
     <a:masterClrMapping/>
   </p:clrMapOvr>
-  <mc:AlternateContent xmlns:mc="http://schemas.openxmlformats.org/markup-compatibility/2006" xmlns:p159="http://schemas.microsoft.com/office/powerpoint/2015/09/main">
-    <mc:Choice Requires="p159">
+  <mc:AlternateContent xmlns:mc="http://schemas.openxmlformats.org/markup-compatibility/2006">
+    <mc:Choice xmlns:p159="http://schemas.microsoft.com/office/powerpoint/2015/09/main" Requires="p159">
       <p:transition xmlns:p14="http://schemas.microsoft.com/office/powerpoint/2010/main" spd="slow" p14:dur="2000">
         <p159:morph option="byObject"/>
       </p:transition>
     </mc:Choice>
-    <mc:Fallback xmlns="">
+    <mc:Fallback>
       <p:transition spd="slow">
         <p:fade/>
       </p:transition>
@@ -9662,13 +9554,13 @@
   <p:clrMapOvr>
     <a:masterClrMapping/>
   </p:clrMapOvr>
-  <mc:AlternateContent xmlns:mc="http://schemas.openxmlformats.org/markup-compatibility/2006" xmlns:p159="http://schemas.microsoft.com/office/powerpoint/2015/09/main">
-    <mc:Choice Requires="p159">
+  <mc:AlternateContent xmlns:mc="http://schemas.openxmlformats.org/markup-compatibility/2006">
+    <mc:Choice xmlns:p159="http://schemas.microsoft.com/office/powerpoint/2015/09/main" Requires="p159">
       <p:transition xmlns:p14="http://schemas.microsoft.com/office/powerpoint/2010/main" spd="slow" p14:dur="2000">
         <p159:morph option="byObject"/>
       </p:transition>
     </mc:Choice>
-    <mc:Fallback xmlns="">
+    <mc:Fallback>
       <p:transition spd="slow">
         <p:fade/>
       </p:transition>
